--- a/bootcamp.pptx
+++ b/bootcamp.pptx
@@ -9,7 +9,6 @@
     <p:sldId id="257" r:id="rId3"/>
     <p:sldId id="258" r:id="rId4"/>
     <p:sldId id="259" r:id="rId5"/>
-    <p:sldId id="260" r:id="rId6"/>
   </p:sldIdLst>
   <p:sldSz cx="12192000" cy="6858000"/>
   <p:notesSz cx="6858000" cy="9144000"/>
@@ -108,6 +107,11 @@
       </a:defRPr>
     </a:lvl9pPr>
   </p:defaultTextStyle>
+  <p:extLst>
+    <p:ext uri="{EFAFB233-063F-42B5-8137-9DF3F51BA10A}">
+      <p15:sldGuideLst xmlns:p15="http://schemas.microsoft.com/office/powerpoint/2012/main"/>
+    </p:ext>
+  </p:extLst>
 </p:presentation>
 </file>
 
@@ -3872,6 +3876,62 @@
           </a:prstGeom>
         </p:spPr>
       </p:pic>
+      <p:sp>
+        <p:nvSpPr>
+          <p:cNvPr id="5" name="CaixaDeTexto 4">
+            <a:extLst>
+              <a:ext uri="{FF2B5EF4-FFF2-40B4-BE49-F238E27FC236}">
+                <a16:creationId xmlns:a16="http://schemas.microsoft.com/office/drawing/2014/main" id="{3B95ADF1-17CF-4AC0-87E2-73F2DA7AFA5A}"/>
+              </a:ext>
+            </a:extLst>
+          </p:cNvPr>
+          <p:cNvSpPr txBox="1"/>
+          <p:nvPr/>
+        </p:nvSpPr>
+        <p:spPr>
+          <a:xfrm>
+            <a:off x="219075" y="6051647"/>
+            <a:ext cx="6191251" cy="492443"/>
+          </a:xfrm>
+          <a:prstGeom prst="rect">
+            <a:avLst/>
+          </a:prstGeom>
+          <a:noFill/>
+        </p:spPr>
+        <p:txBody>
+          <a:bodyPr wrap="square" rtlCol="0">
+            <a:spAutoFit/>
+          </a:bodyPr>
+          <a:lstStyle/>
+          <a:p>
+            <a:r>
+              <a:rPr lang="pt-BR" sz="1400" dirty="0">
+                <a:latin typeface="Arial" panose="020B0604020202020204" pitchFamily="34" charset="0"/>
+                <a:cs typeface="Arial" panose="020B0604020202020204" pitchFamily="34" charset="0"/>
+              </a:rPr>
+              <a:t>Repositório no GitHub</a:t>
+            </a:r>
+          </a:p>
+          <a:p>
+            <a:pPr marL="285750" indent="-285750">
+              <a:buFont typeface="Arial" panose="020B0604020202020204" pitchFamily="34" charset="0"/>
+              <a:buChar char="•"/>
+            </a:pPr>
+            <a:r>
+              <a:rPr lang="pt-BR" sz="1200" dirty="0">
+                <a:latin typeface="Arial" panose="020B0604020202020204" pitchFamily="34" charset="0"/>
+                <a:cs typeface="Arial" panose="020B0604020202020204" pitchFamily="34" charset="0"/>
+                <a:hlinkClick r:id="rId3"/>
+              </a:rPr>
+              <a:t>https://github.com/zgiuliana/bootcamp_itau_dados.git</a:t>
+            </a:r>
+            <a:endParaRPr lang="pt-BR" sz="1200" dirty="0">
+              <a:latin typeface="Arial" panose="020B0604020202020204" pitchFamily="34" charset="0"/>
+              <a:cs typeface="Arial" panose="020B0604020202020204" pitchFamily="34" charset="0"/>
+            </a:endParaRPr>
+          </a:p>
+        </p:txBody>
+      </p:sp>
     </p:spTree>
     <p:extLst>
       <p:ext uri="{BB962C8B-B14F-4D97-AF65-F5344CB8AC3E}">
@@ -5201,198 +5261,10 @@
           <a:chExt cx="0" cy="0"/>
         </a:xfrm>
       </p:grpSpPr>
-      <p:grpSp>
-        <p:nvGrpSpPr>
-          <p:cNvPr id="9" name="Agrupar 8">
-            <a:extLst>
-              <a:ext uri="{FF2B5EF4-FFF2-40B4-BE49-F238E27FC236}">
-                <a16:creationId xmlns:a16="http://schemas.microsoft.com/office/drawing/2014/main" id="{C6306989-C9C9-4D61-802E-4EF9A63E74A9}"/>
-              </a:ext>
-            </a:extLst>
-          </p:cNvPr>
-          <p:cNvGrpSpPr/>
-          <p:nvPr/>
-        </p:nvGrpSpPr>
-        <p:grpSpPr>
-          <a:xfrm>
-            <a:off x="-19051" y="-1842"/>
-            <a:ext cx="12211052" cy="6859842"/>
-            <a:chOff x="-19051" y="-1842"/>
-            <a:chExt cx="12211052" cy="6859842"/>
-          </a:xfrm>
-        </p:grpSpPr>
-        <p:pic>
-          <p:nvPicPr>
-            <p:cNvPr id="7" name="Imagem 6">
-              <a:extLst>
-                <a:ext uri="{FF2B5EF4-FFF2-40B4-BE49-F238E27FC236}">
-                  <a16:creationId xmlns:a16="http://schemas.microsoft.com/office/drawing/2014/main" id="{E55E7A07-09F0-46D4-B73B-0754A30EB0EF}"/>
-                </a:ext>
-              </a:extLst>
-            </p:cNvPr>
-            <p:cNvPicPr>
-              <a:picLocks noChangeAspect="1"/>
-            </p:cNvPicPr>
-            <p:nvPr/>
-          </p:nvPicPr>
-          <p:blipFill rotWithShape="1">
-            <a:blip r:embed="rId2"/>
-            <a:srcRect t="1274" r="45945"/>
-            <a:stretch/>
-          </p:blipFill>
-          <p:spPr>
-            <a:xfrm>
-              <a:off x="7048499" y="-1842"/>
-              <a:ext cx="5143502" cy="6859842"/>
-            </a:xfrm>
-            <a:prstGeom prst="rect">
-              <a:avLst/>
-            </a:prstGeom>
-          </p:spPr>
-        </p:pic>
-        <p:pic>
-          <p:nvPicPr>
-            <p:cNvPr id="5" name="Imagem 4">
-              <a:extLst>
-                <a:ext uri="{FF2B5EF4-FFF2-40B4-BE49-F238E27FC236}">
-                  <a16:creationId xmlns:a16="http://schemas.microsoft.com/office/drawing/2014/main" id="{DB3A5740-1B2F-4999-8B88-6514741983BF}"/>
-                </a:ext>
-              </a:extLst>
-            </p:cNvPr>
-            <p:cNvPicPr>
-              <a:picLocks noChangeAspect="1"/>
-            </p:cNvPicPr>
-            <p:nvPr/>
-          </p:nvPicPr>
-          <p:blipFill rotWithShape="1">
-            <a:blip r:embed="rId2"/>
-            <a:srcRect t="1274" r="1396"/>
-            <a:stretch/>
-          </p:blipFill>
-          <p:spPr>
-            <a:xfrm>
-              <a:off x="8153400" y="0"/>
-              <a:ext cx="4038600" cy="2952750"/>
-            </a:xfrm>
-            <a:prstGeom prst="rect">
-              <a:avLst/>
-            </a:prstGeom>
-          </p:spPr>
-        </p:pic>
-        <p:pic>
-          <p:nvPicPr>
-            <p:cNvPr id="8" name="Imagem 7">
-              <a:extLst>
-                <a:ext uri="{FF2B5EF4-FFF2-40B4-BE49-F238E27FC236}">
-                  <a16:creationId xmlns:a16="http://schemas.microsoft.com/office/drawing/2014/main" id="{9B66754E-E334-4B2C-A400-1365FD6478B1}"/>
-                </a:ext>
-              </a:extLst>
-            </p:cNvPr>
-            <p:cNvPicPr>
-              <a:picLocks noChangeAspect="1"/>
-            </p:cNvPicPr>
-            <p:nvPr/>
-          </p:nvPicPr>
-          <p:blipFill rotWithShape="1">
-            <a:blip r:embed="rId2"/>
-            <a:srcRect t="1274" r="15814"/>
-            <a:stretch/>
-          </p:blipFill>
-          <p:spPr>
-            <a:xfrm>
-              <a:off x="-19051" y="-1842"/>
-              <a:ext cx="8010525" cy="6859842"/>
-            </a:xfrm>
-            <a:prstGeom prst="rect">
-              <a:avLst/>
-            </a:prstGeom>
-          </p:spPr>
-        </p:pic>
-      </p:grpSp>
     </p:spTree>
     <p:extLst>
       <p:ext uri="{BB962C8B-B14F-4D97-AF65-F5344CB8AC3E}">
         <p14:creationId xmlns:p14="http://schemas.microsoft.com/office/powerpoint/2010/main" val="3971885389"/>
-      </p:ext>
-    </p:extLst>
-  </p:cSld>
-  <p:clrMapOvr>
-    <a:masterClrMapping/>
-  </p:clrMapOvr>
-</p:sld>
-</file>
-
-<file path=ppt/slides/slide5.xml><?xml version="1.0" encoding="utf-8"?>
-<p:sld xmlns:a="http://schemas.openxmlformats.org/drawingml/2006/main" xmlns:r="http://schemas.openxmlformats.org/officeDocument/2006/relationships" xmlns:p="http://schemas.openxmlformats.org/presentationml/2006/main">
-  <p:cSld>
-    <p:spTree>
-      <p:nvGrpSpPr>
-        <p:cNvPr id="1" name=""/>
-        <p:cNvGrpSpPr/>
-        <p:nvPr/>
-      </p:nvGrpSpPr>
-      <p:grpSpPr>
-        <a:xfrm>
-          <a:off x="0" y="0"/>
-          <a:ext cx="0" cy="0"/>
-          <a:chOff x="0" y="0"/>
-          <a:chExt cx="0" cy="0"/>
-        </a:xfrm>
-      </p:grpSpPr>
-      <p:sp>
-        <p:nvSpPr>
-          <p:cNvPr id="2" name="Título 1">
-            <a:extLst>
-              <a:ext uri="{FF2B5EF4-FFF2-40B4-BE49-F238E27FC236}">
-                <a16:creationId xmlns:a16="http://schemas.microsoft.com/office/drawing/2014/main" id="{670F4AC4-BF38-4FDE-8728-E2E7CDED7962}"/>
-              </a:ext>
-            </a:extLst>
-          </p:cNvPr>
-          <p:cNvSpPr>
-            <a:spLocks noGrp="1"/>
-          </p:cNvSpPr>
-          <p:nvPr>
-            <p:ph type="title"/>
-          </p:nvPr>
-        </p:nvSpPr>
-        <p:spPr/>
-        <p:txBody>
-          <a:bodyPr/>
-          <a:lstStyle/>
-          <a:p>
-            <a:endParaRPr lang="pt-BR"/>
-          </a:p>
-        </p:txBody>
-      </p:sp>
-      <p:sp>
-        <p:nvSpPr>
-          <p:cNvPr id="3" name="Espaço Reservado para Conteúdo 2">
-            <a:extLst>
-              <a:ext uri="{FF2B5EF4-FFF2-40B4-BE49-F238E27FC236}">
-                <a16:creationId xmlns:a16="http://schemas.microsoft.com/office/drawing/2014/main" id="{7B6B1316-4B90-4824-92C5-DD5187A11F08}"/>
-              </a:ext>
-            </a:extLst>
-          </p:cNvPr>
-          <p:cNvSpPr>
-            <a:spLocks noGrp="1"/>
-          </p:cNvSpPr>
-          <p:nvPr>
-            <p:ph idx="1"/>
-          </p:nvPr>
-        </p:nvSpPr>
-        <p:spPr/>
-        <p:txBody>
-          <a:bodyPr/>
-          <a:lstStyle/>
-          <a:p>
-            <a:endParaRPr lang="pt-BR"/>
-          </a:p>
-        </p:txBody>
-      </p:sp>
-    </p:spTree>
-    <p:extLst>
-      <p:ext uri="{BB962C8B-B14F-4D97-AF65-F5344CB8AC3E}">
-        <p14:creationId xmlns:p14="http://schemas.microsoft.com/office/powerpoint/2010/main" val="2355803656"/>
       </p:ext>
     </p:extLst>
   </p:cSld>

--- a/bootcamp.pptx
+++ b/bootcamp.pptx
@@ -1,25 +1,120 @@
 
 <file path=ppt/presentation.xml><?xml version="1.0" encoding="utf-8"?>
-<p:presentation xmlns:a="http://schemas.openxmlformats.org/drawingml/2006/main" xmlns:p="http://schemas.openxmlformats.org/presentationml/2006/main" xmlns:r="http://schemas.openxmlformats.org/officeDocument/2006/relationships" xmlns:p14="http://schemas.microsoft.com/office/powerpoint/2010/main" xmlns:p15="http://schemas.microsoft.com/office/powerpoint/2012/main" xmlns:mc="http://schemas.openxmlformats.org/markup-compatibility/2006">
+<p:presentation xmlns:a="http://schemas.openxmlformats.org/drawingml/2006/main" xmlns:r="http://schemas.openxmlformats.org/officeDocument/2006/relationships" xmlns:p="http://schemas.openxmlformats.org/presentationml/2006/main">
   <p:sldMasterIdLst>
-    <p:sldMasterId id="2147483648" r:id="rId2"/>
-    <p:sldMasterId id="2147483661" r:id="rId3"/>
+    <p:sldMasterId id="2147483648" r:id="rId1"/>
+    <p:sldMasterId id="2147483661" r:id="rId2"/>
   </p:sldMasterIdLst>
   <p:sldIdLst>
-    <p:sldId id="256" r:id="rId4"/>
-    <p:sldId id="257" r:id="rId5"/>
-    <p:sldId id="258" r:id="rId6"/>
-    <p:sldId id="259" r:id="rId7"/>
-    <p:sldId id="260" r:id="rId8"/>
-    <p:sldId id="261" r:id="rId9"/>
+    <p:sldId id="256" r:id="rId3"/>
+    <p:sldId id="257" r:id="rId4"/>
+    <p:sldId id="258" r:id="rId5"/>
+    <p:sldId id="259" r:id="rId6"/>
+    <p:sldId id="260" r:id="rId7"/>
+    <p:sldId id="261" r:id="rId8"/>
   </p:sldIdLst>
   <p:sldSz cx="12192000" cy="6858000"/>
-  <p:notesSz cx="7559675" cy="10691812"/>
+  <p:notesSz cx="7559675" cy="10691813"/>
+  <p:defaultTextStyle>
+    <a:defPPr>
+      <a:defRPr lang="pt-BR"/>
+    </a:defPPr>
+    <a:lvl1pPr marL="0" algn="l" defTabSz="914400" rtl="0" eaLnBrk="1" latinLnBrk="0" hangingPunct="1">
+      <a:defRPr sz="1800" kern="1200">
+        <a:solidFill>
+          <a:schemeClr val="tx1"/>
+        </a:solidFill>
+        <a:latin typeface="+mn-lt"/>
+        <a:ea typeface="+mn-ea"/>
+        <a:cs typeface="+mn-cs"/>
+      </a:defRPr>
+    </a:lvl1pPr>
+    <a:lvl2pPr marL="457200" algn="l" defTabSz="914400" rtl="0" eaLnBrk="1" latinLnBrk="0" hangingPunct="1">
+      <a:defRPr sz="1800" kern="1200">
+        <a:solidFill>
+          <a:schemeClr val="tx1"/>
+        </a:solidFill>
+        <a:latin typeface="+mn-lt"/>
+        <a:ea typeface="+mn-ea"/>
+        <a:cs typeface="+mn-cs"/>
+      </a:defRPr>
+    </a:lvl2pPr>
+    <a:lvl3pPr marL="914400" algn="l" defTabSz="914400" rtl="0" eaLnBrk="1" latinLnBrk="0" hangingPunct="1">
+      <a:defRPr sz="1800" kern="1200">
+        <a:solidFill>
+          <a:schemeClr val="tx1"/>
+        </a:solidFill>
+        <a:latin typeface="+mn-lt"/>
+        <a:ea typeface="+mn-ea"/>
+        <a:cs typeface="+mn-cs"/>
+      </a:defRPr>
+    </a:lvl3pPr>
+    <a:lvl4pPr marL="1371600" algn="l" defTabSz="914400" rtl="0" eaLnBrk="1" latinLnBrk="0" hangingPunct="1">
+      <a:defRPr sz="1800" kern="1200">
+        <a:solidFill>
+          <a:schemeClr val="tx1"/>
+        </a:solidFill>
+        <a:latin typeface="+mn-lt"/>
+        <a:ea typeface="+mn-ea"/>
+        <a:cs typeface="+mn-cs"/>
+      </a:defRPr>
+    </a:lvl4pPr>
+    <a:lvl5pPr marL="1828800" algn="l" defTabSz="914400" rtl="0" eaLnBrk="1" latinLnBrk="0" hangingPunct="1">
+      <a:defRPr sz="1800" kern="1200">
+        <a:solidFill>
+          <a:schemeClr val="tx1"/>
+        </a:solidFill>
+        <a:latin typeface="+mn-lt"/>
+        <a:ea typeface="+mn-ea"/>
+        <a:cs typeface="+mn-cs"/>
+      </a:defRPr>
+    </a:lvl5pPr>
+    <a:lvl6pPr marL="2286000" algn="l" defTabSz="914400" rtl="0" eaLnBrk="1" latinLnBrk="0" hangingPunct="1">
+      <a:defRPr sz="1800" kern="1200">
+        <a:solidFill>
+          <a:schemeClr val="tx1"/>
+        </a:solidFill>
+        <a:latin typeface="+mn-lt"/>
+        <a:ea typeface="+mn-ea"/>
+        <a:cs typeface="+mn-cs"/>
+      </a:defRPr>
+    </a:lvl6pPr>
+    <a:lvl7pPr marL="2743200" algn="l" defTabSz="914400" rtl="0" eaLnBrk="1" latinLnBrk="0" hangingPunct="1">
+      <a:defRPr sz="1800" kern="1200">
+        <a:solidFill>
+          <a:schemeClr val="tx1"/>
+        </a:solidFill>
+        <a:latin typeface="+mn-lt"/>
+        <a:ea typeface="+mn-ea"/>
+        <a:cs typeface="+mn-cs"/>
+      </a:defRPr>
+    </a:lvl7pPr>
+    <a:lvl8pPr marL="3200400" algn="l" defTabSz="914400" rtl="0" eaLnBrk="1" latinLnBrk="0" hangingPunct="1">
+      <a:defRPr sz="1800" kern="1200">
+        <a:solidFill>
+          <a:schemeClr val="tx1"/>
+        </a:solidFill>
+        <a:latin typeface="+mn-lt"/>
+        <a:ea typeface="+mn-ea"/>
+        <a:cs typeface="+mn-cs"/>
+      </a:defRPr>
+    </a:lvl8pPr>
+    <a:lvl9pPr marL="3657600" algn="l" defTabSz="914400" rtl="0" eaLnBrk="1" latinLnBrk="0" hangingPunct="1">
+      <a:defRPr sz="1800" kern="1200">
+        <a:solidFill>
+          <a:schemeClr val="tx1"/>
+        </a:solidFill>
+        <a:latin typeface="+mn-lt"/>
+        <a:ea typeface="+mn-ea"/>
+        <a:cs typeface="+mn-cs"/>
+      </a:defRPr>
+    </a:lvl9pPr>
+  </p:defaultTextStyle>
 </p:presentation>
 </file>
 
 <file path=ppt/slideLayouts/slideLayout1.xml><?xml version="1.0" encoding="utf-8"?>
-<p:sldLayout xmlns:a="http://schemas.openxmlformats.org/drawingml/2006/main" xmlns:p="http://schemas.openxmlformats.org/presentationml/2006/main" xmlns:r="http://schemas.openxmlformats.org/officeDocument/2006/relationships" xmlns:p14="http://schemas.microsoft.com/office/powerpoint/2010/main" xmlns:p15="http://schemas.microsoft.com/office/powerpoint/2012/main" xmlns:mc="http://schemas.openxmlformats.org/markup-compatibility/2006" type="blank" preserve="1">
+<p:sldLayout xmlns:a="http://schemas.openxmlformats.org/drawingml/2006/main" xmlns:r="http://schemas.openxmlformats.org/officeDocument/2006/relationships" xmlns:p="http://schemas.openxmlformats.org/presentationml/2006/main" type="blank" preserve="1">
   <p:cSld name="Blank Slide">
     <p:spTree>
       <p:nvGrpSpPr>
@@ -37,11 +132,14 @@
       </p:grpSpPr>
     </p:spTree>
   </p:cSld>
+  <p:clrMapOvr>
+    <a:masterClrMapping/>
+  </p:clrMapOvr>
 </p:sldLayout>
 </file>
 
 <file path=ppt/slideLayouts/slideLayout10.xml><?xml version="1.0" encoding="utf-8"?>
-<p:sldLayout xmlns:a="http://schemas.openxmlformats.org/drawingml/2006/main" xmlns:p="http://schemas.openxmlformats.org/presentationml/2006/main" xmlns:r="http://schemas.openxmlformats.org/officeDocument/2006/relationships" xmlns:p14="http://schemas.microsoft.com/office/powerpoint/2010/main" xmlns:p15="http://schemas.microsoft.com/office/powerpoint/2012/main" xmlns:mc="http://schemas.openxmlformats.org/markup-compatibility/2006" type="objOverTx" preserve="1">
+<p:sldLayout xmlns:a="http://schemas.openxmlformats.org/drawingml/2006/main" xmlns:r="http://schemas.openxmlformats.org/officeDocument/2006/relationships" xmlns:p="http://schemas.openxmlformats.org/presentationml/2006/main" type="objOverTx" preserve="1">
   <p:cSld name="Title, Content over Content">
     <p:spTree>
       <p:nvGrpSpPr>
@@ -77,12 +175,13 @@
           </a:prstGeom>
         </p:spPr>
         <p:txBody>
-          <a:bodyPr lIns="0" rIns="0" tIns="0" bIns="0" anchor="ctr">
+          <a:bodyPr lIns="0" tIns="0" rIns="0" bIns="0" anchor="ctr">
             <a:noAutofit/>
           </a:bodyPr>
+          <a:lstStyle/>
           <a:p>
             <a:pPr algn="ctr"/>
-            <a:endParaRPr b="0" lang="pt-BR" sz="4400" spc="-1" strike="noStrike">
+            <a:endParaRPr lang="pt-BR" sz="4400" b="0" strike="noStrike" spc="-1">
               <a:latin typeface="Arial"/>
             </a:endParaRPr>
           </a:p>
@@ -108,11 +207,12 @@
           </a:prstGeom>
         </p:spPr>
         <p:txBody>
-          <a:bodyPr lIns="0" rIns="0" tIns="0" bIns="0">
+          <a:bodyPr lIns="0" tIns="0" rIns="0" bIns="0">
             <a:normAutofit/>
           </a:bodyPr>
-          <a:p>
-            <a:endParaRPr b="0" lang="pt-BR" sz="3200" spc="-1" strike="noStrike">
+          <a:lstStyle/>
+          <a:p>
+            <a:endParaRPr lang="pt-BR" sz="3200" b="0" strike="noStrike" spc="-1">
               <a:latin typeface="Arial"/>
             </a:endParaRPr>
           </a:p>
@@ -138,11 +238,12 @@
           </a:prstGeom>
         </p:spPr>
         <p:txBody>
-          <a:bodyPr lIns="0" rIns="0" tIns="0" bIns="0">
+          <a:bodyPr lIns="0" tIns="0" rIns="0" bIns="0">
             <a:normAutofit/>
           </a:bodyPr>
-          <a:p>
-            <a:endParaRPr b="0" lang="pt-BR" sz="3200" spc="-1" strike="noStrike">
+          <a:lstStyle/>
+          <a:p>
+            <a:endParaRPr lang="pt-BR" sz="3200" b="0" strike="noStrike" spc="-1">
               <a:latin typeface="Arial"/>
             </a:endParaRPr>
           </a:p>
@@ -150,11 +251,14 @@
       </p:sp>
     </p:spTree>
   </p:cSld>
+  <p:clrMapOvr>
+    <a:masterClrMapping/>
+  </p:clrMapOvr>
 </p:sldLayout>
 </file>
 
 <file path=ppt/slideLayouts/slideLayout11.xml><?xml version="1.0" encoding="utf-8"?>
-<p:sldLayout xmlns:a="http://schemas.openxmlformats.org/drawingml/2006/main" xmlns:p="http://schemas.openxmlformats.org/presentationml/2006/main" xmlns:r="http://schemas.openxmlformats.org/officeDocument/2006/relationships" xmlns:p14="http://schemas.microsoft.com/office/powerpoint/2010/main" xmlns:p15="http://schemas.microsoft.com/office/powerpoint/2012/main" xmlns:mc="http://schemas.openxmlformats.org/markup-compatibility/2006" type="fourObj" preserve="1">
+<p:sldLayout xmlns:a="http://schemas.openxmlformats.org/drawingml/2006/main" xmlns:r="http://schemas.openxmlformats.org/officeDocument/2006/relationships" xmlns:p="http://schemas.openxmlformats.org/presentationml/2006/main" type="fourObj" preserve="1">
   <p:cSld name="Title, 4 Content">
     <p:spTree>
       <p:nvGrpSpPr>
@@ -190,12 +294,13 @@
           </a:prstGeom>
         </p:spPr>
         <p:txBody>
-          <a:bodyPr lIns="0" rIns="0" tIns="0" bIns="0" anchor="ctr">
+          <a:bodyPr lIns="0" tIns="0" rIns="0" bIns="0" anchor="ctr">
             <a:noAutofit/>
           </a:bodyPr>
+          <a:lstStyle/>
           <a:p>
             <a:pPr algn="ctr"/>
-            <a:endParaRPr b="0" lang="pt-BR" sz="4400" spc="-1" strike="noStrike">
+            <a:endParaRPr lang="pt-BR" sz="4400" b="0" strike="noStrike" spc="-1">
               <a:latin typeface="Arial"/>
             </a:endParaRPr>
           </a:p>
@@ -221,11 +326,12 @@
           </a:prstGeom>
         </p:spPr>
         <p:txBody>
-          <a:bodyPr lIns="0" rIns="0" tIns="0" bIns="0">
+          <a:bodyPr lIns="0" tIns="0" rIns="0" bIns="0">
             <a:normAutofit/>
           </a:bodyPr>
-          <a:p>
-            <a:endParaRPr b="0" lang="pt-BR" sz="3200" spc="-1" strike="noStrike">
+          <a:lstStyle/>
+          <a:p>
+            <a:endParaRPr lang="pt-BR" sz="3200" b="0" strike="noStrike" spc="-1">
               <a:latin typeface="Arial"/>
             </a:endParaRPr>
           </a:p>
@@ -251,11 +357,12 @@
           </a:prstGeom>
         </p:spPr>
         <p:txBody>
-          <a:bodyPr lIns="0" rIns="0" tIns="0" bIns="0">
+          <a:bodyPr lIns="0" tIns="0" rIns="0" bIns="0">
             <a:normAutofit/>
           </a:bodyPr>
-          <a:p>
-            <a:endParaRPr b="0" lang="pt-BR" sz="3200" spc="-1" strike="noStrike">
+          <a:lstStyle/>
+          <a:p>
+            <a:endParaRPr lang="pt-BR" sz="3200" b="0" strike="noStrike" spc="-1">
               <a:latin typeface="Arial"/>
             </a:endParaRPr>
           </a:p>
@@ -281,11 +388,12 @@
           </a:prstGeom>
         </p:spPr>
         <p:txBody>
-          <a:bodyPr lIns="0" rIns="0" tIns="0" bIns="0">
+          <a:bodyPr lIns="0" tIns="0" rIns="0" bIns="0">
             <a:normAutofit/>
           </a:bodyPr>
-          <a:p>
-            <a:endParaRPr b="0" lang="pt-BR" sz="3200" spc="-1" strike="noStrike">
+          <a:lstStyle/>
+          <a:p>
+            <a:endParaRPr lang="pt-BR" sz="3200" b="0" strike="noStrike" spc="-1">
               <a:latin typeface="Arial"/>
             </a:endParaRPr>
           </a:p>
@@ -311,11 +419,12 @@
           </a:prstGeom>
         </p:spPr>
         <p:txBody>
-          <a:bodyPr lIns="0" rIns="0" tIns="0" bIns="0">
+          <a:bodyPr lIns="0" tIns="0" rIns="0" bIns="0">
             <a:normAutofit/>
           </a:bodyPr>
-          <a:p>
-            <a:endParaRPr b="0" lang="pt-BR" sz="3200" spc="-1" strike="noStrike">
+          <a:lstStyle/>
+          <a:p>
+            <a:endParaRPr lang="pt-BR" sz="3200" b="0" strike="noStrike" spc="-1">
               <a:latin typeface="Arial"/>
             </a:endParaRPr>
           </a:p>
@@ -323,11 +432,14 @@
       </p:sp>
     </p:spTree>
   </p:cSld>
+  <p:clrMapOvr>
+    <a:masterClrMapping/>
+  </p:clrMapOvr>
 </p:sldLayout>
 </file>
 
 <file path=ppt/slideLayouts/slideLayout12.xml><?xml version="1.0" encoding="utf-8"?>
-<p:sldLayout xmlns:a="http://schemas.openxmlformats.org/drawingml/2006/main" xmlns:p="http://schemas.openxmlformats.org/presentationml/2006/main" xmlns:r="http://schemas.openxmlformats.org/officeDocument/2006/relationships" xmlns:p14="http://schemas.microsoft.com/office/powerpoint/2010/main" xmlns:p15="http://schemas.microsoft.com/office/powerpoint/2012/main" xmlns:mc="http://schemas.openxmlformats.org/markup-compatibility/2006" type="blank" preserve="1">
+<p:sldLayout xmlns:a="http://schemas.openxmlformats.org/drawingml/2006/main" xmlns:r="http://schemas.openxmlformats.org/officeDocument/2006/relationships" xmlns:p="http://schemas.openxmlformats.org/presentationml/2006/main" type="blank" preserve="1">
   <p:cSld name="Title, 6 Content">
     <p:spTree>
       <p:nvGrpSpPr>
@@ -363,12 +475,13 @@
           </a:prstGeom>
         </p:spPr>
         <p:txBody>
-          <a:bodyPr lIns="0" rIns="0" tIns="0" bIns="0" anchor="ctr">
+          <a:bodyPr lIns="0" tIns="0" rIns="0" bIns="0" anchor="ctr">
             <a:noAutofit/>
           </a:bodyPr>
+          <a:lstStyle/>
           <a:p>
             <a:pPr algn="ctr"/>
-            <a:endParaRPr b="0" lang="pt-BR" sz="4400" spc="-1" strike="noStrike">
+            <a:endParaRPr lang="pt-BR" sz="4400" b="0" strike="noStrike" spc="-1">
               <a:latin typeface="Arial"/>
             </a:endParaRPr>
           </a:p>
@@ -394,11 +507,12 @@
           </a:prstGeom>
         </p:spPr>
         <p:txBody>
-          <a:bodyPr lIns="0" rIns="0" tIns="0" bIns="0">
+          <a:bodyPr lIns="0" tIns="0" rIns="0" bIns="0">
             <a:normAutofit/>
           </a:bodyPr>
-          <a:p>
-            <a:endParaRPr b="0" lang="pt-BR" sz="3200" spc="-1" strike="noStrike">
+          <a:lstStyle/>
+          <a:p>
+            <a:endParaRPr lang="pt-BR" sz="3200" b="0" strike="noStrike" spc="-1">
               <a:latin typeface="Arial"/>
             </a:endParaRPr>
           </a:p>
@@ -424,11 +538,12 @@
           </a:prstGeom>
         </p:spPr>
         <p:txBody>
-          <a:bodyPr lIns="0" rIns="0" tIns="0" bIns="0">
+          <a:bodyPr lIns="0" tIns="0" rIns="0" bIns="0">
             <a:normAutofit/>
           </a:bodyPr>
-          <a:p>
-            <a:endParaRPr b="0" lang="pt-BR" sz="3200" spc="-1" strike="noStrike">
+          <a:lstStyle/>
+          <a:p>
+            <a:endParaRPr lang="pt-BR" sz="3200" b="0" strike="noStrike" spc="-1">
               <a:latin typeface="Arial"/>
             </a:endParaRPr>
           </a:p>
@@ -454,11 +569,12 @@
           </a:prstGeom>
         </p:spPr>
         <p:txBody>
-          <a:bodyPr lIns="0" rIns="0" tIns="0" bIns="0">
+          <a:bodyPr lIns="0" tIns="0" rIns="0" bIns="0">
             <a:normAutofit/>
           </a:bodyPr>
-          <a:p>
-            <a:endParaRPr b="0" lang="pt-BR" sz="3200" spc="-1" strike="noStrike">
+          <a:lstStyle/>
+          <a:p>
+            <a:endParaRPr lang="pt-BR" sz="3200" b="0" strike="noStrike" spc="-1">
               <a:latin typeface="Arial"/>
             </a:endParaRPr>
           </a:p>
@@ -484,11 +600,12 @@
           </a:prstGeom>
         </p:spPr>
         <p:txBody>
-          <a:bodyPr lIns="0" rIns="0" tIns="0" bIns="0">
+          <a:bodyPr lIns="0" tIns="0" rIns="0" bIns="0">
             <a:normAutofit/>
           </a:bodyPr>
-          <a:p>
-            <a:endParaRPr b="0" lang="pt-BR" sz="3200" spc="-1" strike="noStrike">
+          <a:lstStyle/>
+          <a:p>
+            <a:endParaRPr lang="pt-BR" sz="3200" b="0" strike="noStrike" spc="-1">
               <a:latin typeface="Arial"/>
             </a:endParaRPr>
           </a:p>
@@ -514,11 +631,12 @@
           </a:prstGeom>
         </p:spPr>
         <p:txBody>
-          <a:bodyPr lIns="0" rIns="0" tIns="0" bIns="0">
+          <a:bodyPr lIns="0" tIns="0" rIns="0" bIns="0">
             <a:normAutofit/>
           </a:bodyPr>
-          <a:p>
-            <a:endParaRPr b="0" lang="pt-BR" sz="3200" spc="-1" strike="noStrike">
+          <a:lstStyle/>
+          <a:p>
+            <a:endParaRPr lang="pt-BR" sz="3200" b="0" strike="noStrike" spc="-1">
               <a:latin typeface="Arial"/>
             </a:endParaRPr>
           </a:p>
@@ -544,11 +662,12 @@
           </a:prstGeom>
         </p:spPr>
         <p:txBody>
-          <a:bodyPr lIns="0" rIns="0" tIns="0" bIns="0">
+          <a:bodyPr lIns="0" tIns="0" rIns="0" bIns="0">
             <a:normAutofit/>
           </a:bodyPr>
-          <a:p>
-            <a:endParaRPr b="0" lang="pt-BR" sz="3200" spc="-1" strike="noStrike">
+          <a:lstStyle/>
+          <a:p>
+            <a:endParaRPr lang="pt-BR" sz="3200" b="0" strike="noStrike" spc="-1">
               <a:latin typeface="Arial"/>
             </a:endParaRPr>
           </a:p>
@@ -556,11 +675,14 @@
       </p:sp>
     </p:spTree>
   </p:cSld>
+  <p:clrMapOvr>
+    <a:masterClrMapping/>
+  </p:clrMapOvr>
 </p:sldLayout>
 </file>
 
 <file path=ppt/slideLayouts/slideLayout13.xml><?xml version="1.0" encoding="utf-8"?>
-<p:sldLayout xmlns:a="http://schemas.openxmlformats.org/drawingml/2006/main" xmlns:p="http://schemas.openxmlformats.org/presentationml/2006/main" xmlns:r="http://schemas.openxmlformats.org/officeDocument/2006/relationships" xmlns:p14="http://schemas.microsoft.com/office/powerpoint/2010/main" xmlns:p15="http://schemas.microsoft.com/office/powerpoint/2012/main" xmlns:mc="http://schemas.openxmlformats.org/markup-compatibility/2006" type="blank" preserve="1">
+<p:sldLayout xmlns:a="http://schemas.openxmlformats.org/drawingml/2006/main" xmlns:r="http://schemas.openxmlformats.org/officeDocument/2006/relationships" xmlns:p="http://schemas.openxmlformats.org/presentationml/2006/main" type="blank" preserve="1">
   <p:cSld name="Blank Slide">
     <p:spTree>
       <p:nvGrpSpPr>
@@ -578,11 +700,14 @@
       </p:grpSpPr>
     </p:spTree>
   </p:cSld>
+  <p:clrMapOvr>
+    <a:masterClrMapping/>
+  </p:clrMapOvr>
 </p:sldLayout>
 </file>
 
 <file path=ppt/slideLayouts/slideLayout14.xml><?xml version="1.0" encoding="utf-8"?>
-<p:sldLayout xmlns:a="http://schemas.openxmlformats.org/drawingml/2006/main" xmlns:p="http://schemas.openxmlformats.org/presentationml/2006/main" xmlns:r="http://schemas.openxmlformats.org/officeDocument/2006/relationships" xmlns:p14="http://schemas.microsoft.com/office/powerpoint/2010/main" xmlns:p15="http://schemas.microsoft.com/office/powerpoint/2012/main" xmlns:mc="http://schemas.openxmlformats.org/markup-compatibility/2006" type="tx" preserve="1">
+<p:sldLayout xmlns:a="http://schemas.openxmlformats.org/drawingml/2006/main" xmlns:r="http://schemas.openxmlformats.org/officeDocument/2006/relationships" xmlns:p="http://schemas.openxmlformats.org/presentationml/2006/main" type="tx" preserve="1">
   <p:cSld name="Title Slide">
     <p:spTree>
       <p:nvGrpSpPr>
@@ -618,12 +743,13 @@
           </a:prstGeom>
         </p:spPr>
         <p:txBody>
-          <a:bodyPr lIns="0" rIns="0" tIns="0" bIns="0" anchor="ctr">
+          <a:bodyPr lIns="0" tIns="0" rIns="0" bIns="0" anchor="ctr">
             <a:noAutofit/>
           </a:bodyPr>
+          <a:lstStyle/>
           <a:p>
             <a:pPr algn="ctr"/>
-            <a:endParaRPr b="0" lang="pt-BR" sz="4400" spc="-1" strike="noStrike">
+            <a:endParaRPr lang="pt-BR" sz="4400" b="0" strike="noStrike" spc="-1">
               <a:latin typeface="Arial"/>
             </a:endParaRPr>
           </a:p>
@@ -649,12 +775,13 @@
           </a:prstGeom>
         </p:spPr>
         <p:txBody>
-          <a:bodyPr lIns="0" rIns="0" tIns="0" bIns="0" anchor="ctr">
+          <a:bodyPr lIns="0" tIns="0" rIns="0" bIns="0" anchor="ctr">
             <a:noAutofit/>
           </a:bodyPr>
+          <a:lstStyle/>
           <a:p>
             <a:pPr algn="ctr"/>
-            <a:endParaRPr b="0" lang="pt-BR" sz="3200" spc="-1" strike="noStrike">
+            <a:endParaRPr lang="pt-BR" sz="3200" b="0" strike="noStrike" spc="-1">
               <a:latin typeface="Arial"/>
             </a:endParaRPr>
           </a:p>
@@ -662,11 +789,14 @@
       </p:sp>
     </p:spTree>
   </p:cSld>
+  <p:clrMapOvr>
+    <a:masterClrMapping/>
+  </p:clrMapOvr>
 </p:sldLayout>
 </file>
 
 <file path=ppt/slideLayouts/slideLayout15.xml><?xml version="1.0" encoding="utf-8"?>
-<p:sldLayout xmlns:a="http://schemas.openxmlformats.org/drawingml/2006/main" xmlns:p="http://schemas.openxmlformats.org/presentationml/2006/main" xmlns:r="http://schemas.openxmlformats.org/officeDocument/2006/relationships" xmlns:p14="http://schemas.microsoft.com/office/powerpoint/2010/main" xmlns:p15="http://schemas.microsoft.com/office/powerpoint/2012/main" xmlns:mc="http://schemas.openxmlformats.org/markup-compatibility/2006" type="obj" preserve="1">
+<p:sldLayout xmlns:a="http://schemas.openxmlformats.org/drawingml/2006/main" xmlns:r="http://schemas.openxmlformats.org/officeDocument/2006/relationships" xmlns:p="http://schemas.openxmlformats.org/presentationml/2006/main" type="obj" preserve="1">
   <p:cSld name="Title, Content">
     <p:spTree>
       <p:nvGrpSpPr>
@@ -702,12 +832,13 @@
           </a:prstGeom>
         </p:spPr>
         <p:txBody>
-          <a:bodyPr lIns="0" rIns="0" tIns="0" bIns="0" anchor="ctr">
+          <a:bodyPr lIns="0" tIns="0" rIns="0" bIns="0" anchor="ctr">
             <a:noAutofit/>
           </a:bodyPr>
+          <a:lstStyle/>
           <a:p>
             <a:pPr algn="ctr"/>
-            <a:endParaRPr b="0" lang="pt-BR" sz="4400" spc="-1" strike="noStrike">
+            <a:endParaRPr lang="pt-BR" sz="4400" b="0" strike="noStrike" spc="-1">
               <a:latin typeface="Arial"/>
             </a:endParaRPr>
           </a:p>
@@ -733,11 +864,12 @@
           </a:prstGeom>
         </p:spPr>
         <p:txBody>
-          <a:bodyPr lIns="0" rIns="0" tIns="0" bIns="0">
+          <a:bodyPr lIns="0" tIns="0" rIns="0" bIns="0">
             <a:normAutofit/>
           </a:bodyPr>
-          <a:p>
-            <a:endParaRPr b="0" lang="pt-BR" sz="3200" spc="-1" strike="noStrike">
+          <a:lstStyle/>
+          <a:p>
+            <a:endParaRPr lang="pt-BR" sz="3200" b="0" strike="noStrike" spc="-1">
               <a:latin typeface="Arial"/>
             </a:endParaRPr>
           </a:p>
@@ -745,11 +877,14 @@
       </p:sp>
     </p:spTree>
   </p:cSld>
+  <p:clrMapOvr>
+    <a:masterClrMapping/>
+  </p:clrMapOvr>
 </p:sldLayout>
 </file>
 
 <file path=ppt/slideLayouts/slideLayout16.xml><?xml version="1.0" encoding="utf-8"?>
-<p:sldLayout xmlns:a="http://schemas.openxmlformats.org/drawingml/2006/main" xmlns:p="http://schemas.openxmlformats.org/presentationml/2006/main" xmlns:r="http://schemas.openxmlformats.org/officeDocument/2006/relationships" xmlns:p14="http://schemas.microsoft.com/office/powerpoint/2010/main" xmlns:p15="http://schemas.microsoft.com/office/powerpoint/2012/main" xmlns:mc="http://schemas.openxmlformats.org/markup-compatibility/2006" type="twoObj" preserve="1">
+<p:sldLayout xmlns:a="http://schemas.openxmlformats.org/drawingml/2006/main" xmlns:r="http://schemas.openxmlformats.org/officeDocument/2006/relationships" xmlns:p="http://schemas.openxmlformats.org/presentationml/2006/main" type="twoObj" preserve="1">
   <p:cSld name="Title, 2 Content">
     <p:spTree>
       <p:nvGrpSpPr>
@@ -785,12 +920,13 @@
           </a:prstGeom>
         </p:spPr>
         <p:txBody>
-          <a:bodyPr lIns="0" rIns="0" tIns="0" bIns="0" anchor="ctr">
+          <a:bodyPr lIns="0" tIns="0" rIns="0" bIns="0" anchor="ctr">
             <a:noAutofit/>
           </a:bodyPr>
+          <a:lstStyle/>
           <a:p>
             <a:pPr algn="ctr"/>
-            <a:endParaRPr b="0" lang="pt-BR" sz="4400" spc="-1" strike="noStrike">
+            <a:endParaRPr lang="pt-BR" sz="4400" b="0" strike="noStrike" spc="-1">
               <a:latin typeface="Arial"/>
             </a:endParaRPr>
           </a:p>
@@ -816,11 +952,12 @@
           </a:prstGeom>
         </p:spPr>
         <p:txBody>
-          <a:bodyPr lIns="0" rIns="0" tIns="0" bIns="0">
+          <a:bodyPr lIns="0" tIns="0" rIns="0" bIns="0">
             <a:normAutofit/>
           </a:bodyPr>
-          <a:p>
-            <a:endParaRPr b="0" lang="pt-BR" sz="3200" spc="-1" strike="noStrike">
+          <a:lstStyle/>
+          <a:p>
+            <a:endParaRPr lang="pt-BR" sz="3200" b="0" strike="noStrike" spc="-1">
               <a:latin typeface="Arial"/>
             </a:endParaRPr>
           </a:p>
@@ -846,11 +983,12 @@
           </a:prstGeom>
         </p:spPr>
         <p:txBody>
-          <a:bodyPr lIns="0" rIns="0" tIns="0" bIns="0">
+          <a:bodyPr lIns="0" tIns="0" rIns="0" bIns="0">
             <a:normAutofit/>
           </a:bodyPr>
-          <a:p>
-            <a:endParaRPr b="0" lang="pt-BR" sz="3200" spc="-1" strike="noStrike">
+          <a:lstStyle/>
+          <a:p>
+            <a:endParaRPr lang="pt-BR" sz="3200" b="0" strike="noStrike" spc="-1">
               <a:latin typeface="Arial"/>
             </a:endParaRPr>
           </a:p>
@@ -858,11 +996,14 @@
       </p:sp>
     </p:spTree>
   </p:cSld>
+  <p:clrMapOvr>
+    <a:masterClrMapping/>
+  </p:clrMapOvr>
 </p:sldLayout>
 </file>
 
 <file path=ppt/slideLayouts/slideLayout17.xml><?xml version="1.0" encoding="utf-8"?>
-<p:sldLayout xmlns:a="http://schemas.openxmlformats.org/drawingml/2006/main" xmlns:p="http://schemas.openxmlformats.org/presentationml/2006/main" xmlns:r="http://schemas.openxmlformats.org/officeDocument/2006/relationships" xmlns:p14="http://schemas.microsoft.com/office/powerpoint/2010/main" xmlns:p15="http://schemas.microsoft.com/office/powerpoint/2012/main" xmlns:mc="http://schemas.openxmlformats.org/markup-compatibility/2006" type="titleOnly" preserve="1">
+<p:sldLayout xmlns:a="http://schemas.openxmlformats.org/drawingml/2006/main" xmlns:r="http://schemas.openxmlformats.org/officeDocument/2006/relationships" xmlns:p="http://schemas.openxmlformats.org/presentationml/2006/main" type="titleOnly" preserve="1">
   <p:cSld name="Title Only">
     <p:spTree>
       <p:nvGrpSpPr>
@@ -898,12 +1039,13 @@
           </a:prstGeom>
         </p:spPr>
         <p:txBody>
-          <a:bodyPr lIns="0" rIns="0" tIns="0" bIns="0" anchor="ctr">
+          <a:bodyPr lIns="0" tIns="0" rIns="0" bIns="0" anchor="ctr">
             <a:noAutofit/>
           </a:bodyPr>
+          <a:lstStyle/>
           <a:p>
             <a:pPr algn="ctr"/>
-            <a:endParaRPr b="0" lang="pt-BR" sz="4400" spc="-1" strike="noStrike">
+            <a:endParaRPr lang="pt-BR" sz="4400" b="0" strike="noStrike" spc="-1">
               <a:latin typeface="Arial"/>
             </a:endParaRPr>
           </a:p>
@@ -911,11 +1053,14 @@
       </p:sp>
     </p:spTree>
   </p:cSld>
+  <p:clrMapOvr>
+    <a:masterClrMapping/>
+  </p:clrMapOvr>
 </p:sldLayout>
 </file>
 
 <file path=ppt/slideLayouts/slideLayout18.xml><?xml version="1.0" encoding="utf-8"?>
-<p:sldLayout xmlns:a="http://schemas.openxmlformats.org/drawingml/2006/main" xmlns:p="http://schemas.openxmlformats.org/presentationml/2006/main" xmlns:r="http://schemas.openxmlformats.org/officeDocument/2006/relationships" xmlns:p14="http://schemas.microsoft.com/office/powerpoint/2010/main" xmlns:p15="http://schemas.microsoft.com/office/powerpoint/2012/main" xmlns:mc="http://schemas.openxmlformats.org/markup-compatibility/2006" type="objOnly" preserve="1">
+<p:sldLayout xmlns:a="http://schemas.openxmlformats.org/drawingml/2006/main" xmlns:r="http://schemas.openxmlformats.org/officeDocument/2006/relationships" xmlns:p="http://schemas.openxmlformats.org/presentationml/2006/main" type="objOnly" preserve="1">
   <p:cSld name="Centered Text">
     <p:spTree>
       <p:nvGrpSpPr>
@@ -951,12 +1096,13 @@
           </a:prstGeom>
         </p:spPr>
         <p:txBody>
-          <a:bodyPr lIns="0" rIns="0" tIns="0" bIns="0" anchor="ctr">
+          <a:bodyPr lIns="0" tIns="0" rIns="0" bIns="0" anchor="ctr">
             <a:noAutofit/>
           </a:bodyPr>
+          <a:lstStyle/>
           <a:p>
             <a:pPr algn="ctr"/>
-            <a:endParaRPr b="0" lang="pt-BR" sz="3200" spc="-1" strike="noStrike">
+            <a:endParaRPr lang="pt-BR" sz="3200" b="0" strike="noStrike" spc="-1">
               <a:latin typeface="Arial"/>
             </a:endParaRPr>
           </a:p>
@@ -964,11 +1110,14 @@
       </p:sp>
     </p:spTree>
   </p:cSld>
+  <p:clrMapOvr>
+    <a:masterClrMapping/>
+  </p:clrMapOvr>
 </p:sldLayout>
 </file>
 
 <file path=ppt/slideLayouts/slideLayout19.xml><?xml version="1.0" encoding="utf-8"?>
-<p:sldLayout xmlns:a="http://schemas.openxmlformats.org/drawingml/2006/main" xmlns:p="http://schemas.openxmlformats.org/presentationml/2006/main" xmlns:r="http://schemas.openxmlformats.org/officeDocument/2006/relationships" xmlns:p14="http://schemas.microsoft.com/office/powerpoint/2010/main" xmlns:p15="http://schemas.microsoft.com/office/powerpoint/2012/main" xmlns:mc="http://schemas.openxmlformats.org/markup-compatibility/2006" type="twoObjAndObj" preserve="1">
+<p:sldLayout xmlns:a="http://schemas.openxmlformats.org/drawingml/2006/main" xmlns:r="http://schemas.openxmlformats.org/officeDocument/2006/relationships" xmlns:p="http://schemas.openxmlformats.org/presentationml/2006/main" type="twoObjAndObj" preserve="1">
   <p:cSld name="Title, 2 Content and Content">
     <p:spTree>
       <p:nvGrpSpPr>
@@ -1004,12 +1153,13 @@
           </a:prstGeom>
         </p:spPr>
         <p:txBody>
-          <a:bodyPr lIns="0" rIns="0" tIns="0" bIns="0" anchor="ctr">
+          <a:bodyPr lIns="0" tIns="0" rIns="0" bIns="0" anchor="ctr">
             <a:noAutofit/>
           </a:bodyPr>
+          <a:lstStyle/>
           <a:p>
             <a:pPr algn="ctr"/>
-            <a:endParaRPr b="0" lang="pt-BR" sz="4400" spc="-1" strike="noStrike">
+            <a:endParaRPr lang="pt-BR" sz="4400" b="0" strike="noStrike" spc="-1">
               <a:latin typeface="Arial"/>
             </a:endParaRPr>
           </a:p>
@@ -1035,11 +1185,12 @@
           </a:prstGeom>
         </p:spPr>
         <p:txBody>
-          <a:bodyPr lIns="0" rIns="0" tIns="0" bIns="0">
+          <a:bodyPr lIns="0" tIns="0" rIns="0" bIns="0">
             <a:normAutofit/>
           </a:bodyPr>
-          <a:p>
-            <a:endParaRPr b="0" lang="pt-BR" sz="3200" spc="-1" strike="noStrike">
+          <a:lstStyle/>
+          <a:p>
+            <a:endParaRPr lang="pt-BR" sz="3200" b="0" strike="noStrike" spc="-1">
               <a:latin typeface="Arial"/>
             </a:endParaRPr>
           </a:p>
@@ -1065,11 +1216,12 @@
           </a:prstGeom>
         </p:spPr>
         <p:txBody>
-          <a:bodyPr lIns="0" rIns="0" tIns="0" bIns="0">
+          <a:bodyPr lIns="0" tIns="0" rIns="0" bIns="0">
             <a:normAutofit/>
           </a:bodyPr>
-          <a:p>
-            <a:endParaRPr b="0" lang="pt-BR" sz="3200" spc="-1" strike="noStrike">
+          <a:lstStyle/>
+          <a:p>
+            <a:endParaRPr lang="pt-BR" sz="3200" b="0" strike="noStrike" spc="-1">
               <a:latin typeface="Arial"/>
             </a:endParaRPr>
           </a:p>
@@ -1095,11 +1247,12 @@
           </a:prstGeom>
         </p:spPr>
         <p:txBody>
-          <a:bodyPr lIns="0" rIns="0" tIns="0" bIns="0">
+          <a:bodyPr lIns="0" tIns="0" rIns="0" bIns="0">
             <a:normAutofit/>
           </a:bodyPr>
-          <a:p>
-            <a:endParaRPr b="0" lang="pt-BR" sz="3200" spc="-1" strike="noStrike">
+          <a:lstStyle/>
+          <a:p>
+            <a:endParaRPr lang="pt-BR" sz="3200" b="0" strike="noStrike" spc="-1">
               <a:latin typeface="Arial"/>
             </a:endParaRPr>
           </a:p>
@@ -1107,11 +1260,14 @@
       </p:sp>
     </p:spTree>
   </p:cSld>
+  <p:clrMapOvr>
+    <a:masterClrMapping/>
+  </p:clrMapOvr>
 </p:sldLayout>
 </file>
 
 <file path=ppt/slideLayouts/slideLayout2.xml><?xml version="1.0" encoding="utf-8"?>
-<p:sldLayout xmlns:a="http://schemas.openxmlformats.org/drawingml/2006/main" xmlns:p="http://schemas.openxmlformats.org/presentationml/2006/main" xmlns:r="http://schemas.openxmlformats.org/officeDocument/2006/relationships" xmlns:p14="http://schemas.microsoft.com/office/powerpoint/2010/main" xmlns:p15="http://schemas.microsoft.com/office/powerpoint/2012/main" xmlns:mc="http://schemas.openxmlformats.org/markup-compatibility/2006" type="tx" preserve="1">
+<p:sldLayout xmlns:a="http://schemas.openxmlformats.org/drawingml/2006/main" xmlns:r="http://schemas.openxmlformats.org/officeDocument/2006/relationships" xmlns:p="http://schemas.openxmlformats.org/presentationml/2006/main" type="tx" preserve="1">
   <p:cSld name="Title Slide">
     <p:spTree>
       <p:nvGrpSpPr>
@@ -1147,12 +1303,13 @@
           </a:prstGeom>
         </p:spPr>
         <p:txBody>
-          <a:bodyPr lIns="0" rIns="0" tIns="0" bIns="0" anchor="ctr">
+          <a:bodyPr lIns="0" tIns="0" rIns="0" bIns="0" anchor="ctr">
             <a:noAutofit/>
           </a:bodyPr>
+          <a:lstStyle/>
           <a:p>
             <a:pPr algn="ctr"/>
-            <a:endParaRPr b="0" lang="pt-BR" sz="4400" spc="-1" strike="noStrike">
+            <a:endParaRPr lang="pt-BR" sz="4400" b="0" strike="noStrike" spc="-1">
               <a:latin typeface="Arial"/>
             </a:endParaRPr>
           </a:p>
@@ -1178,12 +1335,13 @@
           </a:prstGeom>
         </p:spPr>
         <p:txBody>
-          <a:bodyPr lIns="0" rIns="0" tIns="0" bIns="0" anchor="ctr">
+          <a:bodyPr lIns="0" tIns="0" rIns="0" bIns="0" anchor="ctr">
             <a:noAutofit/>
           </a:bodyPr>
+          <a:lstStyle/>
           <a:p>
             <a:pPr algn="ctr"/>
-            <a:endParaRPr b="0" lang="pt-BR" sz="3200" spc="-1" strike="noStrike">
+            <a:endParaRPr lang="pt-BR" sz="3200" b="0" strike="noStrike" spc="-1">
               <a:latin typeface="Arial"/>
             </a:endParaRPr>
           </a:p>
@@ -1191,11 +1349,14 @@
       </p:sp>
     </p:spTree>
   </p:cSld>
+  <p:clrMapOvr>
+    <a:masterClrMapping/>
+  </p:clrMapOvr>
 </p:sldLayout>
 </file>
 
 <file path=ppt/slideLayouts/slideLayout20.xml><?xml version="1.0" encoding="utf-8"?>
-<p:sldLayout xmlns:a="http://schemas.openxmlformats.org/drawingml/2006/main" xmlns:p="http://schemas.openxmlformats.org/presentationml/2006/main" xmlns:r="http://schemas.openxmlformats.org/officeDocument/2006/relationships" xmlns:p14="http://schemas.microsoft.com/office/powerpoint/2010/main" xmlns:p15="http://schemas.microsoft.com/office/powerpoint/2012/main" xmlns:mc="http://schemas.openxmlformats.org/markup-compatibility/2006" type="objAndTwoObj" preserve="1">
+<p:sldLayout xmlns:a="http://schemas.openxmlformats.org/drawingml/2006/main" xmlns:r="http://schemas.openxmlformats.org/officeDocument/2006/relationships" xmlns:p="http://schemas.openxmlformats.org/presentationml/2006/main" type="objAndTwoObj" preserve="1">
   <p:cSld name="Title Content and 2 Content">
     <p:spTree>
       <p:nvGrpSpPr>
@@ -1231,12 +1392,13 @@
           </a:prstGeom>
         </p:spPr>
         <p:txBody>
-          <a:bodyPr lIns="0" rIns="0" tIns="0" bIns="0" anchor="ctr">
+          <a:bodyPr lIns="0" tIns="0" rIns="0" bIns="0" anchor="ctr">
             <a:noAutofit/>
           </a:bodyPr>
+          <a:lstStyle/>
           <a:p>
             <a:pPr algn="ctr"/>
-            <a:endParaRPr b="0" lang="pt-BR" sz="4400" spc="-1" strike="noStrike">
+            <a:endParaRPr lang="pt-BR" sz="4400" b="0" strike="noStrike" spc="-1">
               <a:latin typeface="Arial"/>
             </a:endParaRPr>
           </a:p>
@@ -1262,11 +1424,12 @@
           </a:prstGeom>
         </p:spPr>
         <p:txBody>
-          <a:bodyPr lIns="0" rIns="0" tIns="0" bIns="0">
+          <a:bodyPr lIns="0" tIns="0" rIns="0" bIns="0">
             <a:normAutofit/>
           </a:bodyPr>
-          <a:p>
-            <a:endParaRPr b="0" lang="pt-BR" sz="3200" spc="-1" strike="noStrike">
+          <a:lstStyle/>
+          <a:p>
+            <a:endParaRPr lang="pt-BR" sz="3200" b="0" strike="noStrike" spc="-1">
               <a:latin typeface="Arial"/>
             </a:endParaRPr>
           </a:p>
@@ -1292,11 +1455,12 @@
           </a:prstGeom>
         </p:spPr>
         <p:txBody>
-          <a:bodyPr lIns="0" rIns="0" tIns="0" bIns="0">
+          <a:bodyPr lIns="0" tIns="0" rIns="0" bIns="0">
             <a:normAutofit/>
           </a:bodyPr>
-          <a:p>
-            <a:endParaRPr b="0" lang="pt-BR" sz="3200" spc="-1" strike="noStrike">
+          <a:lstStyle/>
+          <a:p>
+            <a:endParaRPr lang="pt-BR" sz="3200" b="0" strike="noStrike" spc="-1">
               <a:latin typeface="Arial"/>
             </a:endParaRPr>
           </a:p>
@@ -1322,11 +1486,12 @@
           </a:prstGeom>
         </p:spPr>
         <p:txBody>
-          <a:bodyPr lIns="0" rIns="0" tIns="0" bIns="0">
+          <a:bodyPr lIns="0" tIns="0" rIns="0" bIns="0">
             <a:normAutofit/>
           </a:bodyPr>
-          <a:p>
-            <a:endParaRPr b="0" lang="pt-BR" sz="3200" spc="-1" strike="noStrike">
+          <a:lstStyle/>
+          <a:p>
+            <a:endParaRPr lang="pt-BR" sz="3200" b="0" strike="noStrike" spc="-1">
               <a:latin typeface="Arial"/>
             </a:endParaRPr>
           </a:p>
@@ -1334,11 +1499,14 @@
       </p:sp>
     </p:spTree>
   </p:cSld>
+  <p:clrMapOvr>
+    <a:masterClrMapping/>
+  </p:clrMapOvr>
 </p:sldLayout>
 </file>
 
 <file path=ppt/slideLayouts/slideLayout21.xml><?xml version="1.0" encoding="utf-8"?>
-<p:sldLayout xmlns:a="http://schemas.openxmlformats.org/drawingml/2006/main" xmlns:p="http://schemas.openxmlformats.org/presentationml/2006/main" xmlns:r="http://schemas.openxmlformats.org/officeDocument/2006/relationships" xmlns:p14="http://schemas.microsoft.com/office/powerpoint/2010/main" xmlns:p15="http://schemas.microsoft.com/office/powerpoint/2012/main" xmlns:mc="http://schemas.openxmlformats.org/markup-compatibility/2006" type="twoObjOverTx" preserve="1">
+<p:sldLayout xmlns:a="http://schemas.openxmlformats.org/drawingml/2006/main" xmlns:r="http://schemas.openxmlformats.org/officeDocument/2006/relationships" xmlns:p="http://schemas.openxmlformats.org/presentationml/2006/main" type="twoObjOverTx" preserve="1">
   <p:cSld name="Title, 2 Content over Content">
     <p:spTree>
       <p:nvGrpSpPr>
@@ -1374,12 +1542,13 @@
           </a:prstGeom>
         </p:spPr>
         <p:txBody>
-          <a:bodyPr lIns="0" rIns="0" tIns="0" bIns="0" anchor="ctr">
+          <a:bodyPr lIns="0" tIns="0" rIns="0" bIns="0" anchor="ctr">
             <a:noAutofit/>
           </a:bodyPr>
+          <a:lstStyle/>
           <a:p>
             <a:pPr algn="ctr"/>
-            <a:endParaRPr b="0" lang="pt-BR" sz="4400" spc="-1" strike="noStrike">
+            <a:endParaRPr lang="pt-BR" sz="4400" b="0" strike="noStrike" spc="-1">
               <a:latin typeface="Arial"/>
             </a:endParaRPr>
           </a:p>
@@ -1405,11 +1574,12 @@
           </a:prstGeom>
         </p:spPr>
         <p:txBody>
-          <a:bodyPr lIns="0" rIns="0" tIns="0" bIns="0">
+          <a:bodyPr lIns="0" tIns="0" rIns="0" bIns="0">
             <a:normAutofit/>
           </a:bodyPr>
-          <a:p>
-            <a:endParaRPr b="0" lang="pt-BR" sz="3200" spc="-1" strike="noStrike">
+          <a:lstStyle/>
+          <a:p>
+            <a:endParaRPr lang="pt-BR" sz="3200" b="0" strike="noStrike" spc="-1">
               <a:latin typeface="Arial"/>
             </a:endParaRPr>
           </a:p>
@@ -1435,11 +1605,12 @@
           </a:prstGeom>
         </p:spPr>
         <p:txBody>
-          <a:bodyPr lIns="0" rIns="0" tIns="0" bIns="0">
+          <a:bodyPr lIns="0" tIns="0" rIns="0" bIns="0">
             <a:normAutofit/>
           </a:bodyPr>
-          <a:p>
-            <a:endParaRPr b="0" lang="pt-BR" sz="3200" spc="-1" strike="noStrike">
+          <a:lstStyle/>
+          <a:p>
+            <a:endParaRPr lang="pt-BR" sz="3200" b="0" strike="noStrike" spc="-1">
               <a:latin typeface="Arial"/>
             </a:endParaRPr>
           </a:p>
@@ -1465,11 +1636,12 @@
           </a:prstGeom>
         </p:spPr>
         <p:txBody>
-          <a:bodyPr lIns="0" rIns="0" tIns="0" bIns="0">
+          <a:bodyPr lIns="0" tIns="0" rIns="0" bIns="0">
             <a:normAutofit/>
           </a:bodyPr>
-          <a:p>
-            <a:endParaRPr b="0" lang="pt-BR" sz="3200" spc="-1" strike="noStrike">
+          <a:lstStyle/>
+          <a:p>
+            <a:endParaRPr lang="pt-BR" sz="3200" b="0" strike="noStrike" spc="-1">
               <a:latin typeface="Arial"/>
             </a:endParaRPr>
           </a:p>
@@ -1477,11 +1649,14 @@
       </p:sp>
     </p:spTree>
   </p:cSld>
+  <p:clrMapOvr>
+    <a:masterClrMapping/>
+  </p:clrMapOvr>
 </p:sldLayout>
 </file>
 
 <file path=ppt/slideLayouts/slideLayout22.xml><?xml version="1.0" encoding="utf-8"?>
-<p:sldLayout xmlns:a="http://schemas.openxmlformats.org/drawingml/2006/main" xmlns:p="http://schemas.openxmlformats.org/presentationml/2006/main" xmlns:r="http://schemas.openxmlformats.org/officeDocument/2006/relationships" xmlns:p14="http://schemas.microsoft.com/office/powerpoint/2010/main" xmlns:p15="http://schemas.microsoft.com/office/powerpoint/2012/main" xmlns:mc="http://schemas.openxmlformats.org/markup-compatibility/2006" type="objOverTx" preserve="1">
+<p:sldLayout xmlns:a="http://schemas.openxmlformats.org/drawingml/2006/main" xmlns:r="http://schemas.openxmlformats.org/officeDocument/2006/relationships" xmlns:p="http://schemas.openxmlformats.org/presentationml/2006/main" type="objOverTx" preserve="1">
   <p:cSld name="Title, Content over Content">
     <p:spTree>
       <p:nvGrpSpPr>
@@ -1517,12 +1692,13 @@
           </a:prstGeom>
         </p:spPr>
         <p:txBody>
-          <a:bodyPr lIns="0" rIns="0" tIns="0" bIns="0" anchor="ctr">
+          <a:bodyPr lIns="0" tIns="0" rIns="0" bIns="0" anchor="ctr">
             <a:noAutofit/>
           </a:bodyPr>
+          <a:lstStyle/>
           <a:p>
             <a:pPr algn="ctr"/>
-            <a:endParaRPr b="0" lang="pt-BR" sz="4400" spc="-1" strike="noStrike">
+            <a:endParaRPr lang="pt-BR" sz="4400" b="0" strike="noStrike" spc="-1">
               <a:latin typeface="Arial"/>
             </a:endParaRPr>
           </a:p>
@@ -1548,11 +1724,12 @@
           </a:prstGeom>
         </p:spPr>
         <p:txBody>
-          <a:bodyPr lIns="0" rIns="0" tIns="0" bIns="0">
+          <a:bodyPr lIns="0" tIns="0" rIns="0" bIns="0">
             <a:normAutofit/>
           </a:bodyPr>
-          <a:p>
-            <a:endParaRPr b="0" lang="pt-BR" sz="3200" spc="-1" strike="noStrike">
+          <a:lstStyle/>
+          <a:p>
+            <a:endParaRPr lang="pt-BR" sz="3200" b="0" strike="noStrike" spc="-1">
               <a:latin typeface="Arial"/>
             </a:endParaRPr>
           </a:p>
@@ -1578,11 +1755,12 @@
           </a:prstGeom>
         </p:spPr>
         <p:txBody>
-          <a:bodyPr lIns="0" rIns="0" tIns="0" bIns="0">
+          <a:bodyPr lIns="0" tIns="0" rIns="0" bIns="0">
             <a:normAutofit/>
           </a:bodyPr>
-          <a:p>
-            <a:endParaRPr b="0" lang="pt-BR" sz="3200" spc="-1" strike="noStrike">
+          <a:lstStyle/>
+          <a:p>
+            <a:endParaRPr lang="pt-BR" sz="3200" b="0" strike="noStrike" spc="-1">
               <a:latin typeface="Arial"/>
             </a:endParaRPr>
           </a:p>
@@ -1590,11 +1768,14 @@
       </p:sp>
     </p:spTree>
   </p:cSld>
+  <p:clrMapOvr>
+    <a:masterClrMapping/>
+  </p:clrMapOvr>
 </p:sldLayout>
 </file>
 
 <file path=ppt/slideLayouts/slideLayout23.xml><?xml version="1.0" encoding="utf-8"?>
-<p:sldLayout xmlns:a="http://schemas.openxmlformats.org/drawingml/2006/main" xmlns:p="http://schemas.openxmlformats.org/presentationml/2006/main" xmlns:r="http://schemas.openxmlformats.org/officeDocument/2006/relationships" xmlns:p14="http://schemas.microsoft.com/office/powerpoint/2010/main" xmlns:p15="http://schemas.microsoft.com/office/powerpoint/2012/main" xmlns:mc="http://schemas.openxmlformats.org/markup-compatibility/2006" type="fourObj" preserve="1">
+<p:sldLayout xmlns:a="http://schemas.openxmlformats.org/drawingml/2006/main" xmlns:r="http://schemas.openxmlformats.org/officeDocument/2006/relationships" xmlns:p="http://schemas.openxmlformats.org/presentationml/2006/main" type="fourObj" preserve="1">
   <p:cSld name="Title, 4 Content">
     <p:spTree>
       <p:nvGrpSpPr>
@@ -1630,12 +1811,13 @@
           </a:prstGeom>
         </p:spPr>
         <p:txBody>
-          <a:bodyPr lIns="0" rIns="0" tIns="0" bIns="0" anchor="ctr">
+          <a:bodyPr lIns="0" tIns="0" rIns="0" bIns="0" anchor="ctr">
             <a:noAutofit/>
           </a:bodyPr>
+          <a:lstStyle/>
           <a:p>
             <a:pPr algn="ctr"/>
-            <a:endParaRPr b="0" lang="pt-BR" sz="4400" spc="-1" strike="noStrike">
+            <a:endParaRPr lang="pt-BR" sz="4400" b="0" strike="noStrike" spc="-1">
               <a:latin typeface="Arial"/>
             </a:endParaRPr>
           </a:p>
@@ -1661,11 +1843,12 @@
           </a:prstGeom>
         </p:spPr>
         <p:txBody>
-          <a:bodyPr lIns="0" rIns="0" tIns="0" bIns="0">
+          <a:bodyPr lIns="0" tIns="0" rIns="0" bIns="0">
             <a:normAutofit/>
           </a:bodyPr>
-          <a:p>
-            <a:endParaRPr b="0" lang="pt-BR" sz="3200" spc="-1" strike="noStrike">
+          <a:lstStyle/>
+          <a:p>
+            <a:endParaRPr lang="pt-BR" sz="3200" b="0" strike="noStrike" spc="-1">
               <a:latin typeface="Arial"/>
             </a:endParaRPr>
           </a:p>
@@ -1691,11 +1874,12 @@
           </a:prstGeom>
         </p:spPr>
         <p:txBody>
-          <a:bodyPr lIns="0" rIns="0" tIns="0" bIns="0">
+          <a:bodyPr lIns="0" tIns="0" rIns="0" bIns="0">
             <a:normAutofit/>
           </a:bodyPr>
-          <a:p>
-            <a:endParaRPr b="0" lang="pt-BR" sz="3200" spc="-1" strike="noStrike">
+          <a:lstStyle/>
+          <a:p>
+            <a:endParaRPr lang="pt-BR" sz="3200" b="0" strike="noStrike" spc="-1">
               <a:latin typeface="Arial"/>
             </a:endParaRPr>
           </a:p>
@@ -1721,11 +1905,12 @@
           </a:prstGeom>
         </p:spPr>
         <p:txBody>
-          <a:bodyPr lIns="0" rIns="0" tIns="0" bIns="0">
+          <a:bodyPr lIns="0" tIns="0" rIns="0" bIns="0">
             <a:normAutofit/>
           </a:bodyPr>
-          <a:p>
-            <a:endParaRPr b="0" lang="pt-BR" sz="3200" spc="-1" strike="noStrike">
+          <a:lstStyle/>
+          <a:p>
+            <a:endParaRPr lang="pt-BR" sz="3200" b="0" strike="noStrike" spc="-1">
               <a:latin typeface="Arial"/>
             </a:endParaRPr>
           </a:p>
@@ -1751,11 +1936,12 @@
           </a:prstGeom>
         </p:spPr>
         <p:txBody>
-          <a:bodyPr lIns="0" rIns="0" tIns="0" bIns="0">
+          <a:bodyPr lIns="0" tIns="0" rIns="0" bIns="0">
             <a:normAutofit/>
           </a:bodyPr>
-          <a:p>
-            <a:endParaRPr b="0" lang="pt-BR" sz="3200" spc="-1" strike="noStrike">
+          <a:lstStyle/>
+          <a:p>
+            <a:endParaRPr lang="pt-BR" sz="3200" b="0" strike="noStrike" spc="-1">
               <a:latin typeface="Arial"/>
             </a:endParaRPr>
           </a:p>
@@ -1763,11 +1949,14 @@
       </p:sp>
     </p:spTree>
   </p:cSld>
+  <p:clrMapOvr>
+    <a:masterClrMapping/>
+  </p:clrMapOvr>
 </p:sldLayout>
 </file>
 
 <file path=ppt/slideLayouts/slideLayout24.xml><?xml version="1.0" encoding="utf-8"?>
-<p:sldLayout xmlns:a="http://schemas.openxmlformats.org/drawingml/2006/main" xmlns:p="http://schemas.openxmlformats.org/presentationml/2006/main" xmlns:r="http://schemas.openxmlformats.org/officeDocument/2006/relationships" xmlns:p14="http://schemas.microsoft.com/office/powerpoint/2010/main" xmlns:p15="http://schemas.microsoft.com/office/powerpoint/2012/main" xmlns:mc="http://schemas.openxmlformats.org/markup-compatibility/2006" type="blank" preserve="1">
+<p:sldLayout xmlns:a="http://schemas.openxmlformats.org/drawingml/2006/main" xmlns:r="http://schemas.openxmlformats.org/officeDocument/2006/relationships" xmlns:p="http://schemas.openxmlformats.org/presentationml/2006/main" type="blank" preserve="1">
   <p:cSld name="Title, 6 Content">
     <p:spTree>
       <p:nvGrpSpPr>
@@ -1803,12 +1992,13 @@
           </a:prstGeom>
         </p:spPr>
         <p:txBody>
-          <a:bodyPr lIns="0" rIns="0" tIns="0" bIns="0" anchor="ctr">
+          <a:bodyPr lIns="0" tIns="0" rIns="0" bIns="0" anchor="ctr">
             <a:noAutofit/>
           </a:bodyPr>
+          <a:lstStyle/>
           <a:p>
             <a:pPr algn="ctr"/>
-            <a:endParaRPr b="0" lang="pt-BR" sz="4400" spc="-1" strike="noStrike">
+            <a:endParaRPr lang="pt-BR" sz="4400" b="0" strike="noStrike" spc="-1">
               <a:latin typeface="Arial"/>
             </a:endParaRPr>
           </a:p>
@@ -1834,11 +2024,12 @@
           </a:prstGeom>
         </p:spPr>
         <p:txBody>
-          <a:bodyPr lIns="0" rIns="0" tIns="0" bIns="0">
+          <a:bodyPr lIns="0" tIns="0" rIns="0" bIns="0">
             <a:normAutofit/>
           </a:bodyPr>
-          <a:p>
-            <a:endParaRPr b="0" lang="pt-BR" sz="3200" spc="-1" strike="noStrike">
+          <a:lstStyle/>
+          <a:p>
+            <a:endParaRPr lang="pt-BR" sz="3200" b="0" strike="noStrike" spc="-1">
               <a:latin typeface="Arial"/>
             </a:endParaRPr>
           </a:p>
@@ -1864,11 +2055,12 @@
           </a:prstGeom>
         </p:spPr>
         <p:txBody>
-          <a:bodyPr lIns="0" rIns="0" tIns="0" bIns="0">
+          <a:bodyPr lIns="0" tIns="0" rIns="0" bIns="0">
             <a:normAutofit/>
           </a:bodyPr>
-          <a:p>
-            <a:endParaRPr b="0" lang="pt-BR" sz="3200" spc="-1" strike="noStrike">
+          <a:lstStyle/>
+          <a:p>
+            <a:endParaRPr lang="pt-BR" sz="3200" b="0" strike="noStrike" spc="-1">
               <a:latin typeface="Arial"/>
             </a:endParaRPr>
           </a:p>
@@ -1894,11 +2086,12 @@
           </a:prstGeom>
         </p:spPr>
         <p:txBody>
-          <a:bodyPr lIns="0" rIns="0" tIns="0" bIns="0">
+          <a:bodyPr lIns="0" tIns="0" rIns="0" bIns="0">
             <a:normAutofit/>
           </a:bodyPr>
-          <a:p>
-            <a:endParaRPr b="0" lang="pt-BR" sz="3200" spc="-1" strike="noStrike">
+          <a:lstStyle/>
+          <a:p>
+            <a:endParaRPr lang="pt-BR" sz="3200" b="0" strike="noStrike" spc="-1">
               <a:latin typeface="Arial"/>
             </a:endParaRPr>
           </a:p>
@@ -1924,11 +2117,12 @@
           </a:prstGeom>
         </p:spPr>
         <p:txBody>
-          <a:bodyPr lIns="0" rIns="0" tIns="0" bIns="0">
+          <a:bodyPr lIns="0" tIns="0" rIns="0" bIns="0">
             <a:normAutofit/>
           </a:bodyPr>
-          <a:p>
-            <a:endParaRPr b="0" lang="pt-BR" sz="3200" spc="-1" strike="noStrike">
+          <a:lstStyle/>
+          <a:p>
+            <a:endParaRPr lang="pt-BR" sz="3200" b="0" strike="noStrike" spc="-1">
               <a:latin typeface="Arial"/>
             </a:endParaRPr>
           </a:p>
@@ -1954,11 +2148,12 @@
           </a:prstGeom>
         </p:spPr>
         <p:txBody>
-          <a:bodyPr lIns="0" rIns="0" tIns="0" bIns="0">
+          <a:bodyPr lIns="0" tIns="0" rIns="0" bIns="0">
             <a:normAutofit/>
           </a:bodyPr>
-          <a:p>
-            <a:endParaRPr b="0" lang="pt-BR" sz="3200" spc="-1" strike="noStrike">
+          <a:lstStyle/>
+          <a:p>
+            <a:endParaRPr lang="pt-BR" sz="3200" b="0" strike="noStrike" spc="-1">
               <a:latin typeface="Arial"/>
             </a:endParaRPr>
           </a:p>
@@ -1984,11 +2179,12 @@
           </a:prstGeom>
         </p:spPr>
         <p:txBody>
-          <a:bodyPr lIns="0" rIns="0" tIns="0" bIns="0">
+          <a:bodyPr lIns="0" tIns="0" rIns="0" bIns="0">
             <a:normAutofit/>
           </a:bodyPr>
-          <a:p>
-            <a:endParaRPr b="0" lang="pt-BR" sz="3200" spc="-1" strike="noStrike">
+          <a:lstStyle/>
+          <a:p>
+            <a:endParaRPr lang="pt-BR" sz="3200" b="0" strike="noStrike" spc="-1">
               <a:latin typeface="Arial"/>
             </a:endParaRPr>
           </a:p>
@@ -1996,11 +2192,14 @@
       </p:sp>
     </p:spTree>
   </p:cSld>
+  <p:clrMapOvr>
+    <a:masterClrMapping/>
+  </p:clrMapOvr>
 </p:sldLayout>
 </file>
 
 <file path=ppt/slideLayouts/slideLayout3.xml><?xml version="1.0" encoding="utf-8"?>
-<p:sldLayout xmlns:a="http://schemas.openxmlformats.org/drawingml/2006/main" xmlns:p="http://schemas.openxmlformats.org/presentationml/2006/main" xmlns:r="http://schemas.openxmlformats.org/officeDocument/2006/relationships" xmlns:p14="http://schemas.microsoft.com/office/powerpoint/2010/main" xmlns:p15="http://schemas.microsoft.com/office/powerpoint/2012/main" xmlns:mc="http://schemas.openxmlformats.org/markup-compatibility/2006" type="obj" preserve="1">
+<p:sldLayout xmlns:a="http://schemas.openxmlformats.org/drawingml/2006/main" xmlns:r="http://schemas.openxmlformats.org/officeDocument/2006/relationships" xmlns:p="http://schemas.openxmlformats.org/presentationml/2006/main" type="obj" preserve="1">
   <p:cSld name="Title, Content">
     <p:spTree>
       <p:nvGrpSpPr>
@@ -2036,12 +2235,13 @@
           </a:prstGeom>
         </p:spPr>
         <p:txBody>
-          <a:bodyPr lIns="0" rIns="0" tIns="0" bIns="0" anchor="ctr">
+          <a:bodyPr lIns="0" tIns="0" rIns="0" bIns="0" anchor="ctr">
             <a:noAutofit/>
           </a:bodyPr>
+          <a:lstStyle/>
           <a:p>
             <a:pPr algn="ctr"/>
-            <a:endParaRPr b="0" lang="pt-BR" sz="4400" spc="-1" strike="noStrike">
+            <a:endParaRPr lang="pt-BR" sz="4400" b="0" strike="noStrike" spc="-1">
               <a:latin typeface="Arial"/>
             </a:endParaRPr>
           </a:p>
@@ -2067,11 +2267,12 @@
           </a:prstGeom>
         </p:spPr>
         <p:txBody>
-          <a:bodyPr lIns="0" rIns="0" tIns="0" bIns="0">
+          <a:bodyPr lIns="0" tIns="0" rIns="0" bIns="0">
             <a:normAutofit/>
           </a:bodyPr>
-          <a:p>
-            <a:endParaRPr b="0" lang="pt-BR" sz="3200" spc="-1" strike="noStrike">
+          <a:lstStyle/>
+          <a:p>
+            <a:endParaRPr lang="pt-BR" sz="3200" b="0" strike="noStrike" spc="-1">
               <a:latin typeface="Arial"/>
             </a:endParaRPr>
           </a:p>
@@ -2079,11 +2280,14 @@
       </p:sp>
     </p:spTree>
   </p:cSld>
+  <p:clrMapOvr>
+    <a:masterClrMapping/>
+  </p:clrMapOvr>
 </p:sldLayout>
 </file>
 
 <file path=ppt/slideLayouts/slideLayout4.xml><?xml version="1.0" encoding="utf-8"?>
-<p:sldLayout xmlns:a="http://schemas.openxmlformats.org/drawingml/2006/main" xmlns:p="http://schemas.openxmlformats.org/presentationml/2006/main" xmlns:r="http://schemas.openxmlformats.org/officeDocument/2006/relationships" xmlns:p14="http://schemas.microsoft.com/office/powerpoint/2010/main" xmlns:p15="http://schemas.microsoft.com/office/powerpoint/2012/main" xmlns:mc="http://schemas.openxmlformats.org/markup-compatibility/2006" type="twoObj" preserve="1">
+<p:sldLayout xmlns:a="http://schemas.openxmlformats.org/drawingml/2006/main" xmlns:r="http://schemas.openxmlformats.org/officeDocument/2006/relationships" xmlns:p="http://schemas.openxmlformats.org/presentationml/2006/main" type="twoObj" preserve="1">
   <p:cSld name="Title, 2 Content">
     <p:spTree>
       <p:nvGrpSpPr>
@@ -2119,12 +2323,13 @@
           </a:prstGeom>
         </p:spPr>
         <p:txBody>
-          <a:bodyPr lIns="0" rIns="0" tIns="0" bIns="0" anchor="ctr">
+          <a:bodyPr lIns="0" tIns="0" rIns="0" bIns="0" anchor="ctr">
             <a:noAutofit/>
           </a:bodyPr>
+          <a:lstStyle/>
           <a:p>
             <a:pPr algn="ctr"/>
-            <a:endParaRPr b="0" lang="pt-BR" sz="4400" spc="-1" strike="noStrike">
+            <a:endParaRPr lang="pt-BR" sz="4400" b="0" strike="noStrike" spc="-1">
               <a:latin typeface="Arial"/>
             </a:endParaRPr>
           </a:p>
@@ -2150,11 +2355,12 @@
           </a:prstGeom>
         </p:spPr>
         <p:txBody>
-          <a:bodyPr lIns="0" rIns="0" tIns="0" bIns="0">
+          <a:bodyPr lIns="0" tIns="0" rIns="0" bIns="0">
             <a:normAutofit/>
           </a:bodyPr>
-          <a:p>
-            <a:endParaRPr b="0" lang="pt-BR" sz="3200" spc="-1" strike="noStrike">
+          <a:lstStyle/>
+          <a:p>
+            <a:endParaRPr lang="pt-BR" sz="3200" b="0" strike="noStrike" spc="-1">
               <a:latin typeface="Arial"/>
             </a:endParaRPr>
           </a:p>
@@ -2180,11 +2386,12 @@
           </a:prstGeom>
         </p:spPr>
         <p:txBody>
-          <a:bodyPr lIns="0" rIns="0" tIns="0" bIns="0">
+          <a:bodyPr lIns="0" tIns="0" rIns="0" bIns="0">
             <a:normAutofit/>
           </a:bodyPr>
-          <a:p>
-            <a:endParaRPr b="0" lang="pt-BR" sz="3200" spc="-1" strike="noStrike">
+          <a:lstStyle/>
+          <a:p>
+            <a:endParaRPr lang="pt-BR" sz="3200" b="0" strike="noStrike" spc="-1">
               <a:latin typeface="Arial"/>
             </a:endParaRPr>
           </a:p>
@@ -2192,11 +2399,14 @@
       </p:sp>
     </p:spTree>
   </p:cSld>
+  <p:clrMapOvr>
+    <a:masterClrMapping/>
+  </p:clrMapOvr>
 </p:sldLayout>
 </file>
 
 <file path=ppt/slideLayouts/slideLayout5.xml><?xml version="1.0" encoding="utf-8"?>
-<p:sldLayout xmlns:a="http://schemas.openxmlformats.org/drawingml/2006/main" xmlns:p="http://schemas.openxmlformats.org/presentationml/2006/main" xmlns:r="http://schemas.openxmlformats.org/officeDocument/2006/relationships" xmlns:p14="http://schemas.microsoft.com/office/powerpoint/2010/main" xmlns:p15="http://schemas.microsoft.com/office/powerpoint/2012/main" xmlns:mc="http://schemas.openxmlformats.org/markup-compatibility/2006" type="titleOnly" preserve="1">
+<p:sldLayout xmlns:a="http://schemas.openxmlformats.org/drawingml/2006/main" xmlns:r="http://schemas.openxmlformats.org/officeDocument/2006/relationships" xmlns:p="http://schemas.openxmlformats.org/presentationml/2006/main" type="titleOnly" preserve="1">
   <p:cSld name="Title Only">
     <p:spTree>
       <p:nvGrpSpPr>
@@ -2232,12 +2442,13 @@
           </a:prstGeom>
         </p:spPr>
         <p:txBody>
-          <a:bodyPr lIns="0" rIns="0" tIns="0" bIns="0" anchor="ctr">
+          <a:bodyPr lIns="0" tIns="0" rIns="0" bIns="0" anchor="ctr">
             <a:noAutofit/>
           </a:bodyPr>
+          <a:lstStyle/>
           <a:p>
             <a:pPr algn="ctr"/>
-            <a:endParaRPr b="0" lang="pt-BR" sz="4400" spc="-1" strike="noStrike">
+            <a:endParaRPr lang="pt-BR" sz="4400" b="0" strike="noStrike" spc="-1">
               <a:latin typeface="Arial"/>
             </a:endParaRPr>
           </a:p>
@@ -2245,11 +2456,14 @@
       </p:sp>
     </p:spTree>
   </p:cSld>
+  <p:clrMapOvr>
+    <a:masterClrMapping/>
+  </p:clrMapOvr>
 </p:sldLayout>
 </file>
 
 <file path=ppt/slideLayouts/slideLayout6.xml><?xml version="1.0" encoding="utf-8"?>
-<p:sldLayout xmlns:a="http://schemas.openxmlformats.org/drawingml/2006/main" xmlns:p="http://schemas.openxmlformats.org/presentationml/2006/main" xmlns:r="http://schemas.openxmlformats.org/officeDocument/2006/relationships" xmlns:p14="http://schemas.microsoft.com/office/powerpoint/2010/main" xmlns:p15="http://schemas.microsoft.com/office/powerpoint/2012/main" xmlns:mc="http://schemas.openxmlformats.org/markup-compatibility/2006" type="objOnly" preserve="1">
+<p:sldLayout xmlns:a="http://schemas.openxmlformats.org/drawingml/2006/main" xmlns:r="http://schemas.openxmlformats.org/officeDocument/2006/relationships" xmlns:p="http://schemas.openxmlformats.org/presentationml/2006/main" type="objOnly" preserve="1">
   <p:cSld name="Centered Text">
     <p:spTree>
       <p:nvGrpSpPr>
@@ -2285,12 +2499,13 @@
           </a:prstGeom>
         </p:spPr>
         <p:txBody>
-          <a:bodyPr lIns="0" rIns="0" tIns="0" bIns="0" anchor="ctr">
+          <a:bodyPr lIns="0" tIns="0" rIns="0" bIns="0" anchor="ctr">
             <a:noAutofit/>
           </a:bodyPr>
+          <a:lstStyle/>
           <a:p>
             <a:pPr algn="ctr"/>
-            <a:endParaRPr b="0" lang="pt-BR" sz="3200" spc="-1" strike="noStrike">
+            <a:endParaRPr lang="pt-BR" sz="3200" b="0" strike="noStrike" spc="-1">
               <a:latin typeface="Arial"/>
             </a:endParaRPr>
           </a:p>
@@ -2298,11 +2513,14 @@
       </p:sp>
     </p:spTree>
   </p:cSld>
+  <p:clrMapOvr>
+    <a:masterClrMapping/>
+  </p:clrMapOvr>
 </p:sldLayout>
 </file>
 
 <file path=ppt/slideLayouts/slideLayout7.xml><?xml version="1.0" encoding="utf-8"?>
-<p:sldLayout xmlns:a="http://schemas.openxmlformats.org/drawingml/2006/main" xmlns:p="http://schemas.openxmlformats.org/presentationml/2006/main" xmlns:r="http://schemas.openxmlformats.org/officeDocument/2006/relationships" xmlns:p14="http://schemas.microsoft.com/office/powerpoint/2010/main" xmlns:p15="http://schemas.microsoft.com/office/powerpoint/2012/main" xmlns:mc="http://schemas.openxmlformats.org/markup-compatibility/2006" type="twoObjAndObj" preserve="1">
+<p:sldLayout xmlns:a="http://schemas.openxmlformats.org/drawingml/2006/main" xmlns:r="http://schemas.openxmlformats.org/officeDocument/2006/relationships" xmlns:p="http://schemas.openxmlformats.org/presentationml/2006/main" type="twoObjAndObj" preserve="1">
   <p:cSld name="Title, 2 Content and Content">
     <p:spTree>
       <p:nvGrpSpPr>
@@ -2338,12 +2556,13 @@
           </a:prstGeom>
         </p:spPr>
         <p:txBody>
-          <a:bodyPr lIns="0" rIns="0" tIns="0" bIns="0" anchor="ctr">
+          <a:bodyPr lIns="0" tIns="0" rIns="0" bIns="0" anchor="ctr">
             <a:noAutofit/>
           </a:bodyPr>
+          <a:lstStyle/>
           <a:p>
             <a:pPr algn="ctr"/>
-            <a:endParaRPr b="0" lang="pt-BR" sz="4400" spc="-1" strike="noStrike">
+            <a:endParaRPr lang="pt-BR" sz="4400" b="0" strike="noStrike" spc="-1">
               <a:latin typeface="Arial"/>
             </a:endParaRPr>
           </a:p>
@@ -2369,11 +2588,12 @@
           </a:prstGeom>
         </p:spPr>
         <p:txBody>
-          <a:bodyPr lIns="0" rIns="0" tIns="0" bIns="0">
+          <a:bodyPr lIns="0" tIns="0" rIns="0" bIns="0">
             <a:normAutofit/>
           </a:bodyPr>
-          <a:p>
-            <a:endParaRPr b="0" lang="pt-BR" sz="3200" spc="-1" strike="noStrike">
+          <a:lstStyle/>
+          <a:p>
+            <a:endParaRPr lang="pt-BR" sz="3200" b="0" strike="noStrike" spc="-1">
               <a:latin typeface="Arial"/>
             </a:endParaRPr>
           </a:p>
@@ -2399,11 +2619,12 @@
           </a:prstGeom>
         </p:spPr>
         <p:txBody>
-          <a:bodyPr lIns="0" rIns="0" tIns="0" bIns="0">
+          <a:bodyPr lIns="0" tIns="0" rIns="0" bIns="0">
             <a:normAutofit/>
           </a:bodyPr>
-          <a:p>
-            <a:endParaRPr b="0" lang="pt-BR" sz="3200" spc="-1" strike="noStrike">
+          <a:lstStyle/>
+          <a:p>
+            <a:endParaRPr lang="pt-BR" sz="3200" b="0" strike="noStrike" spc="-1">
               <a:latin typeface="Arial"/>
             </a:endParaRPr>
           </a:p>
@@ -2429,11 +2650,12 @@
           </a:prstGeom>
         </p:spPr>
         <p:txBody>
-          <a:bodyPr lIns="0" rIns="0" tIns="0" bIns="0">
+          <a:bodyPr lIns="0" tIns="0" rIns="0" bIns="0">
             <a:normAutofit/>
           </a:bodyPr>
-          <a:p>
-            <a:endParaRPr b="0" lang="pt-BR" sz="3200" spc="-1" strike="noStrike">
+          <a:lstStyle/>
+          <a:p>
+            <a:endParaRPr lang="pt-BR" sz="3200" b="0" strike="noStrike" spc="-1">
               <a:latin typeface="Arial"/>
             </a:endParaRPr>
           </a:p>
@@ -2441,11 +2663,14 @@
       </p:sp>
     </p:spTree>
   </p:cSld>
+  <p:clrMapOvr>
+    <a:masterClrMapping/>
+  </p:clrMapOvr>
 </p:sldLayout>
 </file>
 
 <file path=ppt/slideLayouts/slideLayout8.xml><?xml version="1.0" encoding="utf-8"?>
-<p:sldLayout xmlns:a="http://schemas.openxmlformats.org/drawingml/2006/main" xmlns:p="http://schemas.openxmlformats.org/presentationml/2006/main" xmlns:r="http://schemas.openxmlformats.org/officeDocument/2006/relationships" xmlns:p14="http://schemas.microsoft.com/office/powerpoint/2010/main" xmlns:p15="http://schemas.microsoft.com/office/powerpoint/2012/main" xmlns:mc="http://schemas.openxmlformats.org/markup-compatibility/2006" type="objAndTwoObj" preserve="1">
+<p:sldLayout xmlns:a="http://schemas.openxmlformats.org/drawingml/2006/main" xmlns:r="http://schemas.openxmlformats.org/officeDocument/2006/relationships" xmlns:p="http://schemas.openxmlformats.org/presentationml/2006/main" type="objAndTwoObj" preserve="1">
   <p:cSld name="Title Content and 2 Content">
     <p:spTree>
       <p:nvGrpSpPr>
@@ -2481,12 +2706,13 @@
           </a:prstGeom>
         </p:spPr>
         <p:txBody>
-          <a:bodyPr lIns="0" rIns="0" tIns="0" bIns="0" anchor="ctr">
+          <a:bodyPr lIns="0" tIns="0" rIns="0" bIns="0" anchor="ctr">
             <a:noAutofit/>
           </a:bodyPr>
+          <a:lstStyle/>
           <a:p>
             <a:pPr algn="ctr"/>
-            <a:endParaRPr b="0" lang="pt-BR" sz="4400" spc="-1" strike="noStrike">
+            <a:endParaRPr lang="pt-BR" sz="4400" b="0" strike="noStrike" spc="-1">
               <a:latin typeface="Arial"/>
             </a:endParaRPr>
           </a:p>
@@ -2512,11 +2738,12 @@
           </a:prstGeom>
         </p:spPr>
         <p:txBody>
-          <a:bodyPr lIns="0" rIns="0" tIns="0" bIns="0">
+          <a:bodyPr lIns="0" tIns="0" rIns="0" bIns="0">
             <a:normAutofit/>
           </a:bodyPr>
-          <a:p>
-            <a:endParaRPr b="0" lang="pt-BR" sz="3200" spc="-1" strike="noStrike">
+          <a:lstStyle/>
+          <a:p>
+            <a:endParaRPr lang="pt-BR" sz="3200" b="0" strike="noStrike" spc="-1">
               <a:latin typeface="Arial"/>
             </a:endParaRPr>
           </a:p>
@@ -2542,11 +2769,12 @@
           </a:prstGeom>
         </p:spPr>
         <p:txBody>
-          <a:bodyPr lIns="0" rIns="0" tIns="0" bIns="0">
+          <a:bodyPr lIns="0" tIns="0" rIns="0" bIns="0">
             <a:normAutofit/>
           </a:bodyPr>
-          <a:p>
-            <a:endParaRPr b="0" lang="pt-BR" sz="3200" spc="-1" strike="noStrike">
+          <a:lstStyle/>
+          <a:p>
+            <a:endParaRPr lang="pt-BR" sz="3200" b="0" strike="noStrike" spc="-1">
               <a:latin typeface="Arial"/>
             </a:endParaRPr>
           </a:p>
@@ -2572,11 +2800,12 @@
           </a:prstGeom>
         </p:spPr>
         <p:txBody>
-          <a:bodyPr lIns="0" rIns="0" tIns="0" bIns="0">
+          <a:bodyPr lIns="0" tIns="0" rIns="0" bIns="0">
             <a:normAutofit/>
           </a:bodyPr>
-          <a:p>
-            <a:endParaRPr b="0" lang="pt-BR" sz="3200" spc="-1" strike="noStrike">
+          <a:lstStyle/>
+          <a:p>
+            <a:endParaRPr lang="pt-BR" sz="3200" b="0" strike="noStrike" spc="-1">
               <a:latin typeface="Arial"/>
             </a:endParaRPr>
           </a:p>
@@ -2584,11 +2813,14 @@
       </p:sp>
     </p:spTree>
   </p:cSld>
+  <p:clrMapOvr>
+    <a:masterClrMapping/>
+  </p:clrMapOvr>
 </p:sldLayout>
 </file>
 
 <file path=ppt/slideLayouts/slideLayout9.xml><?xml version="1.0" encoding="utf-8"?>
-<p:sldLayout xmlns:a="http://schemas.openxmlformats.org/drawingml/2006/main" xmlns:p="http://schemas.openxmlformats.org/presentationml/2006/main" xmlns:r="http://schemas.openxmlformats.org/officeDocument/2006/relationships" xmlns:p14="http://schemas.microsoft.com/office/powerpoint/2010/main" xmlns:p15="http://schemas.microsoft.com/office/powerpoint/2012/main" xmlns:mc="http://schemas.openxmlformats.org/markup-compatibility/2006" type="twoObjOverTx" preserve="1">
+<p:sldLayout xmlns:a="http://schemas.openxmlformats.org/drawingml/2006/main" xmlns:r="http://schemas.openxmlformats.org/officeDocument/2006/relationships" xmlns:p="http://schemas.openxmlformats.org/presentationml/2006/main" type="twoObjOverTx" preserve="1">
   <p:cSld name="Title, 2 Content over Content">
     <p:spTree>
       <p:nvGrpSpPr>
@@ -2624,12 +2856,13 @@
           </a:prstGeom>
         </p:spPr>
         <p:txBody>
-          <a:bodyPr lIns="0" rIns="0" tIns="0" bIns="0" anchor="ctr">
+          <a:bodyPr lIns="0" tIns="0" rIns="0" bIns="0" anchor="ctr">
             <a:noAutofit/>
           </a:bodyPr>
+          <a:lstStyle/>
           <a:p>
             <a:pPr algn="ctr"/>
-            <a:endParaRPr b="0" lang="pt-BR" sz="4400" spc="-1" strike="noStrike">
+            <a:endParaRPr lang="pt-BR" sz="4400" b="0" strike="noStrike" spc="-1">
               <a:latin typeface="Arial"/>
             </a:endParaRPr>
           </a:p>
@@ -2655,11 +2888,12 @@
           </a:prstGeom>
         </p:spPr>
         <p:txBody>
-          <a:bodyPr lIns="0" rIns="0" tIns="0" bIns="0">
+          <a:bodyPr lIns="0" tIns="0" rIns="0" bIns="0">
             <a:normAutofit/>
           </a:bodyPr>
-          <a:p>
-            <a:endParaRPr b="0" lang="pt-BR" sz="3200" spc="-1" strike="noStrike">
+          <a:lstStyle/>
+          <a:p>
+            <a:endParaRPr lang="pt-BR" sz="3200" b="0" strike="noStrike" spc="-1">
               <a:latin typeface="Arial"/>
             </a:endParaRPr>
           </a:p>
@@ -2685,11 +2919,12 @@
           </a:prstGeom>
         </p:spPr>
         <p:txBody>
-          <a:bodyPr lIns="0" rIns="0" tIns="0" bIns="0">
+          <a:bodyPr lIns="0" tIns="0" rIns="0" bIns="0">
             <a:normAutofit/>
           </a:bodyPr>
-          <a:p>
-            <a:endParaRPr b="0" lang="pt-BR" sz="3200" spc="-1" strike="noStrike">
+          <a:lstStyle/>
+          <a:p>
+            <a:endParaRPr lang="pt-BR" sz="3200" b="0" strike="noStrike" spc="-1">
               <a:latin typeface="Arial"/>
             </a:endParaRPr>
           </a:p>
@@ -2715,11 +2950,12 @@
           </a:prstGeom>
         </p:spPr>
         <p:txBody>
-          <a:bodyPr lIns="0" rIns="0" tIns="0" bIns="0">
+          <a:bodyPr lIns="0" tIns="0" rIns="0" bIns="0">
             <a:normAutofit/>
           </a:bodyPr>
-          <a:p>
-            <a:endParaRPr b="0" lang="pt-BR" sz="3200" spc="-1" strike="noStrike">
+          <a:lstStyle/>
+          <a:p>
+            <a:endParaRPr lang="pt-BR" sz="3200" b="0" strike="noStrike" spc="-1">
               <a:latin typeface="Arial"/>
             </a:endParaRPr>
           </a:p>
@@ -2727,17 +2963,21 @@
       </p:sp>
     </p:spTree>
   </p:cSld>
+  <p:clrMapOvr>
+    <a:masterClrMapping/>
+  </p:clrMapOvr>
 </p:sldLayout>
 </file>
 
 <file path=ppt/slideMasters/slideMaster1.xml><?xml version="1.0" encoding="utf-8"?>
-<p:sldMaster xmlns:a="http://schemas.openxmlformats.org/drawingml/2006/main" xmlns:p="http://schemas.openxmlformats.org/presentationml/2006/main" xmlns:r="http://schemas.openxmlformats.org/officeDocument/2006/relationships" xmlns:p14="http://schemas.microsoft.com/office/powerpoint/2010/main" xmlns:p15="http://schemas.microsoft.com/office/powerpoint/2012/main" xmlns:mc="http://schemas.openxmlformats.org/markup-compatibility/2006">
+<p:sldMaster xmlns:a="http://schemas.openxmlformats.org/drawingml/2006/main" xmlns:r="http://schemas.openxmlformats.org/officeDocument/2006/relationships" xmlns:p="http://schemas.openxmlformats.org/presentationml/2006/main">
   <p:cSld>
     <p:bg>
       <p:bgPr>
         <a:solidFill>
-          <a:srgbClr val="ffffff"/>
+          <a:srgbClr val="FFFFFF"/>
         </a:solidFill>
+        <a:effectLst/>
       </p:bgPr>
     </p:bg>
     <p:spTree>
@@ -2756,13 +2996,13 @@
       </p:grpSpPr>
       <p:pic>
         <p:nvPicPr>
-          <p:cNvPr id="0" name="Imagem 7" descr=""/>
+          <p:cNvPr id="5" name="Imagem 7"/>
           <p:cNvPicPr/>
           <p:nvPr/>
         </p:nvPicPr>
         <p:blipFill>
-          <a:blip r:embed="rId2"/>
-          <a:srcRect l="0" t="0" r="949" b="0"/>
+          <a:blip r:embed="rId14"/>
+          <a:srcRect r="949"/>
           <a:stretch/>
         </p:blipFill>
         <p:spPr>
@@ -2780,13 +3020,13 @@
       </p:pic>
       <p:pic>
         <p:nvPicPr>
-          <p:cNvPr id="1" name="Imagem 8" descr=""/>
+          <p:cNvPr id="6" name="Imagem 8"/>
           <p:cNvPicPr/>
           <p:nvPr/>
         </p:nvPicPr>
         <p:blipFill>
-          <a:blip r:embed="rId3"/>
-          <a:srcRect l="0" t="0" r="14274" b="0"/>
+          <a:blip r:embed="rId14"/>
+          <a:srcRect r="14274"/>
           <a:stretch/>
         </p:blipFill>
         <p:spPr>
@@ -2804,19 +3044,19 @@
       </p:pic>
       <p:pic>
         <p:nvPicPr>
-          <p:cNvPr id="2" name="Imagem 10" descr=""/>
+          <p:cNvPr id="2" name="Imagem 10"/>
           <p:cNvPicPr/>
           <p:nvPr/>
         </p:nvPicPr>
         <p:blipFill>
-          <a:blip r:embed="rId4"/>
-          <a:srcRect l="0" t="4945" r="14274" b="0"/>
+          <a:blip r:embed="rId14"/>
+          <a:srcRect t="4945" r="14274"/>
           <a:stretch/>
         </p:blipFill>
         <p:spPr>
           <a:xfrm>
-            <a:off x="0" y="2286000"/>
-            <a:ext cx="12191400" cy="4571280"/>
+            <a:off x="0" y="1913641"/>
+            <a:ext cx="12191400" cy="4943639"/>
           </a:xfrm>
           <a:prstGeom prst="rect">
             <a:avLst/>
@@ -2846,25 +3086,17 @@
           </a:prstGeom>
         </p:spPr>
         <p:txBody>
-          <a:bodyPr lIns="0" rIns="0" tIns="0" bIns="0" anchor="ctr">
+          <a:bodyPr lIns="0" tIns="0" rIns="0" bIns="0" anchor="ctr">
             <a:noAutofit/>
           </a:bodyPr>
+          <a:lstStyle/>
           <a:p>
             <a:r>
-              <a:rPr b="0" lang="pt-BR" sz="1800" spc="-1" strike="noStrike">
+              <a:rPr lang="pt-BR" sz="1800" b="0" strike="noStrike" spc="-1">
                 <a:latin typeface="Arial"/>
               </a:rPr>
-              <a:t>Click to edit the title </a:t>
+              <a:t>Click to edit the title text format</a:t>
             </a:r>
-            <a:r>
-              <a:rPr b="0" lang="pt-BR" sz="1800" spc="-1" strike="noStrike">
-                <a:latin typeface="Arial"/>
-              </a:rPr>
-              <a:t>text format</a:t>
-            </a:r>
-            <a:endParaRPr b="0" lang="pt-BR" sz="1800" spc="-1" strike="noStrike">
-              <a:latin typeface="Arial"/>
-            </a:endParaRPr>
           </a:p>
         </p:txBody>
       </p:sp>
@@ -2888,9 +3120,10 @@
           </a:prstGeom>
         </p:spPr>
         <p:txBody>
-          <a:bodyPr lIns="0" rIns="0" tIns="0" bIns="0">
+          <a:bodyPr lIns="0" tIns="0" rIns="0" bIns="0">
             <a:normAutofit/>
           </a:bodyPr>
+          <a:lstStyle/>
           <a:p>
             <a:pPr marL="432000" indent="-324000">
               <a:spcBef>
@@ -2904,17 +3137,14 @@
               <a:buChar char=""/>
             </a:pPr>
             <a:r>
-              <a:rPr b="0" lang="pt-BR" sz="3200" spc="-1" strike="noStrike">
+              <a:rPr lang="pt-BR" sz="3200" b="0" strike="noStrike" spc="-1">
                 <a:latin typeface="Arial"/>
               </a:rPr>
               <a:t>Click to edit the outline text format</a:t>
             </a:r>
-            <a:endParaRPr b="0" lang="pt-BR" sz="3200" spc="-1" strike="noStrike">
-              <a:latin typeface="Arial"/>
-            </a:endParaRPr>
-          </a:p>
-          <a:p>
-            <a:pPr lvl="1" marL="864000" indent="-324000">
+          </a:p>
+          <a:p>
+            <a:pPr marL="864000" lvl="1" indent="-324000">
               <a:spcBef>
                 <a:spcPts val="1134"/>
               </a:spcBef>
@@ -2926,17 +3156,14 @@
               <a:buChar char=""/>
             </a:pPr>
             <a:r>
-              <a:rPr b="0" lang="pt-BR" sz="2800" spc="-1" strike="noStrike">
+              <a:rPr lang="pt-BR" sz="2800" b="0" strike="noStrike" spc="-1">
                 <a:latin typeface="Arial"/>
               </a:rPr>
               <a:t>Second Outline Level</a:t>
             </a:r>
-            <a:endParaRPr b="0" lang="pt-BR" sz="2800" spc="-1" strike="noStrike">
-              <a:latin typeface="Arial"/>
-            </a:endParaRPr>
-          </a:p>
-          <a:p>
-            <a:pPr lvl="2" marL="1296000" indent="-288000">
+          </a:p>
+          <a:p>
+            <a:pPr marL="1296000" lvl="2" indent="-288000">
               <a:spcBef>
                 <a:spcPts val="850"/>
               </a:spcBef>
@@ -2948,17 +3175,14 @@
               <a:buChar char=""/>
             </a:pPr>
             <a:r>
-              <a:rPr b="0" lang="pt-BR" sz="2400" spc="-1" strike="noStrike">
+              <a:rPr lang="pt-BR" sz="2400" b="0" strike="noStrike" spc="-1">
                 <a:latin typeface="Arial"/>
               </a:rPr>
               <a:t>Third Outline Level</a:t>
             </a:r>
-            <a:endParaRPr b="0" lang="pt-BR" sz="2400" spc="-1" strike="noStrike">
-              <a:latin typeface="Arial"/>
-            </a:endParaRPr>
-          </a:p>
-          <a:p>
-            <a:pPr lvl="3" marL="1728000" indent="-216000">
+          </a:p>
+          <a:p>
+            <a:pPr marL="1728000" lvl="3" indent="-216000">
               <a:spcBef>
                 <a:spcPts val="567"/>
               </a:spcBef>
@@ -2970,17 +3194,14 @@
               <a:buChar char=""/>
             </a:pPr>
             <a:r>
-              <a:rPr b="0" lang="pt-BR" sz="2000" spc="-1" strike="noStrike">
+              <a:rPr lang="pt-BR" sz="2000" b="0" strike="noStrike" spc="-1">
                 <a:latin typeface="Arial"/>
               </a:rPr>
               <a:t>Fourth Outline Level</a:t>
             </a:r>
-            <a:endParaRPr b="0" lang="pt-BR" sz="2000" spc="-1" strike="noStrike">
-              <a:latin typeface="Arial"/>
-            </a:endParaRPr>
-          </a:p>
-          <a:p>
-            <a:pPr lvl="4" marL="2160000" indent="-216000">
+          </a:p>
+          <a:p>
+            <a:pPr marL="2160000" lvl="4" indent="-216000">
               <a:spcBef>
                 <a:spcPts val="283"/>
               </a:spcBef>
@@ -2992,17 +3213,14 @@
               <a:buChar char=""/>
             </a:pPr>
             <a:r>
-              <a:rPr b="0" lang="pt-BR" sz="2000" spc="-1" strike="noStrike">
+              <a:rPr lang="pt-BR" sz="2000" b="0" strike="noStrike" spc="-1">
                 <a:latin typeface="Arial"/>
               </a:rPr>
               <a:t>Fifth Outline Level</a:t>
             </a:r>
-            <a:endParaRPr b="0" lang="pt-BR" sz="2000" spc="-1" strike="noStrike">
-              <a:latin typeface="Arial"/>
-            </a:endParaRPr>
-          </a:p>
-          <a:p>
-            <a:pPr lvl="5" marL="2592000" indent="-216000">
+          </a:p>
+          <a:p>
+            <a:pPr marL="2592000" lvl="5" indent="-216000">
               <a:spcBef>
                 <a:spcPts val="283"/>
               </a:spcBef>
@@ -3014,17 +3232,14 @@
               <a:buChar char=""/>
             </a:pPr>
             <a:r>
-              <a:rPr b="0" lang="pt-BR" sz="2000" spc="-1" strike="noStrike">
+              <a:rPr lang="pt-BR" sz="2000" b="0" strike="noStrike" spc="-1">
                 <a:latin typeface="Arial"/>
               </a:rPr>
               <a:t>Sixth Outline Level</a:t>
             </a:r>
-            <a:endParaRPr b="0" lang="pt-BR" sz="2000" spc="-1" strike="noStrike">
-              <a:latin typeface="Arial"/>
-            </a:endParaRPr>
-          </a:p>
-          <a:p>
-            <a:pPr lvl="6" marL="3024000" indent="-216000">
+          </a:p>
+          <a:p>
+            <a:pPr marL="3024000" lvl="6" indent="-216000">
               <a:spcBef>
                 <a:spcPts val="283"/>
               </a:spcBef>
@@ -3036,45 +3251,323 @@
               <a:buChar char=""/>
             </a:pPr>
             <a:r>
-              <a:rPr b="0" lang="pt-BR" sz="2000" spc="-1" strike="noStrike">
+              <a:rPr lang="pt-BR" sz="2000" b="0" strike="noStrike" spc="-1">
                 <a:latin typeface="Arial"/>
               </a:rPr>
               <a:t>Seventh Outline Level</a:t>
             </a:r>
-            <a:endParaRPr b="0" lang="pt-BR" sz="2000" spc="-1" strike="noStrike">
-              <a:latin typeface="Arial"/>
-            </a:endParaRPr>
           </a:p>
         </p:txBody>
       </p:sp>
     </p:spTree>
   </p:cSld>
-  <p:clrMap bg1="lt1" bg2="lt2" tx1="dk1" tx2="dk2" accent1="accent1" accent2="accent2" accent3="accent3" accent4="accent4" accent5="accent5" accent6="accent6" hlink="hlink" folHlink="folHlink"/>
+  <p:clrMap bg1="lt1" tx1="dk1" bg2="lt2" tx2="dk2" accent1="accent1" accent2="accent2" accent3="accent3" accent4="accent4" accent5="accent5" accent6="accent6" hlink="hlink" folHlink="folHlink"/>
   <p:sldLayoutIdLst>
-    <p:sldLayoutId id="2147483649" r:id="rId5"/>
-    <p:sldLayoutId id="2147483650" r:id="rId6"/>
-    <p:sldLayoutId id="2147483651" r:id="rId7"/>
-    <p:sldLayoutId id="2147483652" r:id="rId8"/>
-    <p:sldLayoutId id="2147483653" r:id="rId9"/>
-    <p:sldLayoutId id="2147483654" r:id="rId10"/>
-    <p:sldLayoutId id="2147483655" r:id="rId11"/>
-    <p:sldLayoutId id="2147483656" r:id="rId12"/>
-    <p:sldLayoutId id="2147483657" r:id="rId13"/>
-    <p:sldLayoutId id="2147483658" r:id="rId14"/>
-    <p:sldLayoutId id="2147483659" r:id="rId15"/>
-    <p:sldLayoutId id="2147483660" r:id="rId16"/>
+    <p:sldLayoutId id="2147483649" r:id="rId1"/>
+    <p:sldLayoutId id="2147483650" r:id="rId2"/>
+    <p:sldLayoutId id="2147483651" r:id="rId3"/>
+    <p:sldLayoutId id="2147483652" r:id="rId4"/>
+    <p:sldLayoutId id="2147483653" r:id="rId5"/>
+    <p:sldLayoutId id="2147483654" r:id="rId6"/>
+    <p:sldLayoutId id="2147483655" r:id="rId7"/>
+    <p:sldLayoutId id="2147483656" r:id="rId8"/>
+    <p:sldLayoutId id="2147483657" r:id="rId9"/>
+    <p:sldLayoutId id="2147483658" r:id="rId10"/>
+    <p:sldLayoutId id="2147483659" r:id="rId11"/>
+    <p:sldLayoutId id="2147483660" r:id="rId12"/>
   </p:sldLayoutIdLst>
+  <p:txStyles>
+    <p:titleStyle>
+      <a:lvl1pPr algn="l" defTabSz="914400" rtl="0" eaLnBrk="1" latinLnBrk="0" hangingPunct="1">
+        <a:lnSpc>
+          <a:spcPct val="90000"/>
+        </a:lnSpc>
+        <a:spcBef>
+          <a:spcPct val="0"/>
+        </a:spcBef>
+        <a:buNone/>
+        <a:defRPr sz="4400" kern="1200">
+          <a:solidFill>
+            <a:schemeClr val="tx1"/>
+          </a:solidFill>
+          <a:latin typeface="+mj-lt"/>
+          <a:ea typeface="+mj-ea"/>
+          <a:cs typeface="+mj-cs"/>
+        </a:defRPr>
+      </a:lvl1pPr>
+    </p:titleStyle>
+    <p:bodyStyle>
+      <a:lvl1pPr marL="228600" indent="-228600" algn="l" defTabSz="914400" rtl="0" eaLnBrk="1" latinLnBrk="0" hangingPunct="1">
+        <a:lnSpc>
+          <a:spcPct val="90000"/>
+        </a:lnSpc>
+        <a:spcBef>
+          <a:spcPts val="1000"/>
+        </a:spcBef>
+        <a:buFont typeface="Arial" panose="020B0604020202020204" pitchFamily="34" charset="0"/>
+        <a:buChar char="•"/>
+        <a:defRPr sz="2800" kern="1200">
+          <a:solidFill>
+            <a:schemeClr val="tx1"/>
+          </a:solidFill>
+          <a:latin typeface="+mn-lt"/>
+          <a:ea typeface="+mn-ea"/>
+          <a:cs typeface="+mn-cs"/>
+        </a:defRPr>
+      </a:lvl1pPr>
+      <a:lvl2pPr marL="685800" indent="-228600" algn="l" defTabSz="914400" rtl="0" eaLnBrk="1" latinLnBrk="0" hangingPunct="1">
+        <a:lnSpc>
+          <a:spcPct val="90000"/>
+        </a:lnSpc>
+        <a:spcBef>
+          <a:spcPts val="500"/>
+        </a:spcBef>
+        <a:buFont typeface="Arial" panose="020B0604020202020204" pitchFamily="34" charset="0"/>
+        <a:buChar char="•"/>
+        <a:defRPr sz="2400" kern="1200">
+          <a:solidFill>
+            <a:schemeClr val="tx1"/>
+          </a:solidFill>
+          <a:latin typeface="+mn-lt"/>
+          <a:ea typeface="+mn-ea"/>
+          <a:cs typeface="+mn-cs"/>
+        </a:defRPr>
+      </a:lvl2pPr>
+      <a:lvl3pPr marL="1143000" indent="-228600" algn="l" defTabSz="914400" rtl="0" eaLnBrk="1" latinLnBrk="0" hangingPunct="1">
+        <a:lnSpc>
+          <a:spcPct val="90000"/>
+        </a:lnSpc>
+        <a:spcBef>
+          <a:spcPts val="500"/>
+        </a:spcBef>
+        <a:buFont typeface="Arial" panose="020B0604020202020204" pitchFamily="34" charset="0"/>
+        <a:buChar char="•"/>
+        <a:defRPr sz="2000" kern="1200">
+          <a:solidFill>
+            <a:schemeClr val="tx1"/>
+          </a:solidFill>
+          <a:latin typeface="+mn-lt"/>
+          <a:ea typeface="+mn-ea"/>
+          <a:cs typeface="+mn-cs"/>
+        </a:defRPr>
+      </a:lvl3pPr>
+      <a:lvl4pPr marL="1600200" indent="-228600" algn="l" defTabSz="914400" rtl="0" eaLnBrk="1" latinLnBrk="0" hangingPunct="1">
+        <a:lnSpc>
+          <a:spcPct val="90000"/>
+        </a:lnSpc>
+        <a:spcBef>
+          <a:spcPts val="500"/>
+        </a:spcBef>
+        <a:buFont typeface="Arial" panose="020B0604020202020204" pitchFamily="34" charset="0"/>
+        <a:buChar char="•"/>
+        <a:defRPr sz="1800" kern="1200">
+          <a:solidFill>
+            <a:schemeClr val="tx1"/>
+          </a:solidFill>
+          <a:latin typeface="+mn-lt"/>
+          <a:ea typeface="+mn-ea"/>
+          <a:cs typeface="+mn-cs"/>
+        </a:defRPr>
+      </a:lvl4pPr>
+      <a:lvl5pPr marL="2057400" indent="-228600" algn="l" defTabSz="914400" rtl="0" eaLnBrk="1" latinLnBrk="0" hangingPunct="1">
+        <a:lnSpc>
+          <a:spcPct val="90000"/>
+        </a:lnSpc>
+        <a:spcBef>
+          <a:spcPts val="500"/>
+        </a:spcBef>
+        <a:buFont typeface="Arial" panose="020B0604020202020204" pitchFamily="34" charset="0"/>
+        <a:buChar char="•"/>
+        <a:defRPr sz="1800" kern="1200">
+          <a:solidFill>
+            <a:schemeClr val="tx1"/>
+          </a:solidFill>
+          <a:latin typeface="+mn-lt"/>
+          <a:ea typeface="+mn-ea"/>
+          <a:cs typeface="+mn-cs"/>
+        </a:defRPr>
+      </a:lvl5pPr>
+      <a:lvl6pPr marL="2514600" indent="-228600" algn="l" defTabSz="914400" rtl="0" eaLnBrk="1" latinLnBrk="0" hangingPunct="1">
+        <a:lnSpc>
+          <a:spcPct val="90000"/>
+        </a:lnSpc>
+        <a:spcBef>
+          <a:spcPts val="500"/>
+        </a:spcBef>
+        <a:buFont typeface="Arial" panose="020B0604020202020204" pitchFamily="34" charset="0"/>
+        <a:buChar char="•"/>
+        <a:defRPr sz="1800" kern="1200">
+          <a:solidFill>
+            <a:schemeClr val="tx1"/>
+          </a:solidFill>
+          <a:latin typeface="+mn-lt"/>
+          <a:ea typeface="+mn-ea"/>
+          <a:cs typeface="+mn-cs"/>
+        </a:defRPr>
+      </a:lvl6pPr>
+      <a:lvl7pPr marL="2971800" indent="-228600" algn="l" defTabSz="914400" rtl="0" eaLnBrk="1" latinLnBrk="0" hangingPunct="1">
+        <a:lnSpc>
+          <a:spcPct val="90000"/>
+        </a:lnSpc>
+        <a:spcBef>
+          <a:spcPts val="500"/>
+        </a:spcBef>
+        <a:buFont typeface="Arial" panose="020B0604020202020204" pitchFamily="34" charset="0"/>
+        <a:buChar char="•"/>
+        <a:defRPr sz="1800" kern="1200">
+          <a:solidFill>
+            <a:schemeClr val="tx1"/>
+          </a:solidFill>
+          <a:latin typeface="+mn-lt"/>
+          <a:ea typeface="+mn-ea"/>
+          <a:cs typeface="+mn-cs"/>
+        </a:defRPr>
+      </a:lvl7pPr>
+      <a:lvl8pPr marL="3429000" indent="-228600" algn="l" defTabSz="914400" rtl="0" eaLnBrk="1" latinLnBrk="0" hangingPunct="1">
+        <a:lnSpc>
+          <a:spcPct val="90000"/>
+        </a:lnSpc>
+        <a:spcBef>
+          <a:spcPts val="500"/>
+        </a:spcBef>
+        <a:buFont typeface="Arial" panose="020B0604020202020204" pitchFamily="34" charset="0"/>
+        <a:buChar char="•"/>
+        <a:defRPr sz="1800" kern="1200">
+          <a:solidFill>
+            <a:schemeClr val="tx1"/>
+          </a:solidFill>
+          <a:latin typeface="+mn-lt"/>
+          <a:ea typeface="+mn-ea"/>
+          <a:cs typeface="+mn-cs"/>
+        </a:defRPr>
+      </a:lvl8pPr>
+      <a:lvl9pPr marL="3886200" indent="-228600" algn="l" defTabSz="914400" rtl="0" eaLnBrk="1" latinLnBrk="0" hangingPunct="1">
+        <a:lnSpc>
+          <a:spcPct val="90000"/>
+        </a:lnSpc>
+        <a:spcBef>
+          <a:spcPts val="500"/>
+        </a:spcBef>
+        <a:buFont typeface="Arial" panose="020B0604020202020204" pitchFamily="34" charset="0"/>
+        <a:buChar char="•"/>
+        <a:defRPr sz="1800" kern="1200">
+          <a:solidFill>
+            <a:schemeClr val="tx1"/>
+          </a:solidFill>
+          <a:latin typeface="+mn-lt"/>
+          <a:ea typeface="+mn-ea"/>
+          <a:cs typeface="+mn-cs"/>
+        </a:defRPr>
+      </a:lvl9pPr>
+    </p:bodyStyle>
+    <p:otherStyle>
+      <a:defPPr>
+        <a:defRPr lang="pt-BR"/>
+      </a:defPPr>
+      <a:lvl1pPr marL="0" algn="l" defTabSz="914400" rtl="0" eaLnBrk="1" latinLnBrk="0" hangingPunct="1">
+        <a:defRPr sz="1800" kern="1200">
+          <a:solidFill>
+            <a:schemeClr val="tx1"/>
+          </a:solidFill>
+          <a:latin typeface="+mn-lt"/>
+          <a:ea typeface="+mn-ea"/>
+          <a:cs typeface="+mn-cs"/>
+        </a:defRPr>
+      </a:lvl1pPr>
+      <a:lvl2pPr marL="457200" algn="l" defTabSz="914400" rtl="0" eaLnBrk="1" latinLnBrk="0" hangingPunct="1">
+        <a:defRPr sz="1800" kern="1200">
+          <a:solidFill>
+            <a:schemeClr val="tx1"/>
+          </a:solidFill>
+          <a:latin typeface="+mn-lt"/>
+          <a:ea typeface="+mn-ea"/>
+          <a:cs typeface="+mn-cs"/>
+        </a:defRPr>
+      </a:lvl2pPr>
+      <a:lvl3pPr marL="914400" algn="l" defTabSz="914400" rtl="0" eaLnBrk="1" latinLnBrk="0" hangingPunct="1">
+        <a:defRPr sz="1800" kern="1200">
+          <a:solidFill>
+            <a:schemeClr val="tx1"/>
+          </a:solidFill>
+          <a:latin typeface="+mn-lt"/>
+          <a:ea typeface="+mn-ea"/>
+          <a:cs typeface="+mn-cs"/>
+        </a:defRPr>
+      </a:lvl3pPr>
+      <a:lvl4pPr marL="1371600" algn="l" defTabSz="914400" rtl="0" eaLnBrk="1" latinLnBrk="0" hangingPunct="1">
+        <a:defRPr sz="1800" kern="1200">
+          <a:solidFill>
+            <a:schemeClr val="tx1"/>
+          </a:solidFill>
+          <a:latin typeface="+mn-lt"/>
+          <a:ea typeface="+mn-ea"/>
+          <a:cs typeface="+mn-cs"/>
+        </a:defRPr>
+      </a:lvl4pPr>
+      <a:lvl5pPr marL="1828800" algn="l" defTabSz="914400" rtl="0" eaLnBrk="1" latinLnBrk="0" hangingPunct="1">
+        <a:defRPr sz="1800" kern="1200">
+          <a:solidFill>
+            <a:schemeClr val="tx1"/>
+          </a:solidFill>
+          <a:latin typeface="+mn-lt"/>
+          <a:ea typeface="+mn-ea"/>
+          <a:cs typeface="+mn-cs"/>
+        </a:defRPr>
+      </a:lvl5pPr>
+      <a:lvl6pPr marL="2286000" algn="l" defTabSz="914400" rtl="0" eaLnBrk="1" latinLnBrk="0" hangingPunct="1">
+        <a:defRPr sz="1800" kern="1200">
+          <a:solidFill>
+            <a:schemeClr val="tx1"/>
+          </a:solidFill>
+          <a:latin typeface="+mn-lt"/>
+          <a:ea typeface="+mn-ea"/>
+          <a:cs typeface="+mn-cs"/>
+        </a:defRPr>
+      </a:lvl6pPr>
+      <a:lvl7pPr marL="2743200" algn="l" defTabSz="914400" rtl="0" eaLnBrk="1" latinLnBrk="0" hangingPunct="1">
+        <a:defRPr sz="1800" kern="1200">
+          <a:solidFill>
+            <a:schemeClr val="tx1"/>
+          </a:solidFill>
+          <a:latin typeface="+mn-lt"/>
+          <a:ea typeface="+mn-ea"/>
+          <a:cs typeface="+mn-cs"/>
+        </a:defRPr>
+      </a:lvl7pPr>
+      <a:lvl8pPr marL="3200400" algn="l" defTabSz="914400" rtl="0" eaLnBrk="1" latinLnBrk="0" hangingPunct="1">
+        <a:defRPr sz="1800" kern="1200">
+          <a:solidFill>
+            <a:schemeClr val="tx1"/>
+          </a:solidFill>
+          <a:latin typeface="+mn-lt"/>
+          <a:ea typeface="+mn-ea"/>
+          <a:cs typeface="+mn-cs"/>
+        </a:defRPr>
+      </a:lvl8pPr>
+      <a:lvl9pPr marL="3657600" algn="l" defTabSz="914400" rtl="0" eaLnBrk="1" latinLnBrk="0" hangingPunct="1">
+        <a:defRPr sz="1800" kern="1200">
+          <a:solidFill>
+            <a:schemeClr val="tx1"/>
+          </a:solidFill>
+          <a:latin typeface="+mn-lt"/>
+          <a:ea typeface="+mn-ea"/>
+          <a:cs typeface="+mn-cs"/>
+        </a:defRPr>
+      </a:lvl9pPr>
+    </p:otherStyle>
+  </p:txStyles>
 </p:sldMaster>
 </file>
 
 <file path=ppt/slideMasters/slideMaster2.xml><?xml version="1.0" encoding="utf-8"?>
-<p:sldMaster xmlns:a="http://schemas.openxmlformats.org/drawingml/2006/main" xmlns:p="http://schemas.openxmlformats.org/presentationml/2006/main" xmlns:r="http://schemas.openxmlformats.org/officeDocument/2006/relationships" xmlns:p14="http://schemas.microsoft.com/office/powerpoint/2010/main" xmlns:p15="http://schemas.microsoft.com/office/powerpoint/2012/main" xmlns:mc="http://schemas.openxmlformats.org/markup-compatibility/2006">
+<p:sldMaster xmlns:a="http://schemas.openxmlformats.org/drawingml/2006/main" xmlns:r="http://schemas.openxmlformats.org/officeDocument/2006/relationships" xmlns:p="http://schemas.openxmlformats.org/presentationml/2006/main">
   <p:cSld>
     <p:bg>
       <p:bgPr>
         <a:solidFill>
-          <a:srgbClr val="ffffff"/>
+          <a:srgbClr val="FFFFFF"/>
         </a:solidFill>
+        <a:effectLst/>
       </p:bgPr>
     </p:bg>
     <p:spTree>
@@ -3093,13 +3586,13 @@
       </p:grpSpPr>
       <p:pic>
         <p:nvPicPr>
-          <p:cNvPr id="41" name="Imagem 7" descr=""/>
+          <p:cNvPr id="41" name="Imagem 7"/>
           <p:cNvPicPr/>
           <p:nvPr/>
         </p:nvPicPr>
         <p:blipFill>
-          <a:blip r:embed="rId2"/>
-          <a:srcRect l="0" t="0" r="949" b="0"/>
+          <a:blip r:embed="rId14"/>
+          <a:srcRect r="949"/>
           <a:stretch/>
         </p:blipFill>
         <p:spPr>
@@ -3117,13 +3610,13 @@
       </p:pic>
       <p:pic>
         <p:nvPicPr>
-          <p:cNvPr id="42" name="Imagem 8" descr=""/>
+          <p:cNvPr id="42" name="Imagem 8"/>
           <p:cNvPicPr/>
           <p:nvPr/>
         </p:nvPicPr>
         <p:blipFill>
-          <a:blip r:embed="rId3"/>
-          <a:srcRect l="0" t="0" r="14274" b="0"/>
+          <a:blip r:embed="rId14"/>
+          <a:srcRect r="14274"/>
           <a:stretch/>
         </p:blipFill>
         <p:spPr>
@@ -3141,13 +3634,13 @@
       </p:pic>
       <p:pic>
         <p:nvPicPr>
-          <p:cNvPr id="43" name="Imagem 10" descr=""/>
+          <p:cNvPr id="43" name="Imagem 10"/>
           <p:cNvPicPr/>
           <p:nvPr/>
         </p:nvPicPr>
         <p:blipFill>
-          <a:blip r:embed="rId4"/>
-          <a:srcRect l="0" t="4945" r="14274" b="0"/>
+          <a:blip r:embed="rId14"/>
+          <a:srcRect t="4945" r="14274"/>
           <a:stretch/>
         </p:blipFill>
         <p:spPr>
@@ -3183,25 +3676,17 @@
           </a:prstGeom>
         </p:spPr>
         <p:txBody>
-          <a:bodyPr lIns="0" rIns="0" tIns="0" bIns="0" anchor="ctr">
+          <a:bodyPr lIns="0" tIns="0" rIns="0" bIns="0" anchor="ctr">
             <a:noAutofit/>
           </a:bodyPr>
+          <a:lstStyle/>
           <a:p>
             <a:r>
-              <a:rPr b="0" lang="pt-BR" sz="1800" spc="-1" strike="noStrike">
+              <a:rPr lang="pt-BR" sz="1800" b="0" strike="noStrike" spc="-1">
                 <a:latin typeface="Arial"/>
               </a:rPr>
-              <a:t>Click to edit the title text </a:t>
+              <a:t>Click to edit the title text format</a:t>
             </a:r>
-            <a:r>
-              <a:rPr b="0" lang="pt-BR" sz="1800" spc="-1" strike="noStrike">
-                <a:latin typeface="Arial"/>
-              </a:rPr>
-              <a:t>format</a:t>
-            </a:r>
-            <a:endParaRPr b="0" lang="pt-BR" sz="1800" spc="-1" strike="noStrike">
-              <a:latin typeface="Arial"/>
-            </a:endParaRPr>
           </a:p>
         </p:txBody>
       </p:sp>
@@ -3225,9 +3710,10 @@
           </a:prstGeom>
         </p:spPr>
         <p:txBody>
-          <a:bodyPr lIns="0" rIns="0" tIns="0" bIns="0">
+          <a:bodyPr lIns="0" tIns="0" rIns="0" bIns="0">
             <a:normAutofit/>
           </a:bodyPr>
+          <a:lstStyle/>
           <a:p>
             <a:pPr marL="432000" indent="-324000">
               <a:spcBef>
@@ -3241,17 +3727,14 @@
               <a:buChar char=""/>
             </a:pPr>
             <a:r>
-              <a:rPr b="0" lang="pt-BR" sz="1800" spc="-1" strike="noStrike">
+              <a:rPr lang="pt-BR" sz="1800" b="0" strike="noStrike" spc="-1">
                 <a:latin typeface="Arial"/>
               </a:rPr>
               <a:t>Click to edit the outline text format</a:t>
             </a:r>
-            <a:endParaRPr b="0" lang="pt-BR" sz="1800" spc="-1" strike="noStrike">
-              <a:latin typeface="Arial"/>
-            </a:endParaRPr>
-          </a:p>
-          <a:p>
-            <a:pPr lvl="1" marL="864000" indent="-324000">
+          </a:p>
+          <a:p>
+            <a:pPr marL="864000" lvl="1" indent="-324000">
               <a:spcBef>
                 <a:spcPts val="1134"/>
               </a:spcBef>
@@ -3263,17 +3746,14 @@
               <a:buChar char=""/>
             </a:pPr>
             <a:r>
-              <a:rPr b="0" lang="pt-BR" sz="1800" spc="-1" strike="noStrike">
+              <a:rPr lang="pt-BR" sz="1800" b="0" strike="noStrike" spc="-1">
                 <a:latin typeface="Arial"/>
               </a:rPr>
               <a:t>Second Outline Level</a:t>
             </a:r>
-            <a:endParaRPr b="0" lang="pt-BR" sz="1800" spc="-1" strike="noStrike">
-              <a:latin typeface="Arial"/>
-            </a:endParaRPr>
-          </a:p>
-          <a:p>
-            <a:pPr lvl="2" marL="1296000" indent="-288000">
+          </a:p>
+          <a:p>
+            <a:pPr marL="1296000" lvl="2" indent="-288000">
               <a:spcBef>
                 <a:spcPts val="850"/>
               </a:spcBef>
@@ -3285,17 +3765,14 @@
               <a:buChar char=""/>
             </a:pPr>
             <a:r>
-              <a:rPr b="0" lang="pt-BR" sz="1800" spc="-1" strike="noStrike">
+              <a:rPr lang="pt-BR" sz="1800" b="0" strike="noStrike" spc="-1">
                 <a:latin typeface="Arial"/>
               </a:rPr>
               <a:t>Third Outline Level</a:t>
             </a:r>
-            <a:endParaRPr b="0" lang="pt-BR" sz="1800" spc="-1" strike="noStrike">
-              <a:latin typeface="Arial"/>
-            </a:endParaRPr>
-          </a:p>
-          <a:p>
-            <a:pPr lvl="3" marL="1728000" indent="-216000">
+          </a:p>
+          <a:p>
+            <a:pPr marL="1728000" lvl="3" indent="-216000">
               <a:spcBef>
                 <a:spcPts val="567"/>
               </a:spcBef>
@@ -3307,17 +3784,14 @@
               <a:buChar char=""/>
             </a:pPr>
             <a:r>
-              <a:rPr b="0" lang="pt-BR" sz="1800" spc="-1" strike="noStrike">
+              <a:rPr lang="pt-BR" sz="1800" b="0" strike="noStrike" spc="-1">
                 <a:latin typeface="Arial"/>
               </a:rPr>
               <a:t>Fourth Outline Level</a:t>
             </a:r>
-            <a:endParaRPr b="0" lang="pt-BR" sz="1800" spc="-1" strike="noStrike">
-              <a:latin typeface="Arial"/>
-            </a:endParaRPr>
-          </a:p>
-          <a:p>
-            <a:pPr lvl="4" marL="2160000" indent="-216000">
+          </a:p>
+          <a:p>
+            <a:pPr marL="2160000" lvl="4" indent="-216000">
               <a:spcBef>
                 <a:spcPts val="283"/>
               </a:spcBef>
@@ -3329,17 +3803,14 @@
               <a:buChar char=""/>
             </a:pPr>
             <a:r>
-              <a:rPr b="0" lang="pt-BR" sz="1800" spc="-1" strike="noStrike">
+              <a:rPr lang="pt-BR" sz="1800" b="0" strike="noStrike" spc="-1">
                 <a:latin typeface="Arial"/>
               </a:rPr>
               <a:t>Fifth Outline Level</a:t>
             </a:r>
-            <a:endParaRPr b="0" lang="pt-BR" sz="1800" spc="-1" strike="noStrike">
-              <a:latin typeface="Arial"/>
-            </a:endParaRPr>
-          </a:p>
-          <a:p>
-            <a:pPr lvl="5" marL="2592000" indent="-216000">
+          </a:p>
+          <a:p>
+            <a:pPr marL="2592000" lvl="5" indent="-216000">
               <a:spcBef>
                 <a:spcPts val="283"/>
               </a:spcBef>
@@ -3351,17 +3822,14 @@
               <a:buChar char=""/>
             </a:pPr>
             <a:r>
-              <a:rPr b="0" lang="pt-BR" sz="1800" spc="-1" strike="noStrike">
+              <a:rPr lang="pt-BR" sz="1800" b="0" strike="noStrike" spc="-1">
                 <a:latin typeface="Arial"/>
               </a:rPr>
               <a:t>Sixth Outline Level</a:t>
             </a:r>
-            <a:endParaRPr b="0" lang="pt-BR" sz="1800" spc="-1" strike="noStrike">
-              <a:latin typeface="Arial"/>
-            </a:endParaRPr>
-          </a:p>
-          <a:p>
-            <a:pPr lvl="6" marL="3024000" indent="-216000">
+          </a:p>
+          <a:p>
+            <a:pPr marL="3024000" lvl="6" indent="-216000">
               <a:spcBef>
                 <a:spcPts val="283"/>
               </a:spcBef>
@@ -3373,39 +3841,316 @@
               <a:buChar char=""/>
             </a:pPr>
             <a:r>
-              <a:rPr b="0" lang="pt-BR" sz="1800" spc="-1" strike="noStrike">
+              <a:rPr lang="pt-BR" sz="1800" b="0" strike="noStrike" spc="-1">
                 <a:latin typeface="Arial"/>
               </a:rPr>
               <a:t>Seventh Outline Level</a:t>
             </a:r>
-            <a:endParaRPr b="0" lang="pt-BR" sz="1800" spc="-1" strike="noStrike">
-              <a:latin typeface="Arial"/>
-            </a:endParaRPr>
           </a:p>
         </p:txBody>
       </p:sp>
     </p:spTree>
   </p:cSld>
-  <p:clrMap bg1="lt1" bg2="lt2" tx1="dk1" tx2="dk2" accent1="accent1" accent2="accent2" accent3="accent3" accent4="accent4" accent5="accent5" accent6="accent6" hlink="hlink" folHlink="folHlink"/>
+  <p:clrMap bg1="lt1" tx1="dk1" bg2="lt2" tx2="dk2" accent1="accent1" accent2="accent2" accent3="accent3" accent4="accent4" accent5="accent5" accent6="accent6" hlink="hlink" folHlink="folHlink"/>
   <p:sldLayoutIdLst>
-    <p:sldLayoutId id="2147483662" r:id="rId5"/>
-    <p:sldLayoutId id="2147483663" r:id="rId6"/>
-    <p:sldLayoutId id="2147483664" r:id="rId7"/>
-    <p:sldLayoutId id="2147483665" r:id="rId8"/>
-    <p:sldLayoutId id="2147483666" r:id="rId9"/>
-    <p:sldLayoutId id="2147483667" r:id="rId10"/>
-    <p:sldLayoutId id="2147483668" r:id="rId11"/>
-    <p:sldLayoutId id="2147483669" r:id="rId12"/>
-    <p:sldLayoutId id="2147483670" r:id="rId13"/>
-    <p:sldLayoutId id="2147483671" r:id="rId14"/>
-    <p:sldLayoutId id="2147483672" r:id="rId15"/>
-    <p:sldLayoutId id="2147483673" r:id="rId16"/>
+    <p:sldLayoutId id="2147483662" r:id="rId1"/>
+    <p:sldLayoutId id="2147483663" r:id="rId2"/>
+    <p:sldLayoutId id="2147483664" r:id="rId3"/>
+    <p:sldLayoutId id="2147483665" r:id="rId4"/>
+    <p:sldLayoutId id="2147483666" r:id="rId5"/>
+    <p:sldLayoutId id="2147483667" r:id="rId6"/>
+    <p:sldLayoutId id="2147483668" r:id="rId7"/>
+    <p:sldLayoutId id="2147483669" r:id="rId8"/>
+    <p:sldLayoutId id="2147483670" r:id="rId9"/>
+    <p:sldLayoutId id="2147483671" r:id="rId10"/>
+    <p:sldLayoutId id="2147483672" r:id="rId11"/>
+    <p:sldLayoutId id="2147483673" r:id="rId12"/>
   </p:sldLayoutIdLst>
+  <p:txStyles>
+    <p:titleStyle>
+      <a:lvl1pPr algn="l" defTabSz="914400" rtl="0" eaLnBrk="1" latinLnBrk="0" hangingPunct="1">
+        <a:lnSpc>
+          <a:spcPct val="90000"/>
+        </a:lnSpc>
+        <a:spcBef>
+          <a:spcPct val="0"/>
+        </a:spcBef>
+        <a:buNone/>
+        <a:defRPr sz="4400" kern="1200">
+          <a:solidFill>
+            <a:schemeClr val="tx1"/>
+          </a:solidFill>
+          <a:latin typeface="+mj-lt"/>
+          <a:ea typeface="+mj-ea"/>
+          <a:cs typeface="+mj-cs"/>
+        </a:defRPr>
+      </a:lvl1pPr>
+    </p:titleStyle>
+    <p:bodyStyle>
+      <a:lvl1pPr marL="228600" indent="-228600" algn="l" defTabSz="914400" rtl="0" eaLnBrk="1" latinLnBrk="0" hangingPunct="1">
+        <a:lnSpc>
+          <a:spcPct val="90000"/>
+        </a:lnSpc>
+        <a:spcBef>
+          <a:spcPts val="1000"/>
+        </a:spcBef>
+        <a:buFont typeface="Arial" panose="020B0604020202020204" pitchFamily="34" charset="0"/>
+        <a:buChar char="•"/>
+        <a:defRPr sz="2800" kern="1200">
+          <a:solidFill>
+            <a:schemeClr val="tx1"/>
+          </a:solidFill>
+          <a:latin typeface="+mn-lt"/>
+          <a:ea typeface="+mn-ea"/>
+          <a:cs typeface="+mn-cs"/>
+        </a:defRPr>
+      </a:lvl1pPr>
+      <a:lvl2pPr marL="685800" indent="-228600" algn="l" defTabSz="914400" rtl="0" eaLnBrk="1" latinLnBrk="0" hangingPunct="1">
+        <a:lnSpc>
+          <a:spcPct val="90000"/>
+        </a:lnSpc>
+        <a:spcBef>
+          <a:spcPts val="500"/>
+        </a:spcBef>
+        <a:buFont typeface="Arial" panose="020B0604020202020204" pitchFamily="34" charset="0"/>
+        <a:buChar char="•"/>
+        <a:defRPr sz="2400" kern="1200">
+          <a:solidFill>
+            <a:schemeClr val="tx1"/>
+          </a:solidFill>
+          <a:latin typeface="+mn-lt"/>
+          <a:ea typeface="+mn-ea"/>
+          <a:cs typeface="+mn-cs"/>
+        </a:defRPr>
+      </a:lvl2pPr>
+      <a:lvl3pPr marL="1143000" indent="-228600" algn="l" defTabSz="914400" rtl="0" eaLnBrk="1" latinLnBrk="0" hangingPunct="1">
+        <a:lnSpc>
+          <a:spcPct val="90000"/>
+        </a:lnSpc>
+        <a:spcBef>
+          <a:spcPts val="500"/>
+        </a:spcBef>
+        <a:buFont typeface="Arial" panose="020B0604020202020204" pitchFamily="34" charset="0"/>
+        <a:buChar char="•"/>
+        <a:defRPr sz="2000" kern="1200">
+          <a:solidFill>
+            <a:schemeClr val="tx1"/>
+          </a:solidFill>
+          <a:latin typeface="+mn-lt"/>
+          <a:ea typeface="+mn-ea"/>
+          <a:cs typeface="+mn-cs"/>
+        </a:defRPr>
+      </a:lvl3pPr>
+      <a:lvl4pPr marL="1600200" indent="-228600" algn="l" defTabSz="914400" rtl="0" eaLnBrk="1" latinLnBrk="0" hangingPunct="1">
+        <a:lnSpc>
+          <a:spcPct val="90000"/>
+        </a:lnSpc>
+        <a:spcBef>
+          <a:spcPts val="500"/>
+        </a:spcBef>
+        <a:buFont typeface="Arial" panose="020B0604020202020204" pitchFamily="34" charset="0"/>
+        <a:buChar char="•"/>
+        <a:defRPr sz="1800" kern="1200">
+          <a:solidFill>
+            <a:schemeClr val="tx1"/>
+          </a:solidFill>
+          <a:latin typeface="+mn-lt"/>
+          <a:ea typeface="+mn-ea"/>
+          <a:cs typeface="+mn-cs"/>
+        </a:defRPr>
+      </a:lvl4pPr>
+      <a:lvl5pPr marL="2057400" indent="-228600" algn="l" defTabSz="914400" rtl="0" eaLnBrk="1" latinLnBrk="0" hangingPunct="1">
+        <a:lnSpc>
+          <a:spcPct val="90000"/>
+        </a:lnSpc>
+        <a:spcBef>
+          <a:spcPts val="500"/>
+        </a:spcBef>
+        <a:buFont typeface="Arial" panose="020B0604020202020204" pitchFamily="34" charset="0"/>
+        <a:buChar char="•"/>
+        <a:defRPr sz="1800" kern="1200">
+          <a:solidFill>
+            <a:schemeClr val="tx1"/>
+          </a:solidFill>
+          <a:latin typeface="+mn-lt"/>
+          <a:ea typeface="+mn-ea"/>
+          <a:cs typeface="+mn-cs"/>
+        </a:defRPr>
+      </a:lvl5pPr>
+      <a:lvl6pPr marL="2514600" indent="-228600" algn="l" defTabSz="914400" rtl="0" eaLnBrk="1" latinLnBrk="0" hangingPunct="1">
+        <a:lnSpc>
+          <a:spcPct val="90000"/>
+        </a:lnSpc>
+        <a:spcBef>
+          <a:spcPts val="500"/>
+        </a:spcBef>
+        <a:buFont typeface="Arial" panose="020B0604020202020204" pitchFamily="34" charset="0"/>
+        <a:buChar char="•"/>
+        <a:defRPr sz="1800" kern="1200">
+          <a:solidFill>
+            <a:schemeClr val="tx1"/>
+          </a:solidFill>
+          <a:latin typeface="+mn-lt"/>
+          <a:ea typeface="+mn-ea"/>
+          <a:cs typeface="+mn-cs"/>
+        </a:defRPr>
+      </a:lvl6pPr>
+      <a:lvl7pPr marL="2971800" indent="-228600" algn="l" defTabSz="914400" rtl="0" eaLnBrk="1" latinLnBrk="0" hangingPunct="1">
+        <a:lnSpc>
+          <a:spcPct val="90000"/>
+        </a:lnSpc>
+        <a:spcBef>
+          <a:spcPts val="500"/>
+        </a:spcBef>
+        <a:buFont typeface="Arial" panose="020B0604020202020204" pitchFamily="34" charset="0"/>
+        <a:buChar char="•"/>
+        <a:defRPr sz="1800" kern="1200">
+          <a:solidFill>
+            <a:schemeClr val="tx1"/>
+          </a:solidFill>
+          <a:latin typeface="+mn-lt"/>
+          <a:ea typeface="+mn-ea"/>
+          <a:cs typeface="+mn-cs"/>
+        </a:defRPr>
+      </a:lvl7pPr>
+      <a:lvl8pPr marL="3429000" indent="-228600" algn="l" defTabSz="914400" rtl="0" eaLnBrk="1" latinLnBrk="0" hangingPunct="1">
+        <a:lnSpc>
+          <a:spcPct val="90000"/>
+        </a:lnSpc>
+        <a:spcBef>
+          <a:spcPts val="500"/>
+        </a:spcBef>
+        <a:buFont typeface="Arial" panose="020B0604020202020204" pitchFamily="34" charset="0"/>
+        <a:buChar char="•"/>
+        <a:defRPr sz="1800" kern="1200">
+          <a:solidFill>
+            <a:schemeClr val="tx1"/>
+          </a:solidFill>
+          <a:latin typeface="+mn-lt"/>
+          <a:ea typeface="+mn-ea"/>
+          <a:cs typeface="+mn-cs"/>
+        </a:defRPr>
+      </a:lvl8pPr>
+      <a:lvl9pPr marL="3886200" indent="-228600" algn="l" defTabSz="914400" rtl="0" eaLnBrk="1" latinLnBrk="0" hangingPunct="1">
+        <a:lnSpc>
+          <a:spcPct val="90000"/>
+        </a:lnSpc>
+        <a:spcBef>
+          <a:spcPts val="500"/>
+        </a:spcBef>
+        <a:buFont typeface="Arial" panose="020B0604020202020204" pitchFamily="34" charset="0"/>
+        <a:buChar char="•"/>
+        <a:defRPr sz="1800" kern="1200">
+          <a:solidFill>
+            <a:schemeClr val="tx1"/>
+          </a:solidFill>
+          <a:latin typeface="+mn-lt"/>
+          <a:ea typeface="+mn-ea"/>
+          <a:cs typeface="+mn-cs"/>
+        </a:defRPr>
+      </a:lvl9pPr>
+    </p:bodyStyle>
+    <p:otherStyle>
+      <a:defPPr>
+        <a:defRPr lang="pt-BR"/>
+      </a:defPPr>
+      <a:lvl1pPr marL="0" algn="l" defTabSz="914400" rtl="0" eaLnBrk="1" latinLnBrk="0" hangingPunct="1">
+        <a:defRPr sz="1800" kern="1200">
+          <a:solidFill>
+            <a:schemeClr val="tx1"/>
+          </a:solidFill>
+          <a:latin typeface="+mn-lt"/>
+          <a:ea typeface="+mn-ea"/>
+          <a:cs typeface="+mn-cs"/>
+        </a:defRPr>
+      </a:lvl1pPr>
+      <a:lvl2pPr marL="457200" algn="l" defTabSz="914400" rtl="0" eaLnBrk="1" latinLnBrk="0" hangingPunct="1">
+        <a:defRPr sz="1800" kern="1200">
+          <a:solidFill>
+            <a:schemeClr val="tx1"/>
+          </a:solidFill>
+          <a:latin typeface="+mn-lt"/>
+          <a:ea typeface="+mn-ea"/>
+          <a:cs typeface="+mn-cs"/>
+        </a:defRPr>
+      </a:lvl2pPr>
+      <a:lvl3pPr marL="914400" algn="l" defTabSz="914400" rtl="0" eaLnBrk="1" latinLnBrk="0" hangingPunct="1">
+        <a:defRPr sz="1800" kern="1200">
+          <a:solidFill>
+            <a:schemeClr val="tx1"/>
+          </a:solidFill>
+          <a:latin typeface="+mn-lt"/>
+          <a:ea typeface="+mn-ea"/>
+          <a:cs typeface="+mn-cs"/>
+        </a:defRPr>
+      </a:lvl3pPr>
+      <a:lvl4pPr marL="1371600" algn="l" defTabSz="914400" rtl="0" eaLnBrk="1" latinLnBrk="0" hangingPunct="1">
+        <a:defRPr sz="1800" kern="1200">
+          <a:solidFill>
+            <a:schemeClr val="tx1"/>
+          </a:solidFill>
+          <a:latin typeface="+mn-lt"/>
+          <a:ea typeface="+mn-ea"/>
+          <a:cs typeface="+mn-cs"/>
+        </a:defRPr>
+      </a:lvl4pPr>
+      <a:lvl5pPr marL="1828800" algn="l" defTabSz="914400" rtl="0" eaLnBrk="1" latinLnBrk="0" hangingPunct="1">
+        <a:defRPr sz="1800" kern="1200">
+          <a:solidFill>
+            <a:schemeClr val="tx1"/>
+          </a:solidFill>
+          <a:latin typeface="+mn-lt"/>
+          <a:ea typeface="+mn-ea"/>
+          <a:cs typeface="+mn-cs"/>
+        </a:defRPr>
+      </a:lvl5pPr>
+      <a:lvl6pPr marL="2286000" algn="l" defTabSz="914400" rtl="0" eaLnBrk="1" latinLnBrk="0" hangingPunct="1">
+        <a:defRPr sz="1800" kern="1200">
+          <a:solidFill>
+            <a:schemeClr val="tx1"/>
+          </a:solidFill>
+          <a:latin typeface="+mn-lt"/>
+          <a:ea typeface="+mn-ea"/>
+          <a:cs typeface="+mn-cs"/>
+        </a:defRPr>
+      </a:lvl6pPr>
+      <a:lvl7pPr marL="2743200" algn="l" defTabSz="914400" rtl="0" eaLnBrk="1" latinLnBrk="0" hangingPunct="1">
+        <a:defRPr sz="1800" kern="1200">
+          <a:solidFill>
+            <a:schemeClr val="tx1"/>
+          </a:solidFill>
+          <a:latin typeface="+mn-lt"/>
+          <a:ea typeface="+mn-ea"/>
+          <a:cs typeface="+mn-cs"/>
+        </a:defRPr>
+      </a:lvl7pPr>
+      <a:lvl8pPr marL="3200400" algn="l" defTabSz="914400" rtl="0" eaLnBrk="1" latinLnBrk="0" hangingPunct="1">
+        <a:defRPr sz="1800" kern="1200">
+          <a:solidFill>
+            <a:schemeClr val="tx1"/>
+          </a:solidFill>
+          <a:latin typeface="+mn-lt"/>
+          <a:ea typeface="+mn-ea"/>
+          <a:cs typeface="+mn-cs"/>
+        </a:defRPr>
+      </a:lvl8pPr>
+      <a:lvl9pPr marL="3657600" algn="l" defTabSz="914400" rtl="0" eaLnBrk="1" latinLnBrk="0" hangingPunct="1">
+        <a:defRPr sz="1800" kern="1200">
+          <a:solidFill>
+            <a:schemeClr val="tx1"/>
+          </a:solidFill>
+          <a:latin typeface="+mn-lt"/>
+          <a:ea typeface="+mn-ea"/>
+          <a:cs typeface="+mn-cs"/>
+        </a:defRPr>
+      </a:lvl9pPr>
+    </p:otherStyle>
+  </p:txStyles>
 </p:sldMaster>
 </file>
 
 <file path=ppt/slides/slide1.xml><?xml version="1.0" encoding="utf-8"?>
-<p:sld xmlns:a="http://schemas.openxmlformats.org/drawingml/2006/main" xmlns:p="http://schemas.openxmlformats.org/presentationml/2006/main" xmlns:r="http://schemas.openxmlformats.org/officeDocument/2006/relationships" xmlns:p14="http://schemas.microsoft.com/office/powerpoint/2010/main" xmlns:p15="http://schemas.microsoft.com/office/powerpoint/2012/main" xmlns:mc="http://schemas.openxmlformats.org/markup-compatibility/2006">
+<p:sld xmlns:a="http://schemas.openxmlformats.org/drawingml/2006/main" xmlns:r="http://schemas.openxmlformats.org/officeDocument/2006/relationships" xmlns:p="http://schemas.openxmlformats.org/presentationml/2006/main">
   <p:cSld>
     <p:spTree>
       <p:nvGrpSpPr>
@@ -3423,12 +4168,12 @@
       </p:grpSpPr>
       <p:pic>
         <p:nvPicPr>
-          <p:cNvPr id="82" name="Imagem 10" descr=""/>
+          <p:cNvPr id="82" name="Imagem 10"/>
           <p:cNvPicPr/>
           <p:nvPr/>
         </p:nvPicPr>
         <p:blipFill>
-          <a:blip r:embed="rId1"/>
+          <a:blip r:embed="rId2"/>
           <a:stretch/>
         </p:blipFill>
         <p:spPr>
@@ -3464,15 +4209,22 @@
           </a:ln>
         </p:spPr>
         <p:style>
-          <a:lnRef idx="0"/>
-          <a:fillRef idx="0"/>
-          <a:effectRef idx="0"/>
+          <a:lnRef idx="0">
+            <a:scrgbClr r="0" g="0" b="0"/>
+          </a:lnRef>
+          <a:fillRef idx="0">
+            <a:scrgbClr r="0" g="0" b="0"/>
+          </a:fillRef>
+          <a:effectRef idx="0">
+            <a:scrgbClr r="0" g="0" b="0"/>
+          </a:effectRef>
           <a:fontRef idx="minor"/>
         </p:style>
         <p:txBody>
-          <a:bodyPr lIns="90000" rIns="90000" tIns="45000" bIns="45000">
+          <a:bodyPr lIns="90000" tIns="45000" rIns="90000" bIns="45000">
             <a:spAutoFit/>
           </a:bodyPr>
+          <a:lstStyle/>
           <a:p>
             <a:pPr>
               <a:lnSpc>
@@ -3480,7 +4232,7 @@
               </a:lnSpc>
             </a:pPr>
             <a:r>
-              <a:rPr b="0" lang="pt-BR" sz="1400" spc="-1" strike="noStrike">
+              <a:rPr lang="pt-BR" sz="1400" b="0" strike="noStrike" spc="-1">
                 <a:solidFill>
                   <a:srgbClr val="000000"/>
                 </a:solidFill>
@@ -3489,7 +4241,7 @@
               </a:rPr>
               <a:t>Repositório no GitHub</a:t>
             </a:r>
-            <a:endParaRPr b="0" lang="pt-BR" sz="1400" spc="-1" strike="noStrike">
+            <a:endParaRPr lang="pt-BR" sz="1400" b="0" strike="noStrike" spc="-1">
               <a:latin typeface="Arial"/>
             </a:endParaRPr>
           </a:p>
@@ -3505,18 +4257,18 @@
               <a:buChar char="•"/>
             </a:pPr>
             <a:r>
-              <a:rPr b="0" lang="pt-BR" sz="1200" spc="-1" strike="noStrike" u="sng">
+              <a:rPr lang="pt-BR" sz="1200" b="0" u="sng" strike="noStrike" spc="-1">
                 <a:solidFill>
-                  <a:srgbClr val="0563c1"/>
+                  <a:srgbClr val="0563C1"/>
                 </a:solidFill>
                 <a:uFillTx/>
                 <a:latin typeface="Arial"/>
                 <a:ea typeface="DejaVu Sans"/>
-                <a:hlinkClick r:id="rId2"/>
+                <a:hlinkClick r:id="rId3"/>
               </a:rPr>
               <a:t>https://github.com/zgiuliana/bootcamp_itau_dados.git</a:t>
             </a:r>
-            <a:endParaRPr b="0" lang="pt-BR" sz="1200" spc="-1" strike="noStrike">
+            <a:endParaRPr lang="pt-BR" sz="1200" b="0" strike="noStrike" spc="-1">
               <a:latin typeface="Arial"/>
             </a:endParaRPr>
           </a:p>
@@ -3524,19 +4276,14 @@
       </p:sp>
     </p:spTree>
   </p:cSld>
-  <mc:AlternateContent>
-    <mc:Choice Requires="p14">
-      <p:transition spd="slow" p14:dur="2000"/>
-    </mc:Choice>
-    <mc:Fallback>
-      <p:transition spd="slow"/>
-    </mc:Fallback>
-  </mc:AlternateContent>
+  <p:clrMapOvr>
+    <a:masterClrMapping/>
+  </p:clrMapOvr>
 </p:sld>
 </file>
 
 <file path=ppt/slides/slide2.xml><?xml version="1.0" encoding="utf-8"?>
-<p:sld xmlns:a="http://schemas.openxmlformats.org/drawingml/2006/main" xmlns:p="http://schemas.openxmlformats.org/presentationml/2006/main" xmlns:r="http://schemas.openxmlformats.org/officeDocument/2006/relationships" xmlns:p14="http://schemas.microsoft.com/office/powerpoint/2010/main" xmlns:p15="http://schemas.microsoft.com/office/powerpoint/2012/main" xmlns:mc="http://schemas.openxmlformats.org/markup-compatibility/2006">
+<p:sld xmlns:a="http://schemas.openxmlformats.org/drawingml/2006/main" xmlns:r="http://schemas.openxmlformats.org/officeDocument/2006/relationships" xmlns:p="http://schemas.openxmlformats.org/presentationml/2006/main">
   <p:cSld>
     <p:spTree>
       <p:nvGrpSpPr>
@@ -3554,7 +4301,7 @@
       </p:grpSpPr>
       <p:sp>
         <p:nvSpPr>
-          <p:cNvPr id="84" name=""/>
+          <p:cNvPr id="84" name="Retângulo 83"/>
           <p:cNvSpPr/>
           <p:nvPr/>
         </p:nvSpPr>
@@ -3572,15 +4319,22 @@
           </a:ln>
         </p:spPr>
         <p:style>
-          <a:lnRef idx="0"/>
-          <a:fillRef idx="0"/>
-          <a:effectRef idx="0"/>
+          <a:lnRef idx="0">
+            <a:scrgbClr r="0" g="0" b="0"/>
+          </a:lnRef>
+          <a:fillRef idx="0">
+            <a:scrgbClr r="0" g="0" b="0"/>
+          </a:fillRef>
+          <a:effectRef idx="0">
+            <a:scrgbClr r="0" g="0" b="0"/>
+          </a:effectRef>
           <a:fontRef idx="minor"/>
         </p:style>
         <p:txBody>
-          <a:bodyPr lIns="90000" rIns="90000" tIns="45000" bIns="45000">
+          <a:bodyPr lIns="90000" tIns="45000" rIns="90000" bIns="45000">
             <a:noAutofit/>
           </a:bodyPr>
+          <a:lstStyle/>
           <a:p>
             <a:pPr>
               <a:lnSpc>
@@ -3588,12 +4342,12 @@
               </a:lnSpc>
             </a:pPr>
             <a:r>
-              <a:rPr b="1" lang="pt-BR" sz="2400" spc="-1" strike="noStrike">
+              <a:rPr lang="pt-BR" sz="2400" b="1" strike="noStrike" spc="-1">
                 <a:latin typeface="Arial"/>
               </a:rPr>
               <a:t>Dados Gerais</a:t>
             </a:r>
-            <a:endParaRPr b="0" lang="pt-BR" sz="2400" spc="-1" strike="noStrike">
+            <a:endParaRPr lang="pt-BR" sz="2400" b="0" strike="noStrike" spc="-1">
               <a:latin typeface="Arial"/>
             </a:endParaRPr>
           </a:p>
@@ -3601,35 +4355,41 @@
       </p:sp>
       <p:sp>
         <p:nvSpPr>
-          <p:cNvPr id="85" name=""/>
+          <p:cNvPr id="85" name="Conector reto 84"/>
           <p:cNvSpPr/>
           <p:nvPr/>
         </p:nvSpPr>
         <p:spPr>
           <a:xfrm flipV="1">
             <a:off x="180000" y="705960"/>
-            <a:ext cx="3060000" cy="14040"/>
+            <a:ext cx="5364000" cy="14040"/>
           </a:xfrm>
           <a:prstGeom prst="line">
             <a:avLst/>
           </a:prstGeom>
           <a:ln w="36000">
             <a:solidFill>
-              <a:srgbClr val="ff5900"/>
+              <a:srgbClr val="FF5900"/>
             </a:solidFill>
             <a:round/>
           </a:ln>
         </p:spPr>
         <p:style>
-          <a:lnRef idx="0"/>
-          <a:fillRef idx="0"/>
-          <a:effectRef idx="0"/>
+          <a:lnRef idx="0">
+            <a:scrgbClr r="0" g="0" b="0"/>
+          </a:lnRef>
+          <a:fillRef idx="0">
+            <a:scrgbClr r="0" g="0" b="0"/>
+          </a:fillRef>
+          <a:effectRef idx="0">
+            <a:scrgbClr r="0" g="0" b="0"/>
+          </a:effectRef>
           <a:fontRef idx="minor"/>
         </p:style>
       </p:sp>
       <p:sp>
         <p:nvSpPr>
-          <p:cNvPr id="86" name=""/>
+          <p:cNvPr id="86" name="CaixaDeTexto 85"/>
           <p:cNvSpPr txBox="1"/>
           <p:nvPr/>
         </p:nvSpPr>
@@ -3647,9 +4407,10 @@
           </a:ln>
         </p:spPr>
         <p:txBody>
-          <a:bodyPr lIns="90000" rIns="90000" tIns="45000" bIns="45000">
+          <a:bodyPr lIns="90000" tIns="45000" rIns="90000" bIns="45000">
             <a:noAutofit/>
           </a:bodyPr>
+          <a:lstStyle/>
           <a:p>
             <a:pPr marL="216000" indent="-216000">
               <a:lnSpc>
@@ -3669,54 +4430,21 @@
               <a:buChar char=""/>
             </a:pPr>
             <a:r>
-              <a:rPr b="1" lang="pt-BR" sz="2200" spc="-1" strike="noStrike">
+              <a:rPr lang="pt-BR" sz="2200" b="1" strike="noStrike" spc="-1" dirty="0">
                 <a:latin typeface="Arial"/>
               </a:rPr>
-              <a:t>Iniciativa da DED </a:t>
+              <a:t>Iniciativa da DED para estimular </a:t>
             </a:r>
             <a:r>
-              <a:rPr b="1" lang="pt-BR" sz="2200" spc="-1" strike="noStrike">
-                <a:latin typeface="Arial"/>
-              </a:rPr>
-              <a:t>para estimular </a:t>
-            </a:r>
-            <a:r>
-              <a:rPr b="1" lang="pt-BR" sz="2200" spc="-1" strike="noStrike">
+              <a:rPr lang="pt-BR" sz="2200" b="1" strike="noStrike" spc="-1" dirty="0">
                 <a:solidFill>
-                  <a:srgbClr val="ff5900"/>
+                  <a:srgbClr val="FF5900"/>
                 </a:solidFill>
                 <a:latin typeface="Arial"/>
               </a:rPr>
-              <a:t>o </a:t>
+              <a:t>o poder de transformação das pessoas.</a:t>
             </a:r>
-            <a:r>
-              <a:rPr b="1" lang="pt-BR" sz="2200" spc="-1" strike="noStrike">
-                <a:solidFill>
-                  <a:srgbClr val="ff5900"/>
-                </a:solidFill>
-                <a:latin typeface="Arial"/>
-              </a:rPr>
-              <a:t>poder de </a:t>
-            </a:r>
-            <a:r>
-              <a:rPr b="1" lang="pt-BR" sz="2200" spc="-1" strike="noStrike">
-                <a:solidFill>
-                  <a:srgbClr val="ff5900"/>
-                </a:solidFill>
-                <a:latin typeface="Arial"/>
-              </a:rPr>
-              <a:t>transformação </a:t>
-            </a:r>
-            <a:r>
-              <a:rPr b="1" lang="pt-BR" sz="2200" spc="-1" strike="noStrike">
-                <a:solidFill>
-                  <a:srgbClr val="ff5900"/>
-                </a:solidFill>
-                <a:latin typeface="Arial"/>
-              </a:rPr>
-              <a:t>das pessoas.</a:t>
-            </a:r>
-            <a:endParaRPr b="1" lang="pt-BR" sz="2200" spc="-1" strike="noStrike">
+            <a:endParaRPr lang="pt-BR" sz="2200" b="1" strike="noStrike" spc="-1" dirty="0">
               <a:latin typeface="Arial"/>
               <a:ea typeface="Noto Sans CJK SC"/>
             </a:endParaRPr>
@@ -3739,7 +4467,7 @@
               <a:buFont typeface="Wingdings" charset="2"/>
               <a:buChar char=""/>
             </a:pPr>
-            <a:endParaRPr b="1" lang="pt-BR" sz="2200" spc="-1" strike="noStrike">
+            <a:endParaRPr lang="pt-BR" sz="2200" b="1" strike="noStrike" spc="-1" dirty="0">
               <a:latin typeface="Arial"/>
               <a:ea typeface="Noto Sans CJK SC"/>
             </a:endParaRPr>
@@ -3763,63 +4491,51 @@
               <a:buChar char=""/>
             </a:pPr>
             <a:r>
-              <a:rPr b="1" lang="pt-BR" sz="2200" spc="-1" strike="noStrike">
+              <a:rPr lang="pt-BR" sz="2200" b="1" strike="noStrike" spc="-1" dirty="0">
                 <a:latin typeface="Arial"/>
               </a:rPr>
-              <a:t>Grade </a:t>
+              <a:t>Grade desenvolvida em parceria da DED com a </a:t>
             </a:r>
             <a:r>
-              <a:rPr b="1" lang="pt-BR" sz="2200" spc="-1" strike="noStrike">
+              <a:rPr lang="pt-BR" sz="2200" b="1" strike="noStrike" spc="-1" dirty="0" err="1">
                 <a:latin typeface="Arial"/>
               </a:rPr>
-              <a:t>desenvolvida em </a:t>
+              <a:t>Let’s</a:t>
             </a:r>
             <a:r>
-              <a:rPr b="1" lang="pt-BR" sz="2200" spc="-1" strike="noStrike">
+              <a:rPr lang="pt-BR" sz="2200" b="1" strike="noStrike" spc="-1" dirty="0">
                 <a:latin typeface="Arial"/>
               </a:rPr>
-              <a:t>parceria da DED </a:t>
+              <a:t> </a:t>
             </a:r>
             <a:r>
-              <a:rPr b="1" lang="pt-BR" sz="2200" spc="-1" strike="noStrike">
+              <a:rPr lang="pt-BR" sz="2200" b="1" strike="noStrike" spc="-1" dirty="0" err="1">
                 <a:latin typeface="Arial"/>
               </a:rPr>
-              <a:t>com a Let’s </a:t>
+              <a:t>Code</a:t>
             </a:r>
             <a:r>
-              <a:rPr b="1" lang="pt-BR" sz="2200" spc="-1" strike="noStrike">
+              <a:rPr lang="pt-BR" sz="2200" b="1" strike="noStrike" spc="-1" dirty="0">
                 <a:latin typeface="Arial"/>
               </a:rPr>
-              <a:t>Code, </a:t>
+              <a:t>, totalizando </a:t>
             </a:r>
             <a:r>
-              <a:rPr b="1" lang="pt-BR" sz="2200" spc="-1" strike="noStrike">
-                <a:latin typeface="Arial"/>
-              </a:rPr>
-              <a:t>totalizando </a:t>
-            </a:r>
-            <a:r>
-              <a:rPr b="1" lang="pt-BR" sz="2200" spc="-1" strike="noStrike">
+              <a:rPr lang="pt-BR" sz="2200" b="1" strike="noStrike" spc="-1" dirty="0">
                 <a:solidFill>
-                  <a:srgbClr val="ff5900"/>
+                  <a:srgbClr val="FF5900"/>
                 </a:solidFill>
                 <a:latin typeface="Arial"/>
               </a:rPr>
               <a:t>400h</a:t>
             </a:r>
             <a:r>
-              <a:rPr b="1" lang="pt-BR" sz="2200" spc="-1" strike="noStrike">
+              <a:rPr lang="pt-BR" sz="2200" b="1" strike="noStrike" spc="-1" dirty="0">
                 <a:latin typeface="Arial"/>
               </a:rPr>
-              <a:t> </a:t>
+              <a:t> de curso.</a:t>
             </a:r>
-            <a:r>
-              <a:rPr b="1" lang="pt-BR" sz="2200" spc="-1" strike="noStrike">
-                <a:latin typeface="Arial"/>
-              </a:rPr>
-              <a:t>de curso.</a:t>
-            </a:r>
-            <a:endParaRPr b="1" lang="pt-BR" sz="2200" spc="-1" strike="noStrike">
+            <a:endParaRPr lang="pt-BR" sz="2200" b="1" strike="noStrike" spc="-1" dirty="0">
               <a:latin typeface="Arial"/>
               <a:ea typeface="Noto Sans CJK SC"/>
             </a:endParaRPr>
@@ -3842,7 +4558,7 @@
               <a:buFont typeface="Wingdings" charset="2"/>
               <a:buChar char=""/>
             </a:pPr>
-            <a:endParaRPr b="1" lang="pt-BR" sz="2200" spc="-1" strike="noStrike">
+            <a:endParaRPr lang="pt-BR" sz="2200" b="1" strike="noStrike" spc="-1" dirty="0">
               <a:latin typeface="Arial"/>
               <a:ea typeface="Noto Sans CJK SC"/>
             </a:endParaRPr>
@@ -3866,45 +4582,27 @@
               <a:buChar char=""/>
             </a:pPr>
             <a:r>
-              <a:rPr b="1" lang="pt-BR" sz="2200" spc="-1" strike="noStrike">
+              <a:rPr lang="pt-BR" sz="2200" b="1" strike="noStrike" spc="-1" dirty="0">
                 <a:latin typeface="Arial"/>
               </a:rPr>
-              <a:t>Turma piloto </a:t>
+              <a:t>Turma piloto formada com </a:t>
             </a:r>
             <a:r>
-              <a:rPr b="1" lang="pt-BR" sz="2200" spc="-1" strike="noStrike">
-                <a:latin typeface="Arial"/>
-              </a:rPr>
-              <a:t>formada com </a:t>
-            </a:r>
-            <a:r>
-              <a:rPr b="1" lang="pt-BR" sz="2200" spc="-1" strike="noStrike">
+              <a:rPr lang="pt-BR" sz="2200" b="1" strike="noStrike" spc="-1" dirty="0">
                 <a:solidFill>
-                  <a:srgbClr val="ff5900"/>
+                  <a:srgbClr val="FF5900"/>
                 </a:solidFill>
                 <a:latin typeface="Arial"/>
               </a:rPr>
               <a:t>21</a:t>
             </a:r>
             <a:r>
-              <a:rPr b="1" lang="pt-BR" sz="2200" spc="-1" strike="noStrike">
+              <a:rPr lang="pt-BR" sz="2200" b="1" strike="noStrike" spc="-1" dirty="0">
                 <a:latin typeface="Arial"/>
               </a:rPr>
-              <a:t> </a:t>
+              <a:t> colaboradores do Itaú.</a:t>
             </a:r>
-            <a:r>
-              <a:rPr b="1" lang="pt-BR" sz="2200" spc="-1" strike="noStrike">
-                <a:latin typeface="Arial"/>
-              </a:rPr>
-              <a:t>colaboradores </a:t>
-            </a:r>
-            <a:r>
-              <a:rPr b="1" lang="pt-BR" sz="2200" spc="-1" strike="noStrike">
-                <a:latin typeface="Arial"/>
-              </a:rPr>
-              <a:t>do Itaú.</a:t>
-            </a:r>
-            <a:endParaRPr b="1" lang="pt-BR" sz="2200" spc="-1" strike="noStrike">
+            <a:endParaRPr lang="pt-BR" sz="2200" b="1" strike="noStrike" spc="-1" dirty="0">
               <a:latin typeface="Arial"/>
               <a:ea typeface="Noto Sans CJK SC"/>
             </a:endParaRPr>
@@ -3927,7 +4625,7 @@
               <a:buFont typeface="Wingdings" charset="2"/>
               <a:buChar char=""/>
             </a:pPr>
-            <a:endParaRPr b="1" lang="pt-BR" sz="2200" spc="-1" strike="noStrike">
+            <a:endParaRPr lang="pt-BR" sz="2200" b="1" strike="noStrike" spc="-1" dirty="0">
               <a:latin typeface="Arial"/>
               <a:ea typeface="Noto Sans CJK SC"/>
             </a:endParaRPr>
@@ -3951,63 +4649,27 @@
               <a:buChar char=""/>
             </a:pPr>
             <a:r>
-              <a:rPr b="1" lang="pt-BR" sz="2200" spc="-1" strike="noStrike">
+              <a:rPr lang="pt-BR" sz="2200" b="1" strike="noStrike" spc="-1" dirty="0">
                 <a:latin typeface="Arial"/>
               </a:rPr>
-              <a:t>Nova turma </a:t>
+              <a:t>Nova turma aberta para o público, já conta com </a:t>
             </a:r>
             <a:r>
-              <a:rPr b="1" lang="pt-BR" sz="2200" spc="-1" strike="noStrike">
-                <a:latin typeface="Arial"/>
-              </a:rPr>
-              <a:t>aberta para o </a:t>
-            </a:r>
-            <a:r>
-              <a:rPr b="1" lang="pt-BR" sz="2200" spc="-1" strike="noStrike">
-                <a:latin typeface="Arial"/>
-              </a:rPr>
-              <a:t>público, já conta </a:t>
-            </a:r>
-            <a:r>
-              <a:rPr b="1" lang="pt-BR" sz="2200" spc="-1" strike="noStrike">
-                <a:latin typeface="Arial"/>
-              </a:rPr>
-              <a:t>com </a:t>
-            </a:r>
-            <a:r>
-              <a:rPr b="1" lang="pt-BR" sz="2200" spc="-1" strike="noStrike">
+              <a:rPr lang="pt-BR" sz="2200" b="1" strike="noStrike" spc="-1" dirty="0">
                 <a:solidFill>
-                  <a:srgbClr val="ff5900"/>
+                  <a:srgbClr val="FF5900"/>
                 </a:solidFill>
                 <a:latin typeface="Arial"/>
               </a:rPr>
               <a:t>10,000</a:t>
             </a:r>
             <a:r>
-              <a:rPr b="1" lang="pt-BR" sz="2200" spc="-1" strike="noStrike">
+              <a:rPr lang="pt-BR" sz="2200" b="1" strike="noStrike" spc="-1" dirty="0">
                 <a:latin typeface="Arial"/>
               </a:rPr>
-              <a:t> </a:t>
+              <a:t> inscritos. (Última atualização 10/09) </a:t>
             </a:r>
-            <a:r>
-              <a:rPr b="1" lang="pt-BR" sz="2200" spc="-1" strike="noStrike">
-                <a:latin typeface="Arial"/>
-              </a:rPr>
-              <a:t>inscritos. (Última </a:t>
-            </a:r>
-            <a:r>
-              <a:rPr b="1" lang="pt-BR" sz="2200" spc="-1" strike="noStrike">
-                <a:latin typeface="Arial"/>
-              </a:rPr>
-              <a:t>atualização </a:t>
-            </a:r>
-            <a:r>
-              <a:rPr b="1" lang="pt-BR" sz="2200" spc="-1" strike="noStrike">
-                <a:latin typeface="Arial"/>
-              </a:rPr>
-              <a:t>10/09) </a:t>
-            </a:r>
-            <a:endParaRPr b="1" lang="pt-BR" sz="2200" spc="-1" strike="noStrike">
+            <a:endParaRPr lang="pt-BR" sz="2200" b="1" strike="noStrike" spc="-1" dirty="0">
               <a:latin typeface="Arial"/>
               <a:ea typeface="Noto Sans CJK SC"/>
             </a:endParaRPr>
@@ -4016,19 +4678,14 @@
       </p:sp>
     </p:spTree>
   </p:cSld>
-  <mc:AlternateContent>
-    <mc:Choice Requires="p14">
-      <p:transition spd="slow" p14:dur="2000"/>
-    </mc:Choice>
-    <mc:Fallback>
-      <p:transition spd="slow"/>
-    </mc:Fallback>
-  </mc:AlternateContent>
+  <p:clrMapOvr>
+    <a:masterClrMapping/>
+  </p:clrMapOvr>
 </p:sld>
 </file>
 
 <file path=ppt/slides/slide3.xml><?xml version="1.0" encoding="utf-8"?>
-<p:sld xmlns:a="http://schemas.openxmlformats.org/drawingml/2006/main" xmlns:p="http://schemas.openxmlformats.org/presentationml/2006/main" xmlns:r="http://schemas.openxmlformats.org/officeDocument/2006/relationships" xmlns:p14="http://schemas.microsoft.com/office/powerpoint/2010/main" xmlns:p15="http://schemas.microsoft.com/office/powerpoint/2012/main" xmlns:mc="http://schemas.openxmlformats.org/markup-compatibility/2006">
+<p:sld xmlns:a="http://schemas.openxmlformats.org/drawingml/2006/main" xmlns:r="http://schemas.openxmlformats.org/officeDocument/2006/relationships" xmlns:p="http://schemas.openxmlformats.org/presentationml/2006/main">
   <p:cSld>
     <p:spTree>
       <p:nvGrpSpPr>
@@ -4046,7 +4703,7 @@
       </p:grpSpPr>
       <p:sp>
         <p:nvSpPr>
-          <p:cNvPr id="87" name=""/>
+          <p:cNvPr id="87" name="Retângulo 86"/>
           <p:cNvSpPr/>
           <p:nvPr/>
         </p:nvSpPr>
@@ -4064,15 +4721,22 @@
           </a:ln>
         </p:spPr>
         <p:style>
-          <a:lnRef idx="0"/>
-          <a:fillRef idx="0"/>
-          <a:effectRef idx="0"/>
+          <a:lnRef idx="0">
+            <a:scrgbClr r="0" g="0" b="0"/>
+          </a:lnRef>
+          <a:fillRef idx="0">
+            <a:scrgbClr r="0" g="0" b="0"/>
+          </a:fillRef>
+          <a:effectRef idx="0">
+            <a:scrgbClr r="0" g="0" b="0"/>
+          </a:effectRef>
           <a:fontRef idx="minor"/>
         </p:style>
         <p:txBody>
-          <a:bodyPr lIns="90000" rIns="90000" tIns="45000" bIns="45000">
+          <a:bodyPr lIns="90000" tIns="45000" rIns="90000" bIns="45000">
             <a:noAutofit/>
           </a:bodyPr>
+          <a:lstStyle/>
           <a:p>
             <a:pPr>
               <a:lnSpc>
@@ -4080,12 +4744,12 @@
               </a:lnSpc>
             </a:pPr>
             <a:r>
-              <a:rPr b="1" lang="pt-BR" sz="2400" spc="-1" strike="noStrike">
+              <a:rPr lang="pt-BR" sz="2400" b="1" strike="noStrike" spc="-1">
                 <a:latin typeface="Arial"/>
               </a:rPr>
               <a:t>Temas Abordados</a:t>
             </a:r>
-            <a:endParaRPr b="0" lang="pt-BR" sz="2400" spc="-1" strike="noStrike">
+            <a:endParaRPr lang="pt-BR" sz="2400" b="0" strike="noStrike" spc="-1">
               <a:latin typeface="Arial"/>
             </a:endParaRPr>
           </a:p>
@@ -4093,952 +4757,1583 @@
       </p:sp>
       <p:sp>
         <p:nvSpPr>
-          <p:cNvPr id="88" name=""/>
+          <p:cNvPr id="88" name="Conector reto 87"/>
           <p:cNvSpPr/>
           <p:nvPr/>
         </p:nvSpPr>
         <p:spPr>
           <a:xfrm flipV="1">
             <a:off x="180000" y="705960"/>
-            <a:ext cx="3060000" cy="14040"/>
+            <a:ext cx="5364000" cy="14040"/>
           </a:xfrm>
           <a:prstGeom prst="line">
             <a:avLst/>
           </a:prstGeom>
           <a:ln w="36000">
             <a:solidFill>
-              <a:srgbClr val="ff5900"/>
+              <a:srgbClr val="FF5900"/>
             </a:solidFill>
             <a:round/>
           </a:ln>
         </p:spPr>
         <p:style>
-          <a:lnRef idx="0"/>
-          <a:fillRef idx="0"/>
-          <a:effectRef idx="0"/>
+          <a:lnRef idx="0">
+            <a:scrgbClr r="0" g="0" b="0"/>
+          </a:lnRef>
+          <a:fillRef idx="0">
+            <a:scrgbClr r="0" g="0" b="0"/>
+          </a:fillRef>
+          <a:effectRef idx="0">
+            <a:scrgbClr r="0" g="0" b="0"/>
+          </a:effectRef>
           <a:fontRef idx="minor"/>
         </p:style>
       </p:sp>
-      <p:sp>
-        <p:nvSpPr>
-          <p:cNvPr id="89" name=""/>
-          <p:cNvSpPr txBox="1"/>
+      <p:grpSp>
+        <p:nvGrpSpPr>
+          <p:cNvPr id="3" name="Agrupar 2">
+            <a:extLst>
+              <a:ext uri="{FF2B5EF4-FFF2-40B4-BE49-F238E27FC236}">
+                <a16:creationId xmlns:a16="http://schemas.microsoft.com/office/drawing/2014/main" id="{9AFEEB3C-3025-453C-9571-9E1F66E1AE26}"/>
+              </a:ext>
+            </a:extLst>
+          </p:cNvPr>
+          <p:cNvGrpSpPr/>
           <p:nvPr/>
-        </p:nvSpPr>
-        <p:spPr>
-          <a:xfrm>
-            <a:off x="900000" y="2464200"/>
-            <a:ext cx="2520000" cy="919800"/>
-          </a:xfrm>
-          <a:prstGeom prst="rect">
-            <a:avLst/>
-          </a:prstGeom>
-          <a:noFill/>
-          <a:ln w="0">
+        </p:nvGrpSpPr>
+        <p:grpSpPr>
+          <a:xfrm>
+            <a:off x="900000" y="1741683"/>
+            <a:ext cx="10800000" cy="4591077"/>
+            <a:chOff x="900000" y="1741683"/>
+            <a:chExt cx="10800000" cy="4591077"/>
+          </a:xfrm>
+        </p:grpSpPr>
+        <p:sp>
+          <p:nvSpPr>
+            <p:cNvPr id="89" name="CaixaDeTexto 88"/>
+            <p:cNvSpPr txBox="1"/>
+            <p:nvPr/>
+          </p:nvSpPr>
+          <p:spPr>
+            <a:xfrm>
+              <a:off x="900000" y="2464200"/>
+              <a:ext cx="2520000" cy="919800"/>
+            </a:xfrm>
+            <a:prstGeom prst="rect">
+              <a:avLst/>
+            </a:prstGeom>
             <a:noFill/>
-          </a:ln>
-        </p:spPr>
-        <p:txBody>
-          <a:bodyPr lIns="90000" rIns="90000" tIns="45000" bIns="45000">
-            <a:noAutofit/>
-          </a:bodyPr>
-          <a:p>
-            <a:pPr marL="216000" indent="-216000">
-              <a:lnSpc>
-                <a:spcPct val="150000"/>
-              </a:lnSpc>
-              <a:buClr>
-                <a:srgbClr val="ff5900"/>
-              </a:buClr>
-              <a:buSzPct val="45000"/>
-              <a:buFont typeface="Wingdings" charset="2"/>
-              <a:buChar char=""/>
-            </a:pPr>
-            <a:r>
-              <a:rPr b="0" lang="pt-BR" sz="1300" spc="-1" strike="noStrike">
+            <a:ln w="0">
+              <a:noFill/>
+            </a:ln>
+          </p:spPr>
+          <p:txBody>
+            <a:bodyPr lIns="90000" tIns="45000" rIns="90000" bIns="45000">
+              <a:noAutofit/>
+            </a:bodyPr>
+            <a:lstStyle/>
+            <a:p>
+              <a:pPr marL="216000" indent="-216000">
+                <a:lnSpc>
+                  <a:spcPct val="150000"/>
+                </a:lnSpc>
+                <a:buClr>
+                  <a:srgbClr val="FF5900"/>
+                </a:buClr>
+                <a:buSzPct val="45000"/>
+                <a:buFont typeface="Wingdings" charset="2"/>
+                <a:buChar char=""/>
+              </a:pPr>
+              <a:r>
+                <a:rPr lang="pt-BR" sz="1300" b="0" strike="noStrike" spc="-1" dirty="0">
+                  <a:latin typeface="Arial"/>
+                </a:rPr>
+                <a:t>Versionamento</a:t>
+              </a:r>
+            </a:p>
+            <a:p>
+              <a:pPr marL="216000" indent="-216000">
+                <a:lnSpc>
+                  <a:spcPct val="150000"/>
+                </a:lnSpc>
+                <a:buClr>
+                  <a:srgbClr val="FF5900"/>
+                </a:buClr>
+                <a:buSzPct val="45000"/>
+                <a:buFont typeface="Wingdings" charset="2"/>
+                <a:buChar char=""/>
+              </a:pPr>
+              <a:r>
+                <a:rPr lang="pt-BR" sz="1300" b="0" strike="noStrike" spc="-1" dirty="0">
+                  <a:latin typeface="Arial"/>
+                </a:rPr>
+                <a:t>Shell </a:t>
+              </a:r>
+              <a:r>
+                <a:rPr lang="pt-BR" sz="1300" b="0" strike="noStrike" spc="-1" dirty="0" err="1">
+                  <a:latin typeface="Arial"/>
+                </a:rPr>
+                <a:t>Scripting</a:t>
+              </a:r>
+              <a:endParaRPr lang="pt-BR" sz="1300" b="0" strike="noStrike" spc="-1" dirty="0">
                 <a:latin typeface="Arial"/>
-              </a:rPr>
-              <a:t>Versionamento</a:t>
-            </a:r>
-            <a:endParaRPr b="0" lang="pt-BR" sz="1300" spc="-1" strike="noStrike">
-              <a:latin typeface="Arial"/>
-            </a:endParaRPr>
-          </a:p>
-          <a:p>
-            <a:pPr marL="216000" indent="-216000">
-              <a:lnSpc>
-                <a:spcPct val="150000"/>
-              </a:lnSpc>
-              <a:buClr>
-                <a:srgbClr val="ff5900"/>
-              </a:buClr>
-              <a:buSzPct val="45000"/>
-              <a:buFont typeface="Wingdings" charset="2"/>
-              <a:buChar char=""/>
-            </a:pPr>
-            <a:r>
-              <a:rPr b="0" lang="pt-BR" sz="1300" spc="-1" strike="noStrike">
+              </a:endParaRPr>
+            </a:p>
+            <a:p>
+              <a:pPr marL="216000" indent="-216000">
+                <a:lnSpc>
+                  <a:spcPct val="150000"/>
+                </a:lnSpc>
+                <a:buClr>
+                  <a:srgbClr val="FF5900"/>
+                </a:buClr>
+                <a:buSzPct val="45000"/>
+                <a:buFont typeface="Wingdings" charset="2"/>
+                <a:buChar char=""/>
+              </a:pPr>
+              <a:r>
+                <a:rPr lang="pt-BR" sz="1300" b="0" strike="noStrike" spc="-1" dirty="0">
+                  <a:latin typeface="Arial"/>
+                </a:rPr>
+                <a:t>Conceitos Gerais de Linux</a:t>
+              </a:r>
+            </a:p>
+          </p:txBody>
+        </p:sp>
+        <p:sp>
+          <p:nvSpPr>
+            <p:cNvPr id="90" name="CaixaDeTexto 89"/>
+            <p:cNvSpPr txBox="1"/>
+            <p:nvPr/>
+          </p:nvSpPr>
+          <p:spPr>
+            <a:xfrm>
+              <a:off x="3660000" y="2464200"/>
+              <a:ext cx="2520000" cy="1196280"/>
+            </a:xfrm>
+            <a:prstGeom prst="rect">
+              <a:avLst/>
+            </a:prstGeom>
+            <a:noFill/>
+            <a:ln w="0">
+              <a:noFill/>
+            </a:ln>
+          </p:spPr>
+          <p:txBody>
+            <a:bodyPr lIns="90000" tIns="45000" rIns="90000" bIns="45000">
+              <a:noAutofit/>
+            </a:bodyPr>
+            <a:lstStyle/>
+            <a:p>
+              <a:pPr marL="216000" indent="-216000">
+                <a:lnSpc>
+                  <a:spcPct val="150000"/>
+                </a:lnSpc>
+                <a:buClr>
+                  <a:srgbClr val="FF5900"/>
+                </a:buClr>
+                <a:buSzPct val="45000"/>
+                <a:buFont typeface="Wingdings" charset="2"/>
+                <a:buChar char=""/>
+              </a:pPr>
+              <a:r>
+                <a:rPr lang="pt-BR" sz="1300" b="0" strike="noStrike" spc="-1" dirty="0">
+                  <a:latin typeface="Arial"/>
+                </a:rPr>
+                <a:t>Ambientes de utilização</a:t>
+              </a:r>
+            </a:p>
+            <a:p>
+              <a:pPr marL="216000" indent="-216000">
+                <a:lnSpc>
+                  <a:spcPct val="150000"/>
+                </a:lnSpc>
+                <a:buClr>
+                  <a:srgbClr val="FF5900"/>
+                </a:buClr>
+                <a:buSzPct val="45000"/>
+                <a:buFont typeface="Wingdings" charset="2"/>
+                <a:buChar char=""/>
+              </a:pPr>
+              <a:r>
+                <a:rPr lang="pt-BR" sz="1300" b="0" strike="noStrike" spc="-1" dirty="0">
+                  <a:latin typeface="Arial"/>
+                </a:rPr>
+                <a:t>Estrutura de Dados</a:t>
+              </a:r>
+            </a:p>
+            <a:p>
+              <a:pPr marL="216000" indent="-216000">
+                <a:lnSpc>
+                  <a:spcPct val="150000"/>
+                </a:lnSpc>
+                <a:buClr>
+                  <a:srgbClr val="FF5900"/>
+                </a:buClr>
+                <a:buSzPct val="45000"/>
+                <a:buFont typeface="Wingdings" charset="2"/>
+                <a:buChar char=""/>
+              </a:pPr>
+              <a:r>
+                <a:rPr lang="pt-BR" sz="1300" b="0" strike="noStrike" spc="-1" dirty="0">
+                  <a:latin typeface="Arial"/>
+                </a:rPr>
+                <a:t>Orientação a Objetos</a:t>
+              </a:r>
+            </a:p>
+            <a:p>
+              <a:pPr marL="216000" indent="-216000">
+                <a:lnSpc>
+                  <a:spcPct val="150000"/>
+                </a:lnSpc>
+                <a:buClr>
+                  <a:srgbClr val="FF5900"/>
+                </a:buClr>
+                <a:buSzPct val="45000"/>
+                <a:buFont typeface="Wingdings" charset="2"/>
+                <a:buChar char=""/>
+              </a:pPr>
+              <a:r>
+                <a:rPr lang="pt-BR" sz="1300" b="0" strike="noStrike" spc="-1" dirty="0">
+                  <a:latin typeface="Arial"/>
+                </a:rPr>
+                <a:t>Algoritmos</a:t>
+              </a:r>
+            </a:p>
+          </p:txBody>
+        </p:sp>
+        <p:sp>
+          <p:nvSpPr>
+            <p:cNvPr id="91" name="CaixaDeTexto 90"/>
+            <p:cNvSpPr txBox="1"/>
+            <p:nvPr/>
+          </p:nvSpPr>
+          <p:spPr>
+            <a:xfrm>
+              <a:off x="6420000" y="2464200"/>
+              <a:ext cx="2520000" cy="720000"/>
+            </a:xfrm>
+            <a:prstGeom prst="rect">
+              <a:avLst/>
+            </a:prstGeom>
+            <a:noFill/>
+            <a:ln w="0">
+              <a:noFill/>
+            </a:ln>
+          </p:spPr>
+          <p:txBody>
+            <a:bodyPr lIns="90000" tIns="45000" rIns="90000" bIns="45000">
+              <a:noAutofit/>
+            </a:bodyPr>
+            <a:lstStyle/>
+            <a:p>
+              <a:pPr marL="216000" indent="-216000">
+                <a:lnSpc>
+                  <a:spcPct val="150000"/>
+                </a:lnSpc>
+                <a:buClr>
+                  <a:srgbClr val="FF5900"/>
+                </a:buClr>
+                <a:buSzPct val="45000"/>
+                <a:buFont typeface="Wingdings" charset="2"/>
+                <a:buChar char=""/>
+              </a:pPr>
+              <a:r>
+                <a:rPr lang="pt-BR" sz="1300" b="0" strike="noStrike" spc="-1" dirty="0">
+                  <a:latin typeface="Arial"/>
+                </a:rPr>
+                <a:t>SQL</a:t>
+              </a:r>
+            </a:p>
+            <a:p>
+              <a:pPr marL="216000" indent="-216000">
+                <a:lnSpc>
+                  <a:spcPct val="150000"/>
+                </a:lnSpc>
+                <a:buClr>
+                  <a:srgbClr val="FF5900"/>
+                </a:buClr>
+                <a:buSzPct val="45000"/>
+                <a:buFont typeface="Wingdings" charset="2"/>
+                <a:buChar char=""/>
+              </a:pPr>
+              <a:r>
+                <a:rPr lang="pt-BR" sz="1300" b="0" strike="noStrike" spc="-1" dirty="0">
+                  <a:latin typeface="Arial"/>
+                </a:rPr>
+                <a:t>Modelagem de Dados</a:t>
+              </a:r>
+            </a:p>
+          </p:txBody>
+        </p:sp>
+        <p:sp>
+          <p:nvSpPr>
+            <p:cNvPr id="92" name="CaixaDeTexto 91"/>
+            <p:cNvSpPr txBox="1"/>
+            <p:nvPr/>
+          </p:nvSpPr>
+          <p:spPr>
+            <a:xfrm>
+              <a:off x="9180000" y="2464200"/>
+              <a:ext cx="2520000" cy="1196280"/>
+            </a:xfrm>
+            <a:prstGeom prst="rect">
+              <a:avLst/>
+            </a:prstGeom>
+            <a:noFill/>
+            <a:ln w="0">
+              <a:noFill/>
+            </a:ln>
+          </p:spPr>
+          <p:txBody>
+            <a:bodyPr lIns="90000" tIns="45000" rIns="90000" bIns="45000">
+              <a:noAutofit/>
+            </a:bodyPr>
+            <a:lstStyle/>
+            <a:p>
+              <a:pPr marL="216000" indent="-216000">
+                <a:lnSpc>
+                  <a:spcPct val="150000"/>
+                </a:lnSpc>
+                <a:buClr>
+                  <a:srgbClr val="FF5900"/>
+                </a:buClr>
+                <a:buSzPct val="45000"/>
+                <a:buFont typeface="Wingdings" charset="2"/>
+                <a:buChar char=""/>
+              </a:pPr>
+              <a:r>
+                <a:rPr lang="pt-BR" sz="1300" b="0" strike="noStrike" spc="-1" dirty="0" err="1">
+                  <a:latin typeface="Arial"/>
+                </a:rPr>
+                <a:t>Numpy</a:t>
+              </a:r>
+              <a:endParaRPr lang="pt-BR" sz="1300" b="0" strike="noStrike" spc="-1" dirty="0">
                 <a:latin typeface="Arial"/>
-              </a:rPr>
-              <a:t>Shell Scripting</a:t>
-            </a:r>
-            <a:endParaRPr b="0" lang="pt-BR" sz="1300" spc="-1" strike="noStrike">
-              <a:latin typeface="Arial"/>
-            </a:endParaRPr>
-          </a:p>
-          <a:p>
-            <a:pPr marL="216000" indent="-216000">
-              <a:lnSpc>
-                <a:spcPct val="150000"/>
-              </a:lnSpc>
-              <a:buClr>
-                <a:srgbClr val="ff5900"/>
-              </a:buClr>
-              <a:buSzPct val="45000"/>
-              <a:buFont typeface="Wingdings" charset="2"/>
-              <a:buChar char=""/>
-            </a:pPr>
-            <a:r>
-              <a:rPr b="0" lang="pt-BR" sz="1300" spc="-1" strike="noStrike">
+              </a:endParaRPr>
+            </a:p>
+            <a:p>
+              <a:pPr marL="216000" indent="-216000">
+                <a:lnSpc>
+                  <a:spcPct val="150000"/>
+                </a:lnSpc>
+                <a:buClr>
+                  <a:srgbClr val="FF5900"/>
+                </a:buClr>
+                <a:buSzPct val="45000"/>
+                <a:buFont typeface="Wingdings" charset="2"/>
+                <a:buChar char=""/>
+              </a:pPr>
+              <a:r>
+                <a:rPr lang="pt-BR" sz="1300" b="0" strike="noStrike" spc="-1" dirty="0">
+                  <a:latin typeface="Arial"/>
+                </a:rPr>
+                <a:t>Pandas</a:t>
+              </a:r>
+            </a:p>
+            <a:p>
+              <a:pPr marL="216000" indent="-216000">
+                <a:lnSpc>
+                  <a:spcPct val="150000"/>
+                </a:lnSpc>
+                <a:buClr>
+                  <a:srgbClr val="FF5900"/>
+                </a:buClr>
+                <a:buSzPct val="45000"/>
+                <a:buFont typeface="Wingdings" charset="2"/>
+                <a:buChar char=""/>
+              </a:pPr>
+              <a:r>
+                <a:rPr lang="pt-BR" sz="1300" b="0" strike="noStrike" spc="-1" dirty="0" err="1">
+                  <a:latin typeface="Arial"/>
+                </a:rPr>
+                <a:t>Seaborn</a:t>
+              </a:r>
+              <a:r>
+                <a:rPr lang="pt-BR" sz="1300" b="0" strike="noStrike" spc="-1" dirty="0">
+                  <a:latin typeface="Arial"/>
+                </a:rPr>
+                <a:t>/</a:t>
+              </a:r>
+              <a:r>
+                <a:rPr lang="pt-BR" sz="1300" b="0" strike="noStrike" spc="-1" dirty="0" err="1">
+                  <a:latin typeface="Arial"/>
+                </a:rPr>
+                <a:t>Matplotlib</a:t>
+              </a:r>
+              <a:endParaRPr lang="pt-BR" sz="1300" b="0" strike="noStrike" spc="-1" dirty="0">
                 <a:latin typeface="Arial"/>
-              </a:rPr>
-              <a:t>Conceitos Gerais de Linux</a:t>
-            </a:r>
-            <a:endParaRPr b="0" lang="pt-BR" sz="1300" spc="-1" strike="noStrike">
-              <a:latin typeface="Arial"/>
-            </a:endParaRPr>
-          </a:p>
-        </p:txBody>
-      </p:sp>
-      <p:sp>
-        <p:nvSpPr>
-          <p:cNvPr id="90" name=""/>
-          <p:cNvSpPr txBox="1"/>
-          <p:nvPr/>
-        </p:nvSpPr>
-        <p:spPr>
-          <a:xfrm>
-            <a:off x="3780000" y="2464200"/>
-            <a:ext cx="2520000" cy="1196280"/>
-          </a:xfrm>
-          <a:prstGeom prst="rect">
-            <a:avLst/>
-          </a:prstGeom>
-          <a:noFill/>
-          <a:ln w="0">
+              </a:endParaRPr>
+            </a:p>
+            <a:p>
+              <a:pPr marL="216000" indent="-216000">
+                <a:lnSpc>
+                  <a:spcPct val="150000"/>
+                </a:lnSpc>
+                <a:buClr>
+                  <a:srgbClr val="FF5900"/>
+                </a:buClr>
+                <a:buSzPct val="45000"/>
+                <a:buFont typeface="Wingdings" charset="2"/>
+                <a:buChar char=""/>
+              </a:pPr>
+              <a:r>
+                <a:rPr lang="pt-BR" sz="1300" b="0" strike="noStrike" spc="-1" dirty="0" err="1">
+                  <a:latin typeface="Arial"/>
+                </a:rPr>
+                <a:t>Plotly</a:t>
+              </a:r>
+              <a:endParaRPr lang="pt-BR" sz="1300" b="0" strike="noStrike" spc="-1" dirty="0">
+                <a:latin typeface="Arial"/>
+              </a:endParaRPr>
+            </a:p>
+          </p:txBody>
+        </p:sp>
+        <p:sp>
+          <p:nvSpPr>
+            <p:cNvPr id="93" name="CaixaDeTexto 92"/>
+            <p:cNvSpPr txBox="1"/>
+            <p:nvPr/>
+          </p:nvSpPr>
+          <p:spPr>
+            <a:xfrm>
+              <a:off x="900000" y="4860000"/>
+              <a:ext cx="2520000" cy="1196280"/>
+            </a:xfrm>
+            <a:prstGeom prst="rect">
+              <a:avLst/>
+            </a:prstGeom>
             <a:noFill/>
-          </a:ln>
-        </p:spPr>
-        <p:txBody>
-          <a:bodyPr lIns="90000" rIns="90000" tIns="45000" bIns="45000">
-            <a:noAutofit/>
-          </a:bodyPr>
-          <a:p>
-            <a:pPr marL="216000" indent="-216000">
-              <a:lnSpc>
-                <a:spcPct val="150000"/>
-              </a:lnSpc>
-              <a:buClr>
-                <a:srgbClr val="ff5900"/>
-              </a:buClr>
-              <a:buSzPct val="45000"/>
-              <a:buFont typeface="Wingdings" charset="2"/>
-              <a:buChar char=""/>
-            </a:pPr>
-            <a:r>
-              <a:rPr b="0" lang="pt-BR" sz="1300" spc="-1" strike="noStrike">
+            <a:ln w="0">
+              <a:noFill/>
+            </a:ln>
+          </p:spPr>
+          <p:txBody>
+            <a:bodyPr lIns="90000" tIns="45000" rIns="90000" bIns="45000">
+              <a:noAutofit/>
+            </a:bodyPr>
+            <a:lstStyle/>
+            <a:p>
+              <a:pPr marL="216000" indent="-216000">
+                <a:lnSpc>
+                  <a:spcPct val="150000"/>
+                </a:lnSpc>
+                <a:buClr>
+                  <a:srgbClr val="FF5900"/>
+                </a:buClr>
+                <a:buSzPct val="45000"/>
+                <a:buFont typeface="Wingdings" charset="2"/>
+                <a:buChar char=""/>
+              </a:pPr>
+              <a:r>
+                <a:rPr lang="pt-BR" sz="1300" b="0" strike="noStrike" spc="-1">
+                  <a:latin typeface="Arial"/>
+                </a:rPr>
+                <a:t>Estatística Descritiva</a:t>
+              </a:r>
+            </a:p>
+            <a:p>
+              <a:pPr marL="216000" indent="-216000">
+                <a:lnSpc>
+                  <a:spcPct val="150000"/>
+                </a:lnSpc>
+                <a:buClr>
+                  <a:srgbClr val="FF5900"/>
+                </a:buClr>
+                <a:buSzPct val="45000"/>
+                <a:buFont typeface="Wingdings" charset="2"/>
+                <a:buChar char=""/>
+              </a:pPr>
+              <a:r>
+                <a:rPr lang="pt-BR" sz="1300" b="0" strike="noStrike" spc="-1">
+                  <a:latin typeface="Arial"/>
+                </a:rPr>
+                <a:t>Probabilidade</a:t>
+              </a:r>
+            </a:p>
+            <a:p>
+              <a:pPr marL="216000" indent="-216000">
+                <a:lnSpc>
+                  <a:spcPct val="150000"/>
+                </a:lnSpc>
+                <a:buClr>
+                  <a:srgbClr val="FF5900"/>
+                </a:buClr>
+                <a:buSzPct val="45000"/>
+                <a:buFont typeface="Wingdings" charset="2"/>
+                <a:buChar char=""/>
+              </a:pPr>
+              <a:r>
+                <a:rPr lang="pt-BR" sz="1300" b="0" strike="noStrike" spc="-1">
+                  <a:latin typeface="Arial"/>
+                </a:rPr>
+                <a:t>Inferência</a:t>
+              </a:r>
+            </a:p>
+            <a:p>
+              <a:pPr marL="216000" indent="-216000">
+                <a:lnSpc>
+                  <a:spcPct val="150000"/>
+                </a:lnSpc>
+                <a:buClr>
+                  <a:srgbClr val="FF5900"/>
+                </a:buClr>
+                <a:buSzPct val="45000"/>
+                <a:buFont typeface="Wingdings" charset="2"/>
+                <a:buChar char=""/>
+              </a:pPr>
+              <a:r>
+                <a:rPr lang="pt-BR" sz="1300" b="0" strike="noStrike" spc="-1">
+                  <a:latin typeface="Arial"/>
+                </a:rPr>
+                <a:t>Teste de Hipótese</a:t>
+              </a:r>
+            </a:p>
+          </p:txBody>
+        </p:sp>
+        <p:sp>
+          <p:nvSpPr>
+            <p:cNvPr id="94" name="CaixaDeTexto 93"/>
+            <p:cNvSpPr txBox="1"/>
+            <p:nvPr/>
+          </p:nvSpPr>
+          <p:spPr>
+            <a:xfrm>
+              <a:off x="3660000" y="4860000"/>
+              <a:ext cx="2520000" cy="919800"/>
+            </a:xfrm>
+            <a:prstGeom prst="rect">
+              <a:avLst/>
+            </a:prstGeom>
+            <a:noFill/>
+            <a:ln w="0">
+              <a:noFill/>
+            </a:ln>
+          </p:spPr>
+          <p:txBody>
+            <a:bodyPr lIns="90000" tIns="45000" rIns="90000" bIns="45000">
+              <a:noAutofit/>
+            </a:bodyPr>
+            <a:lstStyle/>
+            <a:p>
+              <a:pPr marL="216000" indent="-216000">
+                <a:lnSpc>
+                  <a:spcPct val="150000"/>
+                </a:lnSpc>
+                <a:buClr>
+                  <a:srgbClr val="FF5900"/>
+                </a:buClr>
+                <a:buSzPct val="45000"/>
+                <a:buFont typeface="Wingdings" charset="2"/>
+                <a:buChar char=""/>
+              </a:pPr>
+              <a:r>
+                <a:rPr lang="pt-BR" sz="1300" b="0" strike="noStrike" spc="-1" dirty="0" err="1">
+                  <a:latin typeface="Arial"/>
+                </a:rPr>
+                <a:t>Agile</a:t>
+              </a:r>
+              <a:endParaRPr lang="pt-BR" sz="1300" b="0" strike="noStrike" spc="-1" dirty="0">
                 <a:latin typeface="Arial"/>
-              </a:rPr>
-              <a:t>Ambientes de utilização</a:t>
-            </a:r>
-            <a:endParaRPr b="0" lang="pt-BR" sz="1300" spc="-1" strike="noStrike">
-              <a:latin typeface="Arial"/>
-            </a:endParaRPr>
-          </a:p>
-          <a:p>
-            <a:pPr marL="216000" indent="-216000">
-              <a:lnSpc>
-                <a:spcPct val="150000"/>
-              </a:lnSpc>
-              <a:buClr>
-                <a:srgbClr val="ff5900"/>
-              </a:buClr>
-              <a:buSzPct val="45000"/>
-              <a:buFont typeface="Wingdings" charset="2"/>
-              <a:buChar char=""/>
-            </a:pPr>
-            <a:r>
-              <a:rPr b="0" lang="pt-BR" sz="1300" spc="-1" strike="noStrike">
+              </a:endParaRPr>
+            </a:p>
+            <a:p>
+              <a:pPr marL="216000" indent="-216000">
+                <a:lnSpc>
+                  <a:spcPct val="150000"/>
+                </a:lnSpc>
+                <a:buClr>
+                  <a:srgbClr val="FF5900"/>
+                </a:buClr>
+                <a:buSzPct val="45000"/>
+                <a:buFont typeface="Wingdings" charset="2"/>
+                <a:buChar char=""/>
+              </a:pPr>
+              <a:r>
+                <a:rPr lang="pt-BR" sz="1300" b="0" strike="noStrike" spc="-1" dirty="0">
+                  <a:latin typeface="Arial"/>
+                </a:rPr>
+                <a:t>Métricas e </a:t>
+              </a:r>
+              <a:r>
+                <a:rPr lang="pt-BR" sz="1300" b="0" strike="noStrike" spc="-1" dirty="0" err="1">
+                  <a:latin typeface="Arial"/>
+                </a:rPr>
+                <a:t>KPI’s</a:t>
+              </a:r>
+              <a:endParaRPr lang="pt-BR" sz="1300" b="0" strike="noStrike" spc="-1" dirty="0">
                 <a:latin typeface="Arial"/>
-              </a:rPr>
-              <a:t>Estrutura de Dados</a:t>
-            </a:r>
-            <a:endParaRPr b="0" lang="pt-BR" sz="1300" spc="-1" strike="noStrike">
-              <a:latin typeface="Arial"/>
-            </a:endParaRPr>
-          </a:p>
-          <a:p>
-            <a:pPr marL="216000" indent="-216000">
-              <a:lnSpc>
-                <a:spcPct val="150000"/>
-              </a:lnSpc>
-              <a:buClr>
-                <a:srgbClr val="ff5900"/>
-              </a:buClr>
-              <a:buSzPct val="45000"/>
-              <a:buFont typeface="Wingdings" charset="2"/>
-              <a:buChar char=""/>
-            </a:pPr>
-            <a:r>
-              <a:rPr b="0" lang="pt-BR" sz="1300" spc="-1" strike="noStrike">
+              </a:endParaRPr>
+            </a:p>
+            <a:p>
+              <a:pPr marL="216000" indent="-216000">
+                <a:lnSpc>
+                  <a:spcPct val="150000"/>
+                </a:lnSpc>
+                <a:buClr>
+                  <a:srgbClr val="FF5900"/>
+                </a:buClr>
+                <a:buSzPct val="45000"/>
+                <a:buFont typeface="Wingdings" charset="2"/>
+                <a:buChar char=""/>
+              </a:pPr>
+              <a:r>
+                <a:rPr lang="pt-BR" sz="1300" b="0" strike="noStrike" spc="-1" dirty="0">
+                  <a:latin typeface="Arial"/>
+                </a:rPr>
+                <a:t>Power BI</a:t>
+              </a:r>
+            </a:p>
+          </p:txBody>
+        </p:sp>
+        <p:sp>
+          <p:nvSpPr>
+            <p:cNvPr id="95" name="CaixaDeTexto 94"/>
+            <p:cNvSpPr txBox="1"/>
+            <p:nvPr/>
+          </p:nvSpPr>
+          <p:spPr>
+            <a:xfrm>
+              <a:off x="6420000" y="4860000"/>
+              <a:ext cx="2520000" cy="1472760"/>
+            </a:xfrm>
+            <a:prstGeom prst="rect">
+              <a:avLst/>
+            </a:prstGeom>
+            <a:noFill/>
+            <a:ln w="0">
+              <a:noFill/>
+            </a:ln>
+          </p:spPr>
+          <p:txBody>
+            <a:bodyPr lIns="90000" tIns="45000" rIns="90000" bIns="45000">
+              <a:noAutofit/>
+            </a:bodyPr>
+            <a:lstStyle/>
+            <a:p>
+              <a:pPr marL="216000" indent="-216000">
+                <a:lnSpc>
+                  <a:spcPct val="150000"/>
+                </a:lnSpc>
+                <a:buClr>
+                  <a:srgbClr val="FF5900"/>
+                </a:buClr>
+                <a:buSzPct val="45000"/>
+                <a:buFont typeface="Wingdings" charset="2"/>
+                <a:buChar char=""/>
+              </a:pPr>
+              <a:r>
+                <a:rPr lang="pt-BR" sz="1300" b="0" strike="noStrike" spc="-1">
+                  <a:latin typeface="Arial"/>
+                </a:rPr>
+                <a:t>Conceitos de Big Dara</a:t>
+              </a:r>
+            </a:p>
+            <a:p>
+              <a:pPr marL="216000" indent="-216000">
+                <a:lnSpc>
+                  <a:spcPct val="150000"/>
+                </a:lnSpc>
+                <a:buClr>
+                  <a:srgbClr val="FF5900"/>
+                </a:buClr>
+                <a:buSzPct val="45000"/>
+                <a:buFont typeface="Wingdings" charset="2"/>
+                <a:buChar char=""/>
+              </a:pPr>
+              <a:r>
+                <a:rPr lang="pt-BR" sz="1300" b="0" strike="noStrike" spc="-1">
+                  <a:latin typeface="Arial"/>
+                </a:rPr>
+                <a:t>Hadoop, Hive e Spark</a:t>
+              </a:r>
+            </a:p>
+            <a:p>
+              <a:pPr marL="216000" indent="-216000">
+                <a:lnSpc>
+                  <a:spcPct val="150000"/>
+                </a:lnSpc>
+                <a:buClr>
+                  <a:srgbClr val="FF5900"/>
+                </a:buClr>
+                <a:buSzPct val="45000"/>
+                <a:buFont typeface="Wingdings" charset="2"/>
+                <a:buChar char=""/>
+              </a:pPr>
+              <a:r>
+                <a:rPr lang="pt-BR" sz="1300" b="0" strike="noStrike" spc="-1">
+                  <a:latin typeface="Arial"/>
+                </a:rPr>
+                <a:t>Streaming vs. Batch</a:t>
+              </a:r>
+            </a:p>
+            <a:p>
+              <a:pPr marL="216000" indent="-216000">
+                <a:lnSpc>
+                  <a:spcPct val="150000"/>
+                </a:lnSpc>
+                <a:buClr>
+                  <a:srgbClr val="FF5900"/>
+                </a:buClr>
+                <a:buSzPct val="45000"/>
+                <a:buFont typeface="Wingdings" charset="2"/>
+                <a:buChar char=""/>
+              </a:pPr>
+              <a:r>
+                <a:rPr lang="pt-BR" sz="1300" b="0" strike="noStrike" spc="-1">
+                  <a:latin typeface="Arial"/>
+                </a:rPr>
+                <a:t>Containers</a:t>
+              </a:r>
+            </a:p>
+            <a:p>
+              <a:pPr marL="216000" indent="-216000">
+                <a:lnSpc>
+                  <a:spcPct val="150000"/>
+                </a:lnSpc>
+                <a:buClr>
+                  <a:srgbClr val="FF5900"/>
+                </a:buClr>
+                <a:buSzPct val="45000"/>
+                <a:buFont typeface="Wingdings" charset="2"/>
+                <a:buChar char=""/>
+              </a:pPr>
+              <a:r>
+                <a:rPr lang="pt-BR" sz="1300" b="0" strike="noStrike" spc="-1">
+                  <a:latin typeface="Arial"/>
+                </a:rPr>
+                <a:t>AWS</a:t>
+              </a:r>
+            </a:p>
+          </p:txBody>
+        </p:sp>
+        <p:sp>
+          <p:nvSpPr>
+            <p:cNvPr id="96" name="CaixaDeTexto 95"/>
+            <p:cNvSpPr txBox="1"/>
+            <p:nvPr/>
+          </p:nvSpPr>
+          <p:spPr>
+            <a:xfrm>
+              <a:off x="9180000" y="4860000"/>
+              <a:ext cx="2520000" cy="1196280"/>
+            </a:xfrm>
+            <a:prstGeom prst="rect">
+              <a:avLst/>
+            </a:prstGeom>
+            <a:noFill/>
+            <a:ln w="0">
+              <a:noFill/>
+            </a:ln>
+          </p:spPr>
+          <p:txBody>
+            <a:bodyPr lIns="90000" tIns="45000" rIns="90000" bIns="45000">
+              <a:noAutofit/>
+            </a:bodyPr>
+            <a:lstStyle/>
+            <a:p>
+              <a:pPr marL="216000" indent="-216000">
+                <a:lnSpc>
+                  <a:spcPct val="150000"/>
+                </a:lnSpc>
+                <a:buClr>
+                  <a:srgbClr val="FF5900"/>
+                </a:buClr>
+                <a:buSzPct val="45000"/>
+                <a:buFont typeface="Wingdings" charset="2"/>
+                <a:buChar char=""/>
+              </a:pPr>
+              <a:r>
+                <a:rPr lang="pt-BR" sz="1300" b="0" strike="noStrike" spc="-1">
+                  <a:latin typeface="Arial"/>
+                </a:rPr>
+                <a:t>Regressões</a:t>
+              </a:r>
+            </a:p>
+            <a:p>
+              <a:pPr marL="216000" indent="-216000">
+                <a:lnSpc>
+                  <a:spcPct val="150000"/>
+                </a:lnSpc>
+                <a:buClr>
+                  <a:srgbClr val="FF5900"/>
+                </a:buClr>
+                <a:buSzPct val="45000"/>
+                <a:buFont typeface="Wingdings" charset="2"/>
+                <a:buChar char=""/>
+              </a:pPr>
+              <a:r>
+                <a:rPr lang="pt-BR" sz="1300" b="0" strike="noStrike" spc="-1">
+                  <a:latin typeface="Arial"/>
+                </a:rPr>
+                <a:t>Árvores de Decisão</a:t>
+              </a:r>
+            </a:p>
+            <a:p>
+              <a:pPr marL="216000" indent="-216000">
+                <a:lnSpc>
+                  <a:spcPct val="150000"/>
+                </a:lnSpc>
+                <a:buClr>
+                  <a:srgbClr val="FF5900"/>
+                </a:buClr>
+                <a:buSzPct val="45000"/>
+                <a:buFont typeface="Wingdings" charset="2"/>
+                <a:buChar char=""/>
+              </a:pPr>
+              <a:r>
+                <a:rPr lang="pt-BR" sz="1300" b="0" strike="noStrike" spc="-1">
+                  <a:latin typeface="Arial"/>
+                </a:rPr>
+                <a:t>Métodos de Emsemble</a:t>
+              </a:r>
+            </a:p>
+            <a:p>
+              <a:pPr marL="216000" indent="-216000">
+                <a:lnSpc>
+                  <a:spcPct val="150000"/>
+                </a:lnSpc>
+                <a:buClr>
+                  <a:srgbClr val="FF5900"/>
+                </a:buClr>
+                <a:buSzPct val="45000"/>
+                <a:buFont typeface="Wingdings" charset="2"/>
+                <a:buChar char=""/>
+              </a:pPr>
+              <a:r>
+                <a:rPr lang="pt-BR" sz="1300" b="0" strike="noStrike" spc="-1">
+                  <a:latin typeface="Arial"/>
+                </a:rPr>
+                <a:t>Algoritmos de Agrupamento</a:t>
+              </a:r>
+            </a:p>
+          </p:txBody>
+        </p:sp>
+        <p:sp>
+          <p:nvSpPr>
+            <p:cNvPr id="97" name="CaixaDeTexto 96"/>
+            <p:cNvSpPr txBox="1"/>
+            <p:nvPr/>
+          </p:nvSpPr>
+          <p:spPr>
+            <a:xfrm>
+              <a:off x="900000" y="2034080"/>
+              <a:ext cx="2520000" cy="346320"/>
+            </a:xfrm>
+            <a:prstGeom prst="rect">
+              <a:avLst/>
+            </a:prstGeom>
+            <a:solidFill>
+              <a:srgbClr val="FF5900"/>
+            </a:solidFill>
+            <a:ln w="0">
+              <a:noFill/>
+            </a:ln>
+          </p:spPr>
+          <p:txBody>
+            <a:bodyPr lIns="90000" tIns="45000" rIns="90000" bIns="45000">
+              <a:noAutofit/>
+            </a:bodyPr>
+            <a:lstStyle/>
+            <a:p>
+              <a:pPr algn="ctr"/>
+              <a:r>
+                <a:rPr lang="pt-BR" sz="1800" b="1" strike="noStrike" spc="-1" dirty="0">
+                  <a:solidFill>
+                    <a:schemeClr val="bg1"/>
+                  </a:solidFill>
+                  <a:latin typeface="Arial"/>
+                </a:rPr>
+                <a:t>Linux e </a:t>
+              </a:r>
+              <a:r>
+                <a:rPr lang="pt-BR" sz="1800" b="1" strike="noStrike" spc="-1" dirty="0" err="1">
+                  <a:solidFill>
+                    <a:schemeClr val="bg1"/>
+                  </a:solidFill>
+                  <a:latin typeface="Arial"/>
+                </a:rPr>
+                <a:t>Git</a:t>
+              </a:r>
+              <a:endParaRPr lang="pt-BR" sz="1800" b="1" strike="noStrike" spc="-1" dirty="0">
+                <a:solidFill>
+                  <a:schemeClr val="bg1"/>
+                </a:solidFill>
                 <a:latin typeface="Arial"/>
-              </a:rPr>
-              <a:t>Orientação a Objetos</a:t>
-            </a:r>
-            <a:endParaRPr b="0" lang="pt-BR" sz="1300" spc="-1" strike="noStrike">
-              <a:latin typeface="Arial"/>
-            </a:endParaRPr>
-          </a:p>
-          <a:p>
-            <a:pPr marL="216000" indent="-216000">
-              <a:lnSpc>
-                <a:spcPct val="150000"/>
-              </a:lnSpc>
-              <a:buClr>
-                <a:srgbClr val="ff5900"/>
-              </a:buClr>
-              <a:buSzPct val="45000"/>
-              <a:buFont typeface="Wingdings" charset="2"/>
-              <a:buChar char=""/>
-            </a:pPr>
-            <a:r>
-              <a:rPr b="0" lang="pt-BR" sz="1300" spc="-1" strike="noStrike">
+              </a:endParaRPr>
+            </a:p>
+          </p:txBody>
+        </p:sp>
+        <p:sp>
+          <p:nvSpPr>
+            <p:cNvPr id="14" name="CaixaDeTexto 13">
+              <a:extLst>
+                <a:ext uri="{FF2B5EF4-FFF2-40B4-BE49-F238E27FC236}">
+                  <a16:creationId xmlns:a16="http://schemas.microsoft.com/office/drawing/2014/main" id="{942DEBCA-2AC5-4E96-815D-A2CB7AA69668}"/>
+                </a:ext>
+              </a:extLst>
+            </p:cNvPr>
+            <p:cNvSpPr txBox="1"/>
+            <p:nvPr/>
+          </p:nvSpPr>
+          <p:spPr>
+            <a:xfrm>
+              <a:off x="3660000" y="2032980"/>
+              <a:ext cx="2520000" cy="346320"/>
+            </a:xfrm>
+            <a:prstGeom prst="rect">
+              <a:avLst/>
+            </a:prstGeom>
+            <a:solidFill>
+              <a:srgbClr val="FF5900"/>
+            </a:solidFill>
+            <a:ln w="0">
+              <a:noFill/>
+            </a:ln>
+          </p:spPr>
+          <p:txBody>
+            <a:bodyPr lIns="90000" tIns="45000" rIns="90000" bIns="45000">
+              <a:noAutofit/>
+            </a:bodyPr>
+            <a:lstStyle/>
+            <a:p>
+              <a:pPr algn="ctr"/>
+              <a:r>
+                <a:rPr lang="pt-BR" sz="1800" b="1" strike="noStrike" spc="-1" dirty="0">
+                  <a:solidFill>
+                    <a:schemeClr val="bg1"/>
+                  </a:solidFill>
+                  <a:latin typeface="Arial"/>
+                </a:rPr>
+                <a:t>Python</a:t>
+              </a:r>
+            </a:p>
+          </p:txBody>
+        </p:sp>
+        <p:sp>
+          <p:nvSpPr>
+            <p:cNvPr id="15" name="CaixaDeTexto 14">
+              <a:extLst>
+                <a:ext uri="{FF2B5EF4-FFF2-40B4-BE49-F238E27FC236}">
+                  <a16:creationId xmlns:a16="http://schemas.microsoft.com/office/drawing/2014/main" id="{7B8C0C1F-E9C4-46CA-8FF5-F8602DB5BD92}"/>
+                </a:ext>
+              </a:extLst>
+            </p:cNvPr>
+            <p:cNvSpPr txBox="1"/>
+            <p:nvPr/>
+          </p:nvSpPr>
+          <p:spPr>
+            <a:xfrm>
+              <a:off x="6420000" y="2033064"/>
+              <a:ext cx="2520000" cy="346320"/>
+            </a:xfrm>
+            <a:prstGeom prst="rect">
+              <a:avLst/>
+            </a:prstGeom>
+            <a:solidFill>
+              <a:srgbClr val="FF5900"/>
+            </a:solidFill>
+            <a:ln w="0">
+              <a:noFill/>
+            </a:ln>
+          </p:spPr>
+          <p:txBody>
+            <a:bodyPr lIns="90000" tIns="45000" rIns="90000" bIns="45000">
+              <a:noAutofit/>
+            </a:bodyPr>
+            <a:lstStyle/>
+            <a:p>
+              <a:pPr algn="ctr"/>
+              <a:r>
+                <a:rPr lang="pt-BR" sz="1800" b="1" strike="noStrike" spc="-1" dirty="0">
+                  <a:solidFill>
+                    <a:schemeClr val="bg1"/>
+                  </a:solidFill>
+                  <a:latin typeface="Arial"/>
+                </a:rPr>
+                <a:t>Banco de Dados</a:t>
+              </a:r>
+            </a:p>
+          </p:txBody>
+        </p:sp>
+        <p:sp>
+          <p:nvSpPr>
+            <p:cNvPr id="16" name="CaixaDeTexto 15">
+              <a:extLst>
+                <a:ext uri="{FF2B5EF4-FFF2-40B4-BE49-F238E27FC236}">
+                  <a16:creationId xmlns:a16="http://schemas.microsoft.com/office/drawing/2014/main" id="{32607C2B-7457-448E-AFF8-186B00DAFFAA}"/>
+                </a:ext>
+              </a:extLst>
+            </p:cNvPr>
+            <p:cNvSpPr txBox="1"/>
+            <p:nvPr/>
+          </p:nvSpPr>
+          <p:spPr>
+            <a:xfrm>
+              <a:off x="9180000" y="2032980"/>
+              <a:ext cx="2520000" cy="346320"/>
+            </a:xfrm>
+            <a:prstGeom prst="rect">
+              <a:avLst/>
+            </a:prstGeom>
+            <a:solidFill>
+              <a:srgbClr val="FF5900"/>
+            </a:solidFill>
+            <a:ln w="0">
+              <a:noFill/>
+            </a:ln>
+          </p:spPr>
+          <p:txBody>
+            <a:bodyPr lIns="90000" tIns="45000" rIns="90000" bIns="45000">
+              <a:noAutofit/>
+            </a:bodyPr>
+            <a:lstStyle/>
+            <a:p>
+              <a:pPr algn="ctr"/>
+              <a:r>
+                <a:rPr lang="pt-BR" sz="1800" b="1" strike="noStrike" spc="-1" dirty="0">
+                  <a:solidFill>
+                    <a:schemeClr val="bg1"/>
+                  </a:solidFill>
+                  <a:latin typeface="Arial"/>
+                </a:rPr>
+                <a:t>Data Toolbox</a:t>
+              </a:r>
+            </a:p>
+          </p:txBody>
+        </p:sp>
+        <p:sp>
+          <p:nvSpPr>
+            <p:cNvPr id="17" name="CaixaDeTexto 16">
+              <a:extLst>
+                <a:ext uri="{FF2B5EF4-FFF2-40B4-BE49-F238E27FC236}">
+                  <a16:creationId xmlns:a16="http://schemas.microsoft.com/office/drawing/2014/main" id="{A38BA007-B17A-4C0B-8980-3A70DDFC893A}"/>
+                </a:ext>
+              </a:extLst>
+            </p:cNvPr>
+            <p:cNvSpPr txBox="1"/>
+            <p:nvPr/>
+          </p:nvSpPr>
+          <p:spPr>
+            <a:xfrm>
+              <a:off x="900000" y="4513680"/>
+              <a:ext cx="2520000" cy="346320"/>
+            </a:xfrm>
+            <a:prstGeom prst="rect">
+              <a:avLst/>
+            </a:prstGeom>
+            <a:solidFill>
+              <a:srgbClr val="FF5900"/>
+            </a:solidFill>
+            <a:ln w="0">
+              <a:noFill/>
+            </a:ln>
+          </p:spPr>
+          <p:txBody>
+            <a:bodyPr lIns="90000" tIns="45000" rIns="90000" bIns="45000">
+              <a:noAutofit/>
+            </a:bodyPr>
+            <a:lstStyle/>
+            <a:p>
+              <a:pPr algn="ctr"/>
+              <a:r>
+                <a:rPr lang="pt-BR" sz="1400" b="1" spc="-1" dirty="0">
+                  <a:solidFill>
+                    <a:schemeClr val="bg1"/>
+                  </a:solidFill>
+                  <a:latin typeface="Arial"/>
+                </a:rPr>
+                <a:t>Matemática e Estatística</a:t>
+              </a:r>
+              <a:endParaRPr lang="pt-BR" sz="1400" b="1" strike="noStrike" spc="-1" dirty="0">
+                <a:solidFill>
+                  <a:schemeClr val="bg1"/>
+                </a:solidFill>
                 <a:latin typeface="Arial"/>
-              </a:rPr>
-              <a:t>Algoritmos</a:t>
-            </a:r>
-            <a:endParaRPr b="0" lang="pt-BR" sz="1300" spc="-1" strike="noStrike">
-              <a:latin typeface="Arial"/>
-            </a:endParaRPr>
-          </a:p>
-        </p:txBody>
-      </p:sp>
-      <p:sp>
-        <p:nvSpPr>
-          <p:cNvPr id="91" name=""/>
-          <p:cNvSpPr txBox="1"/>
-          <p:nvPr/>
-        </p:nvSpPr>
-        <p:spPr>
-          <a:xfrm>
-            <a:off x="6480000" y="2464200"/>
-            <a:ext cx="2520000" cy="720000"/>
-          </a:xfrm>
-          <a:prstGeom prst="rect">
-            <a:avLst/>
-          </a:prstGeom>
-          <a:noFill/>
-          <a:ln w="0">
+              </a:endParaRPr>
+            </a:p>
+          </p:txBody>
+        </p:sp>
+        <p:sp>
+          <p:nvSpPr>
+            <p:cNvPr id="18" name="CaixaDeTexto 17">
+              <a:extLst>
+                <a:ext uri="{FF2B5EF4-FFF2-40B4-BE49-F238E27FC236}">
+                  <a16:creationId xmlns:a16="http://schemas.microsoft.com/office/drawing/2014/main" id="{B10DF709-1C21-4A72-8F1B-4EB343D4AF66}"/>
+                </a:ext>
+              </a:extLst>
+            </p:cNvPr>
+            <p:cNvSpPr txBox="1"/>
+            <p:nvPr/>
+          </p:nvSpPr>
+          <p:spPr>
+            <a:xfrm>
+              <a:off x="3660000" y="4512580"/>
+              <a:ext cx="2520000" cy="346320"/>
+            </a:xfrm>
+            <a:prstGeom prst="rect">
+              <a:avLst/>
+            </a:prstGeom>
+            <a:solidFill>
+              <a:srgbClr val="FF5900"/>
+            </a:solidFill>
+            <a:ln w="0">
+              <a:noFill/>
+            </a:ln>
+          </p:spPr>
+          <p:txBody>
+            <a:bodyPr lIns="90000" tIns="45000" rIns="90000" bIns="45000">
+              <a:noAutofit/>
+            </a:bodyPr>
+            <a:lstStyle/>
+            <a:p>
+              <a:pPr algn="ctr"/>
+              <a:r>
+                <a:rPr lang="pt-BR" sz="1400" b="1" strike="noStrike" spc="-1" dirty="0" err="1">
+                  <a:solidFill>
+                    <a:schemeClr val="bg1"/>
+                  </a:solidFill>
+                  <a:latin typeface="Arial"/>
+                </a:rPr>
+                <a:t>Agile</a:t>
+              </a:r>
+              <a:r>
+                <a:rPr lang="pt-BR" sz="1400" b="1" strike="noStrike" spc="-1" dirty="0">
+                  <a:solidFill>
+                    <a:schemeClr val="bg1"/>
+                  </a:solidFill>
+                  <a:latin typeface="Arial"/>
+                </a:rPr>
+                <a:t> e </a:t>
+              </a:r>
+              <a:r>
+                <a:rPr lang="pt-BR" sz="1400" b="1" strike="noStrike" spc="-1" dirty="0" err="1">
+                  <a:solidFill>
+                    <a:schemeClr val="bg1"/>
+                  </a:solidFill>
+                  <a:latin typeface="Arial"/>
+                </a:rPr>
+                <a:t>Decision</a:t>
+              </a:r>
+              <a:r>
+                <a:rPr lang="pt-BR" sz="1400" b="1" strike="noStrike" spc="-1" dirty="0">
+                  <a:solidFill>
+                    <a:schemeClr val="bg1"/>
+                  </a:solidFill>
+                  <a:latin typeface="Arial"/>
+                </a:rPr>
+                <a:t> Science</a:t>
+              </a:r>
+            </a:p>
+          </p:txBody>
+        </p:sp>
+        <p:sp>
+          <p:nvSpPr>
+            <p:cNvPr id="19" name="CaixaDeTexto 18">
+              <a:extLst>
+                <a:ext uri="{FF2B5EF4-FFF2-40B4-BE49-F238E27FC236}">
+                  <a16:creationId xmlns:a16="http://schemas.microsoft.com/office/drawing/2014/main" id="{CF83B297-E1D9-4AF6-9C27-17A76355DDDA}"/>
+                </a:ext>
+              </a:extLst>
+            </p:cNvPr>
+            <p:cNvSpPr txBox="1"/>
+            <p:nvPr/>
+          </p:nvSpPr>
+          <p:spPr>
+            <a:xfrm>
+              <a:off x="6420000" y="4512664"/>
+              <a:ext cx="2520000" cy="346320"/>
+            </a:xfrm>
+            <a:prstGeom prst="rect">
+              <a:avLst/>
+            </a:prstGeom>
+            <a:solidFill>
+              <a:srgbClr val="FF5900"/>
+            </a:solidFill>
+            <a:ln w="0">
+              <a:noFill/>
+            </a:ln>
+          </p:spPr>
+          <p:txBody>
+            <a:bodyPr lIns="90000" tIns="45000" rIns="90000" bIns="45000">
+              <a:noAutofit/>
+            </a:bodyPr>
+            <a:lstStyle/>
+            <a:p>
+              <a:pPr algn="ctr"/>
+              <a:r>
+                <a:rPr lang="pt-BR" sz="1800" b="1" strike="noStrike" spc="-1" dirty="0">
+                  <a:solidFill>
+                    <a:schemeClr val="bg1"/>
+                  </a:solidFill>
+                  <a:latin typeface="Arial"/>
+                </a:rPr>
+                <a:t>Data </a:t>
+              </a:r>
+              <a:r>
+                <a:rPr lang="pt-BR" sz="1800" b="1" strike="noStrike" spc="-1" dirty="0" err="1">
+                  <a:solidFill>
+                    <a:schemeClr val="bg1"/>
+                  </a:solidFill>
+                  <a:latin typeface="Arial"/>
+                </a:rPr>
+                <a:t>Engineering</a:t>
+              </a:r>
+              <a:endParaRPr lang="pt-BR" sz="1800" b="1" strike="noStrike" spc="-1" dirty="0">
+                <a:solidFill>
+                  <a:schemeClr val="bg1"/>
+                </a:solidFill>
+                <a:latin typeface="Arial"/>
+              </a:endParaRPr>
+            </a:p>
+          </p:txBody>
+        </p:sp>
+        <p:sp>
+          <p:nvSpPr>
+            <p:cNvPr id="20" name="CaixaDeTexto 19">
+              <a:extLst>
+                <a:ext uri="{FF2B5EF4-FFF2-40B4-BE49-F238E27FC236}">
+                  <a16:creationId xmlns:a16="http://schemas.microsoft.com/office/drawing/2014/main" id="{3C7C6107-3DDD-43ED-80B6-BE1B006376B7}"/>
+                </a:ext>
+              </a:extLst>
+            </p:cNvPr>
+            <p:cNvSpPr txBox="1"/>
+            <p:nvPr/>
+          </p:nvSpPr>
+          <p:spPr>
+            <a:xfrm>
+              <a:off x="9180000" y="4512580"/>
+              <a:ext cx="2520000" cy="346320"/>
+            </a:xfrm>
+            <a:prstGeom prst="rect">
+              <a:avLst/>
+            </a:prstGeom>
+            <a:solidFill>
+              <a:srgbClr val="FF5900"/>
+            </a:solidFill>
+            <a:ln w="0">
+              <a:noFill/>
+            </a:ln>
+          </p:spPr>
+          <p:txBody>
+            <a:bodyPr lIns="90000" tIns="45000" rIns="90000" bIns="45000">
+              <a:noAutofit/>
+            </a:bodyPr>
+            <a:lstStyle/>
+            <a:p>
+              <a:pPr algn="ctr"/>
+              <a:r>
+                <a:rPr lang="pt-BR" sz="1800" b="1" strike="noStrike" spc="-1" dirty="0">
+                  <a:solidFill>
+                    <a:schemeClr val="bg1"/>
+                  </a:solidFill>
+                  <a:latin typeface="Arial"/>
+                </a:rPr>
+                <a:t>Data Science</a:t>
+              </a:r>
+            </a:p>
+          </p:txBody>
+        </p:sp>
+        <p:sp>
+          <p:nvSpPr>
+            <p:cNvPr id="2" name="CaixaDeTexto 1">
+              <a:extLst>
+                <a:ext uri="{FF2B5EF4-FFF2-40B4-BE49-F238E27FC236}">
+                  <a16:creationId xmlns:a16="http://schemas.microsoft.com/office/drawing/2014/main" id="{AA92AFEB-5600-4423-B846-4D149A911618}"/>
+                </a:ext>
+              </a:extLst>
+            </p:cNvPr>
+            <p:cNvSpPr txBox="1"/>
+            <p:nvPr/>
+          </p:nvSpPr>
+          <p:spPr>
+            <a:xfrm>
+              <a:off x="900000" y="1741683"/>
+              <a:ext cx="2520000" cy="276999"/>
+            </a:xfrm>
+            <a:prstGeom prst="rect">
+              <a:avLst/>
+            </a:prstGeom>
             <a:noFill/>
-          </a:ln>
-        </p:spPr>
-        <p:txBody>
-          <a:bodyPr lIns="90000" rIns="90000" tIns="45000" bIns="45000">
-            <a:noAutofit/>
-          </a:bodyPr>
-          <a:p>
-            <a:pPr marL="216000" indent="-216000">
-              <a:lnSpc>
-                <a:spcPct val="150000"/>
-              </a:lnSpc>
-              <a:buClr>
-                <a:srgbClr val="ff5900"/>
-              </a:buClr>
-              <a:buSzPct val="45000"/>
-              <a:buFont typeface="Wingdings" charset="2"/>
-              <a:buChar char=""/>
-            </a:pPr>
-            <a:r>
-              <a:rPr b="0" lang="pt-BR" sz="1300" spc="-1" strike="noStrike">
-                <a:latin typeface="Arial"/>
-              </a:rPr>
-              <a:t>SQL</a:t>
-            </a:r>
-            <a:endParaRPr b="0" lang="pt-BR" sz="1300" spc="-1" strike="noStrike">
-              <a:latin typeface="Arial"/>
-            </a:endParaRPr>
-          </a:p>
-          <a:p>
-            <a:pPr marL="216000" indent="-216000">
-              <a:lnSpc>
-                <a:spcPct val="150000"/>
-              </a:lnSpc>
-              <a:buClr>
-                <a:srgbClr val="ff5900"/>
-              </a:buClr>
-              <a:buSzPct val="45000"/>
-              <a:buFont typeface="Wingdings" charset="2"/>
-              <a:buChar char=""/>
-            </a:pPr>
-            <a:r>
-              <a:rPr b="0" lang="pt-BR" sz="1300" spc="-1" strike="noStrike">
-                <a:latin typeface="Arial"/>
-              </a:rPr>
-              <a:t>Modelagem de Dados</a:t>
-            </a:r>
-            <a:endParaRPr b="0" lang="pt-BR" sz="1300" spc="-1" strike="noStrike">
-              <a:latin typeface="Arial"/>
-            </a:endParaRPr>
-          </a:p>
-        </p:txBody>
-      </p:sp>
-      <p:sp>
-        <p:nvSpPr>
-          <p:cNvPr id="92" name=""/>
-          <p:cNvSpPr txBox="1"/>
-          <p:nvPr/>
-        </p:nvSpPr>
-        <p:spPr>
-          <a:xfrm>
-            <a:off x="9180000" y="2464200"/>
-            <a:ext cx="2520000" cy="1196280"/>
-          </a:xfrm>
-          <a:prstGeom prst="rect">
-            <a:avLst/>
-          </a:prstGeom>
-          <a:noFill/>
-          <a:ln w="0">
+          </p:spPr>
+          <p:txBody>
+            <a:bodyPr wrap="square" rtlCol="0">
+              <a:spAutoFit/>
+            </a:bodyPr>
+            <a:lstStyle/>
+            <a:p>
+              <a:pPr algn="ctr"/>
+              <a:r>
+                <a:rPr lang="pt-BR" sz="1200" b="1" dirty="0"/>
+                <a:t>2 SEMANAS</a:t>
+              </a:r>
+            </a:p>
+          </p:txBody>
+        </p:sp>
+        <p:sp>
+          <p:nvSpPr>
+            <p:cNvPr id="22" name="CaixaDeTexto 21">
+              <a:extLst>
+                <a:ext uri="{FF2B5EF4-FFF2-40B4-BE49-F238E27FC236}">
+                  <a16:creationId xmlns:a16="http://schemas.microsoft.com/office/drawing/2014/main" id="{1410E792-FF2E-439B-A7DD-884F4245C958}"/>
+                </a:ext>
+              </a:extLst>
+            </p:cNvPr>
+            <p:cNvSpPr txBox="1"/>
+            <p:nvPr/>
+          </p:nvSpPr>
+          <p:spPr>
+            <a:xfrm>
+              <a:off x="3660000" y="1741683"/>
+              <a:ext cx="2520000" cy="276999"/>
+            </a:xfrm>
+            <a:prstGeom prst="rect">
+              <a:avLst/>
+            </a:prstGeom>
             <a:noFill/>
-          </a:ln>
-        </p:spPr>
-        <p:txBody>
-          <a:bodyPr lIns="90000" rIns="90000" tIns="45000" bIns="45000">
-            <a:noAutofit/>
-          </a:bodyPr>
-          <a:p>
-            <a:pPr marL="216000" indent="-216000">
-              <a:lnSpc>
-                <a:spcPct val="150000"/>
-              </a:lnSpc>
-              <a:buClr>
-                <a:srgbClr val="ff5900"/>
-              </a:buClr>
-              <a:buSzPct val="45000"/>
-              <a:buFont typeface="Wingdings" charset="2"/>
-              <a:buChar char=""/>
-            </a:pPr>
-            <a:r>
-              <a:rPr b="0" lang="pt-BR" sz="1300" spc="-1" strike="noStrike">
-                <a:latin typeface="Arial"/>
-              </a:rPr>
-              <a:t>Numpy</a:t>
-            </a:r>
-            <a:endParaRPr b="0" lang="pt-BR" sz="1300" spc="-1" strike="noStrike">
-              <a:latin typeface="Arial"/>
-            </a:endParaRPr>
-          </a:p>
-          <a:p>
-            <a:pPr marL="216000" indent="-216000">
-              <a:lnSpc>
-                <a:spcPct val="150000"/>
-              </a:lnSpc>
-              <a:buClr>
-                <a:srgbClr val="ff5900"/>
-              </a:buClr>
-              <a:buSzPct val="45000"/>
-              <a:buFont typeface="Wingdings" charset="2"/>
-              <a:buChar char=""/>
-            </a:pPr>
-            <a:r>
-              <a:rPr b="0" lang="pt-BR" sz="1300" spc="-1" strike="noStrike">
-                <a:latin typeface="Arial"/>
-              </a:rPr>
-              <a:t>Pandas</a:t>
-            </a:r>
-            <a:endParaRPr b="0" lang="pt-BR" sz="1300" spc="-1" strike="noStrike">
-              <a:latin typeface="Arial"/>
-            </a:endParaRPr>
-          </a:p>
-          <a:p>
-            <a:pPr marL="216000" indent="-216000">
-              <a:lnSpc>
-                <a:spcPct val="150000"/>
-              </a:lnSpc>
-              <a:buClr>
-                <a:srgbClr val="ff5900"/>
-              </a:buClr>
-              <a:buSzPct val="45000"/>
-              <a:buFont typeface="Wingdings" charset="2"/>
-              <a:buChar char=""/>
-            </a:pPr>
-            <a:r>
-              <a:rPr b="0" lang="pt-BR" sz="1300" spc="-1" strike="noStrike">
-                <a:latin typeface="Arial"/>
-              </a:rPr>
-              <a:t>Seaborn/Matplotlib</a:t>
-            </a:r>
-            <a:endParaRPr b="0" lang="pt-BR" sz="1300" spc="-1" strike="noStrike">
-              <a:latin typeface="Arial"/>
-            </a:endParaRPr>
-          </a:p>
-          <a:p>
-            <a:pPr marL="216000" indent="-216000">
-              <a:lnSpc>
-                <a:spcPct val="150000"/>
-              </a:lnSpc>
-              <a:buClr>
-                <a:srgbClr val="ff5900"/>
-              </a:buClr>
-              <a:buSzPct val="45000"/>
-              <a:buFont typeface="Wingdings" charset="2"/>
-              <a:buChar char=""/>
-            </a:pPr>
-            <a:r>
-              <a:rPr b="0" lang="pt-BR" sz="1300" spc="-1" strike="noStrike">
-                <a:latin typeface="Arial"/>
-              </a:rPr>
-              <a:t>Plotly</a:t>
-            </a:r>
-            <a:endParaRPr b="0" lang="pt-BR" sz="1300" spc="-1" strike="noStrike">
-              <a:latin typeface="Arial"/>
-            </a:endParaRPr>
-          </a:p>
-        </p:txBody>
-      </p:sp>
-      <p:sp>
-        <p:nvSpPr>
-          <p:cNvPr id="93" name=""/>
-          <p:cNvSpPr txBox="1"/>
-          <p:nvPr/>
-        </p:nvSpPr>
-        <p:spPr>
-          <a:xfrm>
-            <a:off x="900000" y="4860000"/>
-            <a:ext cx="2520000" cy="1196280"/>
-          </a:xfrm>
-          <a:prstGeom prst="rect">
-            <a:avLst/>
-          </a:prstGeom>
-          <a:noFill/>
-          <a:ln w="0">
+          </p:spPr>
+          <p:txBody>
+            <a:bodyPr wrap="square" rtlCol="0">
+              <a:spAutoFit/>
+            </a:bodyPr>
+            <a:lstStyle/>
+            <a:p>
+              <a:pPr algn="ctr"/>
+              <a:r>
+                <a:rPr lang="pt-BR" sz="1200" b="1" dirty="0"/>
+                <a:t>4 SEMANAS</a:t>
+              </a:r>
+            </a:p>
+          </p:txBody>
+        </p:sp>
+        <p:sp>
+          <p:nvSpPr>
+            <p:cNvPr id="23" name="CaixaDeTexto 22">
+              <a:extLst>
+                <a:ext uri="{FF2B5EF4-FFF2-40B4-BE49-F238E27FC236}">
+                  <a16:creationId xmlns:a16="http://schemas.microsoft.com/office/drawing/2014/main" id="{74EC53CE-EFD0-4FEE-B270-907576A09A4A}"/>
+                </a:ext>
+              </a:extLst>
+            </p:cNvPr>
+            <p:cNvSpPr txBox="1"/>
+            <p:nvPr/>
+          </p:nvSpPr>
+          <p:spPr>
+            <a:xfrm>
+              <a:off x="6420000" y="1741683"/>
+              <a:ext cx="2520000" cy="276999"/>
+            </a:xfrm>
+            <a:prstGeom prst="rect">
+              <a:avLst/>
+            </a:prstGeom>
             <a:noFill/>
-          </a:ln>
-        </p:spPr>
-        <p:txBody>
-          <a:bodyPr lIns="90000" rIns="90000" tIns="45000" bIns="45000">
-            <a:noAutofit/>
-          </a:bodyPr>
-          <a:p>
-            <a:pPr marL="216000" indent="-216000">
-              <a:lnSpc>
-                <a:spcPct val="150000"/>
-              </a:lnSpc>
-              <a:buClr>
-                <a:srgbClr val="ff5900"/>
-              </a:buClr>
-              <a:buSzPct val="45000"/>
-              <a:buFont typeface="Wingdings" charset="2"/>
-              <a:buChar char=""/>
-            </a:pPr>
-            <a:r>
-              <a:rPr b="0" lang="pt-BR" sz="1300" spc="-1" strike="noStrike">
-                <a:latin typeface="Arial"/>
-              </a:rPr>
-              <a:t>Estatística Descritiva</a:t>
-            </a:r>
-            <a:endParaRPr b="0" lang="pt-BR" sz="1300" spc="-1" strike="noStrike">
-              <a:latin typeface="Arial"/>
-            </a:endParaRPr>
-          </a:p>
-          <a:p>
-            <a:pPr marL="216000" indent="-216000">
-              <a:lnSpc>
-                <a:spcPct val="150000"/>
-              </a:lnSpc>
-              <a:buClr>
-                <a:srgbClr val="ff5900"/>
-              </a:buClr>
-              <a:buSzPct val="45000"/>
-              <a:buFont typeface="Wingdings" charset="2"/>
-              <a:buChar char=""/>
-            </a:pPr>
-            <a:r>
-              <a:rPr b="0" lang="pt-BR" sz="1300" spc="-1" strike="noStrike">
-                <a:latin typeface="Arial"/>
-              </a:rPr>
-              <a:t>Probabilidade</a:t>
-            </a:r>
-            <a:endParaRPr b="0" lang="pt-BR" sz="1300" spc="-1" strike="noStrike">
-              <a:latin typeface="Arial"/>
-            </a:endParaRPr>
-          </a:p>
-          <a:p>
-            <a:pPr marL="216000" indent="-216000">
-              <a:lnSpc>
-                <a:spcPct val="150000"/>
-              </a:lnSpc>
-              <a:buClr>
-                <a:srgbClr val="ff5900"/>
-              </a:buClr>
-              <a:buSzPct val="45000"/>
-              <a:buFont typeface="Wingdings" charset="2"/>
-              <a:buChar char=""/>
-            </a:pPr>
-            <a:r>
-              <a:rPr b="0" lang="pt-BR" sz="1300" spc="-1" strike="noStrike">
-                <a:latin typeface="Arial"/>
-              </a:rPr>
-              <a:t>Inferência</a:t>
-            </a:r>
-            <a:endParaRPr b="0" lang="pt-BR" sz="1300" spc="-1" strike="noStrike">
-              <a:latin typeface="Arial"/>
-            </a:endParaRPr>
-          </a:p>
-          <a:p>
-            <a:pPr marL="216000" indent="-216000">
-              <a:lnSpc>
-                <a:spcPct val="150000"/>
-              </a:lnSpc>
-              <a:buClr>
-                <a:srgbClr val="ff5900"/>
-              </a:buClr>
-              <a:buSzPct val="45000"/>
-              <a:buFont typeface="Wingdings" charset="2"/>
-              <a:buChar char=""/>
-            </a:pPr>
-            <a:r>
-              <a:rPr b="0" lang="pt-BR" sz="1300" spc="-1" strike="noStrike">
-                <a:latin typeface="Arial"/>
-              </a:rPr>
-              <a:t>Teste de Hipótese</a:t>
-            </a:r>
-            <a:endParaRPr b="0" lang="pt-BR" sz="1300" spc="-1" strike="noStrike">
-              <a:latin typeface="Arial"/>
-            </a:endParaRPr>
-          </a:p>
-        </p:txBody>
-      </p:sp>
-      <p:sp>
-        <p:nvSpPr>
-          <p:cNvPr id="94" name=""/>
-          <p:cNvSpPr txBox="1"/>
-          <p:nvPr/>
-        </p:nvSpPr>
-        <p:spPr>
-          <a:xfrm>
-            <a:off x="3780000" y="4860000"/>
-            <a:ext cx="2520000" cy="919800"/>
-          </a:xfrm>
-          <a:prstGeom prst="rect">
-            <a:avLst/>
-          </a:prstGeom>
-          <a:noFill/>
-          <a:ln w="0">
+          </p:spPr>
+          <p:txBody>
+            <a:bodyPr wrap="square" rtlCol="0">
+              <a:spAutoFit/>
+            </a:bodyPr>
+            <a:lstStyle/>
+            <a:p>
+              <a:pPr algn="ctr"/>
+              <a:r>
+                <a:rPr lang="pt-BR" sz="1200" b="1" dirty="0"/>
+                <a:t>3 SEMANAS</a:t>
+              </a:r>
+            </a:p>
+          </p:txBody>
+        </p:sp>
+        <p:sp>
+          <p:nvSpPr>
+            <p:cNvPr id="24" name="CaixaDeTexto 23">
+              <a:extLst>
+                <a:ext uri="{FF2B5EF4-FFF2-40B4-BE49-F238E27FC236}">
+                  <a16:creationId xmlns:a16="http://schemas.microsoft.com/office/drawing/2014/main" id="{2283B5F8-E3C2-41F4-A189-F39D345BDB1F}"/>
+                </a:ext>
+              </a:extLst>
+            </p:cNvPr>
+            <p:cNvSpPr txBox="1"/>
+            <p:nvPr/>
+          </p:nvSpPr>
+          <p:spPr>
+            <a:xfrm>
+              <a:off x="9180000" y="1741683"/>
+              <a:ext cx="2520000" cy="276999"/>
+            </a:xfrm>
+            <a:prstGeom prst="rect">
+              <a:avLst/>
+            </a:prstGeom>
             <a:noFill/>
-          </a:ln>
-        </p:spPr>
-        <p:txBody>
-          <a:bodyPr lIns="90000" rIns="90000" tIns="45000" bIns="45000">
-            <a:noAutofit/>
-          </a:bodyPr>
-          <a:p>
-            <a:pPr marL="216000" indent="-216000">
-              <a:lnSpc>
-                <a:spcPct val="150000"/>
-              </a:lnSpc>
-              <a:buClr>
-                <a:srgbClr val="ff5900"/>
-              </a:buClr>
-              <a:buSzPct val="45000"/>
-              <a:buFont typeface="Wingdings" charset="2"/>
-              <a:buChar char=""/>
-            </a:pPr>
-            <a:r>
-              <a:rPr b="0" lang="pt-BR" sz="1300" spc="-1" strike="noStrike">
-                <a:latin typeface="Arial"/>
-              </a:rPr>
-              <a:t>Agile</a:t>
-            </a:r>
-            <a:endParaRPr b="0" lang="pt-BR" sz="1300" spc="-1" strike="noStrike">
-              <a:latin typeface="Arial"/>
-            </a:endParaRPr>
-          </a:p>
-          <a:p>
-            <a:pPr marL="216000" indent="-216000">
-              <a:lnSpc>
-                <a:spcPct val="150000"/>
-              </a:lnSpc>
-              <a:buClr>
-                <a:srgbClr val="ff5900"/>
-              </a:buClr>
-              <a:buSzPct val="45000"/>
-              <a:buFont typeface="Wingdings" charset="2"/>
-              <a:buChar char=""/>
-            </a:pPr>
-            <a:r>
-              <a:rPr b="0" lang="pt-BR" sz="1300" spc="-1" strike="noStrike">
-                <a:latin typeface="Arial"/>
-              </a:rPr>
-              <a:t>Métricas e KPI’s</a:t>
-            </a:r>
-            <a:endParaRPr b="0" lang="pt-BR" sz="1300" spc="-1" strike="noStrike">
-              <a:latin typeface="Arial"/>
-            </a:endParaRPr>
-          </a:p>
-          <a:p>
-            <a:pPr marL="216000" indent="-216000">
-              <a:lnSpc>
-                <a:spcPct val="150000"/>
-              </a:lnSpc>
-              <a:buClr>
-                <a:srgbClr val="ff5900"/>
-              </a:buClr>
-              <a:buSzPct val="45000"/>
-              <a:buFont typeface="Wingdings" charset="2"/>
-              <a:buChar char=""/>
-            </a:pPr>
-            <a:r>
-              <a:rPr b="0" lang="pt-BR" sz="1300" spc="-1" strike="noStrike">
-                <a:latin typeface="Arial"/>
-              </a:rPr>
-              <a:t>Power BI</a:t>
-            </a:r>
-            <a:endParaRPr b="0" lang="pt-BR" sz="1300" spc="-1" strike="noStrike">
-              <a:latin typeface="Arial"/>
-            </a:endParaRPr>
-          </a:p>
-        </p:txBody>
-      </p:sp>
-      <p:sp>
-        <p:nvSpPr>
-          <p:cNvPr id="95" name=""/>
-          <p:cNvSpPr txBox="1"/>
-          <p:nvPr/>
-        </p:nvSpPr>
-        <p:spPr>
-          <a:xfrm>
-            <a:off x="6480000" y="4860000"/>
-            <a:ext cx="2520000" cy="1472760"/>
-          </a:xfrm>
-          <a:prstGeom prst="rect">
-            <a:avLst/>
-          </a:prstGeom>
-          <a:noFill/>
-          <a:ln w="0">
+          </p:spPr>
+          <p:txBody>
+            <a:bodyPr wrap="square" rtlCol="0">
+              <a:spAutoFit/>
+            </a:bodyPr>
+            <a:lstStyle/>
+            <a:p>
+              <a:pPr algn="ctr"/>
+              <a:r>
+                <a:rPr lang="pt-BR" sz="1200" b="1" dirty="0"/>
+                <a:t>2 SEMANAS</a:t>
+              </a:r>
+            </a:p>
+          </p:txBody>
+        </p:sp>
+        <p:sp>
+          <p:nvSpPr>
+            <p:cNvPr id="25" name="CaixaDeTexto 24">
+              <a:extLst>
+                <a:ext uri="{FF2B5EF4-FFF2-40B4-BE49-F238E27FC236}">
+                  <a16:creationId xmlns:a16="http://schemas.microsoft.com/office/drawing/2014/main" id="{67326D32-1E51-4CA3-BEA1-B13A7A7B9F81}"/>
+                </a:ext>
+              </a:extLst>
+            </p:cNvPr>
+            <p:cNvSpPr txBox="1"/>
+            <p:nvPr/>
+          </p:nvSpPr>
+          <p:spPr>
+            <a:xfrm>
+              <a:off x="900000" y="4246963"/>
+              <a:ext cx="2520000" cy="276999"/>
+            </a:xfrm>
+            <a:prstGeom prst="rect">
+              <a:avLst/>
+            </a:prstGeom>
             <a:noFill/>
-          </a:ln>
-        </p:spPr>
-        <p:txBody>
-          <a:bodyPr lIns="90000" rIns="90000" tIns="45000" bIns="45000">
-            <a:noAutofit/>
-          </a:bodyPr>
-          <a:p>
-            <a:pPr marL="216000" indent="-216000">
-              <a:lnSpc>
-                <a:spcPct val="150000"/>
-              </a:lnSpc>
-              <a:buClr>
-                <a:srgbClr val="ff5900"/>
-              </a:buClr>
-              <a:buSzPct val="45000"/>
-              <a:buFont typeface="Wingdings" charset="2"/>
-              <a:buChar char=""/>
-            </a:pPr>
-            <a:r>
-              <a:rPr b="0" lang="pt-BR" sz="1300" spc="-1" strike="noStrike">
-                <a:latin typeface="Arial"/>
-              </a:rPr>
-              <a:t>Conceitos de Big Dara</a:t>
-            </a:r>
-            <a:endParaRPr b="0" lang="pt-BR" sz="1300" spc="-1" strike="noStrike">
-              <a:latin typeface="Arial"/>
-            </a:endParaRPr>
-          </a:p>
-          <a:p>
-            <a:pPr marL="216000" indent="-216000">
-              <a:lnSpc>
-                <a:spcPct val="150000"/>
-              </a:lnSpc>
-              <a:buClr>
-                <a:srgbClr val="ff5900"/>
-              </a:buClr>
-              <a:buSzPct val="45000"/>
-              <a:buFont typeface="Wingdings" charset="2"/>
-              <a:buChar char=""/>
-            </a:pPr>
-            <a:r>
-              <a:rPr b="0" lang="pt-BR" sz="1300" spc="-1" strike="noStrike">
-                <a:latin typeface="Arial"/>
-              </a:rPr>
-              <a:t>Hadoop, Hive e Spark</a:t>
-            </a:r>
-            <a:endParaRPr b="0" lang="pt-BR" sz="1300" spc="-1" strike="noStrike">
-              <a:latin typeface="Arial"/>
-            </a:endParaRPr>
-          </a:p>
-          <a:p>
-            <a:pPr marL="216000" indent="-216000">
-              <a:lnSpc>
-                <a:spcPct val="150000"/>
-              </a:lnSpc>
-              <a:buClr>
-                <a:srgbClr val="ff5900"/>
-              </a:buClr>
-              <a:buSzPct val="45000"/>
-              <a:buFont typeface="Wingdings" charset="2"/>
-              <a:buChar char=""/>
-            </a:pPr>
-            <a:r>
-              <a:rPr b="0" lang="pt-BR" sz="1300" spc="-1" strike="noStrike">
-                <a:latin typeface="Arial"/>
-              </a:rPr>
-              <a:t>Streaming vs. Batch</a:t>
-            </a:r>
-            <a:endParaRPr b="0" lang="pt-BR" sz="1300" spc="-1" strike="noStrike">
-              <a:latin typeface="Arial"/>
-            </a:endParaRPr>
-          </a:p>
-          <a:p>
-            <a:pPr marL="216000" indent="-216000">
-              <a:lnSpc>
-                <a:spcPct val="150000"/>
-              </a:lnSpc>
-              <a:buClr>
-                <a:srgbClr val="ff5900"/>
-              </a:buClr>
-              <a:buSzPct val="45000"/>
-              <a:buFont typeface="Wingdings" charset="2"/>
-              <a:buChar char=""/>
-            </a:pPr>
-            <a:r>
-              <a:rPr b="0" lang="pt-BR" sz="1300" spc="-1" strike="noStrike">
-                <a:latin typeface="Arial"/>
-              </a:rPr>
-              <a:t>Containers</a:t>
-            </a:r>
-            <a:endParaRPr b="0" lang="pt-BR" sz="1300" spc="-1" strike="noStrike">
-              <a:latin typeface="Arial"/>
-            </a:endParaRPr>
-          </a:p>
-          <a:p>
-            <a:pPr marL="216000" indent="-216000">
-              <a:lnSpc>
-                <a:spcPct val="150000"/>
-              </a:lnSpc>
-              <a:buClr>
-                <a:srgbClr val="ff5900"/>
-              </a:buClr>
-              <a:buSzPct val="45000"/>
-              <a:buFont typeface="Wingdings" charset="2"/>
-              <a:buChar char=""/>
-            </a:pPr>
-            <a:r>
-              <a:rPr b="0" lang="pt-BR" sz="1300" spc="-1" strike="noStrike">
-                <a:latin typeface="Arial"/>
-              </a:rPr>
-              <a:t>AWS</a:t>
-            </a:r>
-            <a:endParaRPr b="0" lang="pt-BR" sz="1300" spc="-1" strike="noStrike">
-              <a:latin typeface="Arial"/>
-            </a:endParaRPr>
-          </a:p>
-        </p:txBody>
-      </p:sp>
-      <p:sp>
-        <p:nvSpPr>
-          <p:cNvPr id="96" name=""/>
-          <p:cNvSpPr txBox="1"/>
-          <p:nvPr/>
-        </p:nvSpPr>
-        <p:spPr>
-          <a:xfrm>
-            <a:off x="9180000" y="4860000"/>
-            <a:ext cx="2520000" cy="1196280"/>
-          </a:xfrm>
-          <a:prstGeom prst="rect">
-            <a:avLst/>
-          </a:prstGeom>
-          <a:noFill/>
-          <a:ln w="0">
+          </p:spPr>
+          <p:txBody>
+            <a:bodyPr wrap="square" rtlCol="0">
+              <a:spAutoFit/>
+            </a:bodyPr>
+            <a:lstStyle/>
+            <a:p>
+              <a:pPr algn="ctr"/>
+              <a:r>
+                <a:rPr lang="pt-BR" sz="1200" b="1" dirty="0"/>
+                <a:t>3 SEMANAS</a:t>
+              </a:r>
+            </a:p>
+          </p:txBody>
+        </p:sp>
+        <p:sp>
+          <p:nvSpPr>
+            <p:cNvPr id="26" name="CaixaDeTexto 25">
+              <a:extLst>
+                <a:ext uri="{FF2B5EF4-FFF2-40B4-BE49-F238E27FC236}">
+                  <a16:creationId xmlns:a16="http://schemas.microsoft.com/office/drawing/2014/main" id="{CAA3B8E1-BE6E-43C8-BF7C-0BE98C40FF26}"/>
+                </a:ext>
+              </a:extLst>
+            </p:cNvPr>
+            <p:cNvSpPr txBox="1"/>
+            <p:nvPr/>
+          </p:nvSpPr>
+          <p:spPr>
+            <a:xfrm>
+              <a:off x="3660000" y="4246963"/>
+              <a:ext cx="2520000" cy="276999"/>
+            </a:xfrm>
+            <a:prstGeom prst="rect">
+              <a:avLst/>
+            </a:prstGeom>
             <a:noFill/>
-          </a:ln>
-        </p:spPr>
-        <p:txBody>
-          <a:bodyPr lIns="90000" rIns="90000" tIns="45000" bIns="45000">
-            <a:noAutofit/>
-          </a:bodyPr>
-          <a:p>
-            <a:pPr marL="216000" indent="-216000">
-              <a:lnSpc>
-                <a:spcPct val="150000"/>
-              </a:lnSpc>
-              <a:buClr>
-                <a:srgbClr val="ff5900"/>
-              </a:buClr>
-              <a:buSzPct val="45000"/>
-              <a:buFont typeface="Wingdings" charset="2"/>
-              <a:buChar char=""/>
-            </a:pPr>
-            <a:r>
-              <a:rPr b="0" lang="pt-BR" sz="1300" spc="-1" strike="noStrike">
-                <a:latin typeface="Arial"/>
-              </a:rPr>
-              <a:t>Regressões</a:t>
-            </a:r>
-            <a:endParaRPr b="0" lang="pt-BR" sz="1300" spc="-1" strike="noStrike">
-              <a:latin typeface="Arial"/>
-            </a:endParaRPr>
-          </a:p>
-          <a:p>
-            <a:pPr marL="216000" indent="-216000">
-              <a:lnSpc>
-                <a:spcPct val="150000"/>
-              </a:lnSpc>
-              <a:buClr>
-                <a:srgbClr val="ff5900"/>
-              </a:buClr>
-              <a:buSzPct val="45000"/>
-              <a:buFont typeface="Wingdings" charset="2"/>
-              <a:buChar char=""/>
-            </a:pPr>
-            <a:r>
-              <a:rPr b="0" lang="pt-BR" sz="1300" spc="-1" strike="noStrike">
-                <a:latin typeface="Arial"/>
-              </a:rPr>
-              <a:t>Árvores de Decisão</a:t>
-            </a:r>
-            <a:endParaRPr b="0" lang="pt-BR" sz="1300" spc="-1" strike="noStrike">
-              <a:latin typeface="Arial"/>
-            </a:endParaRPr>
-          </a:p>
-          <a:p>
-            <a:pPr marL="216000" indent="-216000">
-              <a:lnSpc>
-                <a:spcPct val="150000"/>
-              </a:lnSpc>
-              <a:buClr>
-                <a:srgbClr val="ff5900"/>
-              </a:buClr>
-              <a:buSzPct val="45000"/>
-              <a:buFont typeface="Wingdings" charset="2"/>
-              <a:buChar char=""/>
-            </a:pPr>
-            <a:r>
-              <a:rPr b="0" lang="pt-BR" sz="1300" spc="-1" strike="noStrike">
-                <a:latin typeface="Arial"/>
-              </a:rPr>
-              <a:t>Métodos de Emsemble</a:t>
-            </a:r>
-            <a:endParaRPr b="0" lang="pt-BR" sz="1300" spc="-1" strike="noStrike">
-              <a:latin typeface="Arial"/>
-            </a:endParaRPr>
-          </a:p>
-          <a:p>
-            <a:pPr marL="216000" indent="-216000">
-              <a:lnSpc>
-                <a:spcPct val="150000"/>
-              </a:lnSpc>
-              <a:buClr>
-                <a:srgbClr val="ff5900"/>
-              </a:buClr>
-              <a:buSzPct val="45000"/>
-              <a:buFont typeface="Wingdings" charset="2"/>
-              <a:buChar char=""/>
-            </a:pPr>
-            <a:r>
-              <a:rPr b="0" lang="pt-BR" sz="1300" spc="-1" strike="noStrike">
-                <a:latin typeface="Arial"/>
-              </a:rPr>
-              <a:t>Algoritmos de Agrupamento</a:t>
-            </a:r>
-            <a:endParaRPr b="0" lang="pt-BR" sz="1300" spc="-1" strike="noStrike">
-              <a:latin typeface="Arial"/>
-            </a:endParaRPr>
-          </a:p>
-        </p:txBody>
-      </p:sp>
-      <p:sp>
-        <p:nvSpPr>
-          <p:cNvPr id="97" name=""/>
-          <p:cNvSpPr txBox="1"/>
-          <p:nvPr/>
-        </p:nvSpPr>
-        <p:spPr>
-          <a:xfrm>
-            <a:off x="1260000" y="2117880"/>
-            <a:ext cx="2700000" cy="346320"/>
-          </a:xfrm>
-          <a:prstGeom prst="rect">
-            <a:avLst/>
-          </a:prstGeom>
-          <a:noFill/>
-          <a:ln w="0">
+          </p:spPr>
+          <p:txBody>
+            <a:bodyPr wrap="square" rtlCol="0">
+              <a:spAutoFit/>
+            </a:bodyPr>
+            <a:lstStyle/>
+            <a:p>
+              <a:pPr algn="ctr"/>
+              <a:r>
+                <a:rPr lang="pt-BR" sz="1200" b="1" dirty="0"/>
+                <a:t>2 DIAS</a:t>
+              </a:r>
+            </a:p>
+          </p:txBody>
+        </p:sp>
+        <p:sp>
+          <p:nvSpPr>
+            <p:cNvPr id="27" name="CaixaDeTexto 26">
+              <a:extLst>
+                <a:ext uri="{FF2B5EF4-FFF2-40B4-BE49-F238E27FC236}">
+                  <a16:creationId xmlns:a16="http://schemas.microsoft.com/office/drawing/2014/main" id="{4C365B60-997D-4830-BFA3-24053AEECA33}"/>
+                </a:ext>
+              </a:extLst>
+            </p:cNvPr>
+            <p:cNvSpPr txBox="1"/>
+            <p:nvPr/>
+          </p:nvSpPr>
+          <p:spPr>
+            <a:xfrm>
+              <a:off x="6420000" y="4246963"/>
+              <a:ext cx="2520000" cy="276999"/>
+            </a:xfrm>
+            <a:prstGeom prst="rect">
+              <a:avLst/>
+            </a:prstGeom>
             <a:noFill/>
-          </a:ln>
-        </p:spPr>
-        <p:txBody>
-          <a:bodyPr lIns="90000" rIns="90000" tIns="45000" bIns="45000">
-            <a:noAutofit/>
-          </a:bodyPr>
-          <a:p>
-            <a:pPr algn="ctr"/>
-            <a:r>
-              <a:rPr b="1" lang="pt-BR" sz="1800" spc="-1" strike="noStrike">
-                <a:latin typeface="Arial"/>
-              </a:rPr>
-              <a:t>Linux e Git</a:t>
-            </a:r>
-            <a:endParaRPr b="1" lang="pt-BR" sz="1800" spc="-1" strike="noStrike">
-              <a:latin typeface="Arial"/>
-            </a:endParaRPr>
-          </a:p>
-        </p:txBody>
-      </p:sp>
-      <p:sp>
-        <p:nvSpPr>
-          <p:cNvPr id="98" name=""/>
-          <p:cNvSpPr/>
-          <p:nvPr/>
-        </p:nvSpPr>
-        <p:spPr>
-          <a:xfrm>
-            <a:off x="1440000" y="1440000"/>
-            <a:ext cx="2520000" cy="360000"/>
-          </a:xfrm>
-          <a:prstGeom prst="rect">
-            <a:avLst/>
-          </a:prstGeom>
-          <a:solidFill>
-            <a:srgbClr val="ff5900"/>
-          </a:solidFill>
-          <a:ln w="0">
-            <a:solidFill>
-              <a:srgbClr val="ff5900"/>
-            </a:solidFill>
-          </a:ln>
-        </p:spPr>
-        <p:style>
-          <a:lnRef idx="0"/>
-          <a:fillRef idx="0"/>
-          <a:effectRef idx="0"/>
-          <a:fontRef idx="minor"/>
-        </p:style>
-      </p:sp>
+          </p:spPr>
+          <p:txBody>
+            <a:bodyPr wrap="square" rtlCol="0">
+              <a:spAutoFit/>
+            </a:bodyPr>
+            <a:lstStyle/>
+            <a:p>
+              <a:pPr algn="ctr"/>
+              <a:r>
+                <a:rPr lang="pt-BR" sz="1200" b="1" dirty="0"/>
+                <a:t>4 SEMANAS</a:t>
+              </a:r>
+            </a:p>
+          </p:txBody>
+        </p:sp>
+        <p:sp>
+          <p:nvSpPr>
+            <p:cNvPr id="28" name="CaixaDeTexto 27">
+              <a:extLst>
+                <a:ext uri="{FF2B5EF4-FFF2-40B4-BE49-F238E27FC236}">
+                  <a16:creationId xmlns:a16="http://schemas.microsoft.com/office/drawing/2014/main" id="{0D708850-3377-4E1D-AD17-E4FF695D2545}"/>
+                </a:ext>
+              </a:extLst>
+            </p:cNvPr>
+            <p:cNvSpPr txBox="1"/>
+            <p:nvPr/>
+          </p:nvSpPr>
+          <p:spPr>
+            <a:xfrm>
+              <a:off x="9180000" y="4246963"/>
+              <a:ext cx="2520000" cy="276999"/>
+            </a:xfrm>
+            <a:prstGeom prst="rect">
+              <a:avLst/>
+            </a:prstGeom>
+            <a:noFill/>
+          </p:spPr>
+          <p:txBody>
+            <a:bodyPr wrap="square" rtlCol="0">
+              <a:spAutoFit/>
+            </a:bodyPr>
+            <a:lstStyle/>
+            <a:p>
+              <a:pPr algn="ctr"/>
+              <a:r>
+                <a:rPr lang="pt-BR" sz="1200" b="1" dirty="0"/>
+                <a:t>4 SEMANAS</a:t>
+              </a:r>
+            </a:p>
+          </p:txBody>
+        </p:sp>
+      </p:grpSp>
     </p:spTree>
   </p:cSld>
-  <mc:AlternateContent>
-    <mc:Choice Requires="p14">
-      <p:transition spd="slow" p14:dur="2000"/>
-    </mc:Choice>
-    <mc:Fallback>
-      <p:transition spd="slow"/>
-    </mc:Fallback>
-  </mc:AlternateContent>
+  <p:clrMapOvr>
+    <a:masterClrMapping/>
+  </p:clrMapOvr>
 </p:sld>
 </file>
 
 <file path=ppt/slides/slide4.xml><?xml version="1.0" encoding="utf-8"?>
-<p:sld xmlns:a="http://schemas.openxmlformats.org/drawingml/2006/main" xmlns:p="http://schemas.openxmlformats.org/presentationml/2006/main" xmlns:r="http://schemas.openxmlformats.org/officeDocument/2006/relationships" xmlns:p14="http://schemas.microsoft.com/office/powerpoint/2010/main" xmlns:p15="http://schemas.microsoft.com/office/powerpoint/2012/main" xmlns:mc="http://schemas.openxmlformats.org/markup-compatibility/2006">
+<p:sld xmlns:a="http://schemas.openxmlformats.org/drawingml/2006/main" xmlns:r="http://schemas.openxmlformats.org/officeDocument/2006/relationships" xmlns:p="http://schemas.openxmlformats.org/presentationml/2006/main">
   <p:cSld>
     <p:spTree>
       <p:nvGrpSpPr>
@@ -5075,7 +6370,7 @@
             <p:nvPr/>
           </p:nvPicPr>
           <p:blipFill>
-            <a:blip r:embed="rId1"/>
+            <a:blip r:embed="rId2"/>
             <a:stretch/>
           </p:blipFill>
           <p:spPr>
@@ -5098,7 +6393,7 @@
             <p:nvPr/>
           </p:nvPicPr>
           <p:blipFill>
-            <a:blip r:embed="rId2"/>
+            <a:blip r:embed="rId3"/>
             <a:stretch/>
           </p:blipFill>
           <p:spPr>
@@ -5121,7 +6416,7 @@
             <p:nvPr/>
           </p:nvPicPr>
           <p:blipFill>
-            <a:blip r:embed="rId3"/>
+            <a:blip r:embed="rId4"/>
             <a:stretch/>
           </p:blipFill>
           <p:spPr>
@@ -5196,15 +6491,22 @@
             </a:ln>
           </p:spPr>
           <p:style>
-            <a:lnRef idx="0"/>
-            <a:fillRef idx="0"/>
-            <a:effectRef idx="0"/>
+            <a:lnRef idx="0">
+              <a:scrgbClr r="0" g="0" b="0"/>
+            </a:lnRef>
+            <a:fillRef idx="0">
+              <a:scrgbClr r="0" g="0" b="0"/>
+            </a:fillRef>
+            <a:effectRef idx="0">
+              <a:scrgbClr r="0" g="0" b="0"/>
+            </a:effectRef>
             <a:fontRef idx="minor"/>
           </p:style>
           <p:txBody>
-            <a:bodyPr lIns="90000" rIns="90000" tIns="45000" bIns="45000">
+            <a:bodyPr lIns="90000" tIns="45000" rIns="90000" bIns="45000">
               <a:spAutoFit/>
             </a:bodyPr>
+            <a:lstStyle/>
             <a:p>
               <a:pPr algn="ctr">
                 <a:lnSpc>
@@ -5212,7 +6514,7 @@
                 </a:lnSpc>
               </a:pPr>
               <a:r>
-                <a:rPr b="0" lang="pt-BR" sz="1800" spc="-1" strike="noStrike">
+                <a:rPr lang="pt-BR" sz="1800" b="0" strike="noStrike" spc="-1">
                   <a:solidFill>
                     <a:srgbClr val="000000"/>
                   </a:solidFill>
@@ -5221,7 +6523,7 @@
                 </a:rPr>
                 <a:t>Visualização de Dados em Python</a:t>
               </a:r>
-              <a:endParaRPr b="0" lang="pt-BR" sz="1800" spc="-1" strike="noStrike">
+              <a:endParaRPr lang="pt-BR" sz="1800" b="0" strike="noStrike" spc="-1">
                 <a:latin typeface="Arial"/>
               </a:endParaRPr>
             </a:p>
@@ -5249,7 +6551,7 @@
             <p:nvPr/>
           </p:nvPicPr>
           <p:blipFill>
-            <a:blip r:embed="rId4"/>
+            <a:blip r:embed="rId5"/>
             <a:srcRect l="15527" t="26695" r="14673" b="26952"/>
             <a:stretch/>
           </p:blipFill>
@@ -5325,15 +6627,22 @@
             </a:ln>
           </p:spPr>
           <p:style>
-            <a:lnRef idx="0"/>
-            <a:fillRef idx="0"/>
-            <a:effectRef idx="0"/>
+            <a:lnRef idx="0">
+              <a:scrgbClr r="0" g="0" b="0"/>
+            </a:lnRef>
+            <a:fillRef idx="0">
+              <a:scrgbClr r="0" g="0" b="0"/>
+            </a:fillRef>
+            <a:effectRef idx="0">
+              <a:scrgbClr r="0" g="0" b="0"/>
+            </a:effectRef>
             <a:fontRef idx="minor"/>
           </p:style>
           <p:txBody>
-            <a:bodyPr lIns="90000" rIns="90000" tIns="45000" bIns="45000">
+            <a:bodyPr lIns="90000" tIns="45000" rIns="90000" bIns="45000">
               <a:spAutoFit/>
             </a:bodyPr>
+            <a:lstStyle/>
             <a:p>
               <a:pPr>
                 <a:lnSpc>
@@ -5341,7 +6650,7 @@
                 </a:lnSpc>
               </a:pPr>
               <a:r>
-                <a:rPr b="0" lang="pt-BR" sz="1800" spc="-1" strike="noStrike">
+                <a:rPr lang="pt-BR" sz="1800" b="0" strike="noStrike" spc="-1">
                   <a:solidFill>
                     <a:srgbClr val="000000"/>
                   </a:solidFill>
@@ -5350,7 +6659,7 @@
                 </a:rPr>
                 <a:t>Bancos de Dados</a:t>
               </a:r>
-              <a:endParaRPr b="0" lang="pt-BR" sz="1800" spc="-1" strike="noStrike">
+              <a:endParaRPr lang="pt-BR" sz="1800" b="0" strike="noStrike" spc="-1">
                 <a:latin typeface="Arial"/>
               </a:endParaRPr>
             </a:p>
@@ -5373,12 +6682,12 @@
         </p:grpSpPr>
         <p:pic>
           <p:nvPicPr>
-            <p:cNvPr id="110" name="Picture 8" descr=""/>
+            <p:cNvPr id="110" name="Picture 8"/>
             <p:cNvPicPr/>
             <p:nvPr/>
           </p:nvPicPr>
           <p:blipFill>
-            <a:blip r:embed="rId5"/>
+            <a:blip r:embed="rId6"/>
             <a:stretch/>
           </p:blipFill>
           <p:spPr>
@@ -5401,7 +6710,7 @@
             <p:nvPr/>
           </p:nvPicPr>
           <p:blipFill>
-            <a:blip r:embed="rId6"/>
+            <a:blip r:embed="rId7"/>
             <a:stretch/>
           </p:blipFill>
           <p:spPr>
@@ -5476,15 +6785,22 @@
             </a:ln>
           </p:spPr>
           <p:style>
-            <a:lnRef idx="0"/>
-            <a:fillRef idx="0"/>
-            <a:effectRef idx="0"/>
+            <a:lnRef idx="0">
+              <a:scrgbClr r="0" g="0" b="0"/>
+            </a:lnRef>
+            <a:fillRef idx="0">
+              <a:scrgbClr r="0" g="0" b="0"/>
+            </a:fillRef>
+            <a:effectRef idx="0">
+              <a:scrgbClr r="0" g="0" b="0"/>
+            </a:effectRef>
             <a:fontRef idx="minor"/>
           </p:style>
           <p:txBody>
-            <a:bodyPr lIns="90000" rIns="90000" tIns="45000" bIns="45000">
+            <a:bodyPr lIns="90000" tIns="45000" rIns="90000" bIns="45000">
               <a:spAutoFit/>
             </a:bodyPr>
+            <a:lstStyle/>
             <a:p>
               <a:pPr>
                 <a:lnSpc>
@@ -5492,7 +6808,7 @@
                 </a:lnSpc>
               </a:pPr>
               <a:r>
-                <a:rPr b="0" lang="pt-BR" sz="1800" spc="-1" strike="noStrike">
+                <a:rPr lang="pt-BR" sz="1800" b="0" strike="noStrike" spc="-1">
                   <a:solidFill>
                     <a:srgbClr val="000000"/>
                   </a:solidFill>
@@ -5501,7 +6817,7 @@
                 </a:rPr>
                 <a:t>Data Engineering</a:t>
               </a:r>
-              <a:endParaRPr b="0" lang="pt-BR" sz="1800" spc="-1" strike="noStrike">
+              <a:endParaRPr lang="pt-BR" sz="1800" b="0" strike="noStrike" spc="-1">
                 <a:latin typeface="Arial"/>
               </a:endParaRPr>
             </a:p>
@@ -5528,15 +6844,22 @@
           </a:ln>
         </p:spPr>
         <p:style>
-          <a:lnRef idx="0"/>
-          <a:fillRef idx="0"/>
-          <a:effectRef idx="0"/>
+          <a:lnRef idx="0">
+            <a:scrgbClr r="0" g="0" b="0"/>
+          </a:lnRef>
+          <a:fillRef idx="0">
+            <a:scrgbClr r="0" g="0" b="0"/>
+          </a:fillRef>
+          <a:effectRef idx="0">
+            <a:scrgbClr r="0" g="0" b="0"/>
+          </a:effectRef>
           <a:fontRef idx="minor"/>
         </p:style>
         <p:txBody>
-          <a:bodyPr lIns="90000" rIns="90000" tIns="45000" bIns="45000">
+          <a:bodyPr lIns="90000" tIns="45000" rIns="90000" bIns="45000">
             <a:spAutoFit/>
           </a:bodyPr>
+          <a:lstStyle/>
           <a:p>
             <a:pPr>
               <a:lnSpc>
@@ -5544,7 +6867,7 @@
               </a:lnSpc>
             </a:pPr>
             <a:r>
-              <a:rPr b="1" lang="pt-BR" sz="2400" spc="-1" strike="noStrike">
+              <a:rPr lang="pt-BR" sz="2400" b="1" strike="noStrike" spc="-1">
                 <a:solidFill>
                   <a:srgbClr val="000000"/>
                 </a:solidFill>
@@ -5553,7 +6876,7 @@
               </a:rPr>
               <a:t>Programas e Bibliotecas Utilizadas</a:t>
             </a:r>
-            <a:endParaRPr b="0" lang="pt-BR" sz="2400" spc="-1" strike="noStrike">
+            <a:endParaRPr lang="pt-BR" sz="2400" b="0" strike="noStrike" spc="-1">
               <a:latin typeface="Arial"/>
             </a:endParaRPr>
           </a:p>
@@ -5567,10 +6890,10 @@
         </p:nvGrpSpPr>
         <p:grpSpPr>
           <a:xfrm>
-            <a:off x="4798800" y="3771000"/>
-            <a:ext cx="2300040" cy="2343240"/>
+            <a:off x="4798681" y="3910500"/>
+            <a:ext cx="2300040" cy="2017440"/>
             <a:chOff x="4798800" y="3771000"/>
-            <a:chExt cx="2300040" cy="2343240"/>
+            <a:chExt cx="2300040" cy="2017440"/>
           </a:xfrm>
         </p:grpSpPr>
         <p:pic>
@@ -5579,16 +6902,17 @@
             <p:cNvPicPr/>
             <p:nvPr/>
           </p:nvPicPr>
-          <p:blipFill>
-            <a:blip r:embed="rId7"/>
+          <p:blipFill rotWithShape="1">
+            <a:blip r:embed="rId8"/>
+            <a:srcRect l="22140" t="23909" r="18915" b="16149"/>
             <a:stretch/>
           </p:blipFill>
           <p:spPr>
             <a:xfrm>
-              <a:off x="4913280" y="4096800"/>
-              <a:ext cx="2017440" cy="2017440"/>
+              <a:off x="5360059" y="4534376"/>
+              <a:ext cx="1189180" cy="1209280"/>
             </a:xfrm>
-            <a:prstGeom prst="rect">
+            <a:prstGeom prst="roundRect">
               <a:avLst/>
             </a:prstGeom>
             <a:ln w="0">
@@ -5608,9 +6932,7 @@
               <a:ext cx="2300040" cy="2017440"/>
             </a:xfrm>
             <a:prstGeom prst="roundRect">
-              <a:avLst>
-                <a:gd name="adj" fmla="val 16667"/>
-              </a:avLst>
+              <a:avLst/>
             </a:prstGeom>
             <a:noFill/>
             <a:ln w="19050">
@@ -5644,9 +6966,9 @@
           <p:spPr>
             <a:xfrm>
               <a:off x="4798800" y="3865680"/>
-              <a:ext cx="2300040" cy="638640"/>
+              <a:ext cx="2300040" cy="713481"/>
             </a:xfrm>
-            <a:prstGeom prst="rect">
+            <a:prstGeom prst="roundRect">
               <a:avLst/>
             </a:prstGeom>
             <a:noFill/>
@@ -5655,15 +6977,22 @@
             </a:ln>
           </p:spPr>
           <p:style>
-            <a:lnRef idx="0"/>
-            <a:fillRef idx="0"/>
-            <a:effectRef idx="0"/>
+            <a:lnRef idx="0">
+              <a:scrgbClr r="0" g="0" b="0"/>
+            </a:lnRef>
+            <a:fillRef idx="0">
+              <a:scrgbClr r="0" g="0" b="0"/>
+            </a:fillRef>
+            <a:effectRef idx="0">
+              <a:scrgbClr r="0" g="0" b="0"/>
+            </a:effectRef>
             <a:fontRef idx="minor"/>
           </p:style>
           <p:txBody>
-            <a:bodyPr lIns="90000" rIns="90000" tIns="45000" bIns="45000">
+            <a:bodyPr lIns="90000" tIns="45000" rIns="90000" bIns="45000">
               <a:spAutoFit/>
             </a:bodyPr>
+            <a:lstStyle/>
             <a:p>
               <a:pPr algn="ctr">
                 <a:lnSpc>
@@ -5671,7 +7000,7 @@
                 </a:lnSpc>
               </a:pPr>
               <a:r>
-                <a:rPr b="0" lang="pt-BR" sz="1800" spc="-1" strike="noStrike">
+                <a:rPr lang="pt-BR" sz="1800" b="0" strike="noStrike" spc="-1">
                   <a:solidFill>
                     <a:srgbClr val="000000"/>
                   </a:solidFill>
@@ -5680,7 +7009,7 @@
                 </a:rPr>
                 <a:t>Visualização de Dados</a:t>
               </a:r>
-              <a:endParaRPr b="0" lang="pt-BR" sz="1800" spc="-1" strike="noStrike">
+              <a:endParaRPr lang="pt-BR" sz="1800" b="0" strike="noStrike" spc="-1">
                 <a:latin typeface="Arial"/>
               </a:endParaRPr>
             </a:p>
@@ -5708,7 +7037,7 @@
             <p:nvPr/>
           </p:nvPicPr>
           <p:blipFill>
-            <a:blip r:embed="rId8"/>
+            <a:blip r:embed="rId9"/>
             <a:stretch/>
           </p:blipFill>
           <p:spPr>
@@ -5741,7 +7070,7 @@
               </a:avLst>
             </a:prstGeom>
             <a:blipFill rotWithShape="0">
-              <a:blip r:embed="rId9"/>
+              <a:blip r:embed="rId10"/>
               <a:srcRect/>
               <a:stretch/>
             </a:blipFill>
@@ -5750,9 +7079,15 @@
             </a:ln>
           </p:spPr>
           <p:style>
-            <a:lnRef idx="0"/>
-            <a:fillRef idx="0"/>
-            <a:effectRef idx="0"/>
+            <a:lnRef idx="0">
+              <a:scrgbClr r="0" g="0" b="0"/>
+            </a:lnRef>
+            <a:fillRef idx="0">
+              <a:scrgbClr r="0" g="0" b="0"/>
+            </a:fillRef>
+            <a:effectRef idx="0">
+              <a:scrgbClr r="0" g="0" b="0"/>
+            </a:effectRef>
             <a:fontRef idx="minor"/>
           </p:style>
         </p:sp>
@@ -5776,15 +7111,22 @@
             </a:ln>
           </p:spPr>
           <p:style>
-            <a:lnRef idx="0"/>
-            <a:fillRef idx="0"/>
-            <a:effectRef idx="0"/>
+            <a:lnRef idx="0">
+              <a:scrgbClr r="0" g="0" b="0"/>
+            </a:lnRef>
+            <a:fillRef idx="0">
+              <a:scrgbClr r="0" g="0" b="0"/>
+            </a:fillRef>
+            <a:effectRef idx="0">
+              <a:scrgbClr r="0" g="0" b="0"/>
+            </a:effectRef>
             <a:fontRef idx="minor"/>
           </p:style>
           <p:txBody>
-            <a:bodyPr lIns="90000" rIns="90000" tIns="45000" bIns="45000">
+            <a:bodyPr lIns="90000" tIns="45000" rIns="90000" bIns="45000">
               <a:spAutoFit/>
             </a:bodyPr>
+            <a:lstStyle/>
             <a:p>
               <a:pPr>
                 <a:lnSpc>
@@ -5792,7 +7134,7 @@
                 </a:lnSpc>
               </a:pPr>
               <a:r>
-                <a:rPr b="0" lang="pt-BR" sz="1800" spc="-1" strike="noStrike">
+                <a:rPr lang="pt-BR" sz="1800" b="0" strike="noStrike" spc="-1">
                   <a:solidFill>
                     <a:srgbClr val="000000"/>
                   </a:solidFill>
@@ -5801,7 +7143,7 @@
                 </a:rPr>
                 <a:t>Versionamento e Distros</a:t>
               </a:r>
-              <a:endParaRPr b="0" lang="pt-BR" sz="1800" spc="-1" strike="noStrike">
+              <a:endParaRPr lang="pt-BR" sz="1800" b="0" strike="noStrike" spc="-1">
                 <a:latin typeface="Arial"/>
               </a:endParaRPr>
             </a:p>
@@ -5868,7 +7210,7 @@
             <p:nvPr/>
           </p:nvPicPr>
           <p:blipFill>
-            <a:blip r:embed="rId10"/>
+            <a:blip r:embed="rId11"/>
             <a:stretch/>
           </p:blipFill>
           <p:spPr>
@@ -5943,15 +7285,22 @@
             </a:ln>
           </p:spPr>
           <p:style>
-            <a:lnRef idx="0"/>
-            <a:fillRef idx="0"/>
-            <a:effectRef idx="0"/>
+            <a:lnRef idx="0">
+              <a:scrgbClr r="0" g="0" b="0"/>
+            </a:lnRef>
+            <a:fillRef idx="0">
+              <a:scrgbClr r="0" g="0" b="0"/>
+            </a:fillRef>
+            <a:effectRef idx="0">
+              <a:scrgbClr r="0" g="0" b="0"/>
+            </a:effectRef>
             <a:fontRef idx="minor"/>
           </p:style>
           <p:txBody>
-            <a:bodyPr lIns="90000" rIns="90000" tIns="45000" bIns="45000">
+            <a:bodyPr lIns="90000" tIns="45000" rIns="90000" bIns="45000">
               <a:spAutoFit/>
             </a:bodyPr>
+            <a:lstStyle/>
             <a:p>
               <a:pPr algn="ctr">
                 <a:lnSpc>
@@ -5959,7 +7308,7 @@
                 </a:lnSpc>
               </a:pPr>
               <a:r>
-                <a:rPr b="0" lang="pt-BR" sz="1800" spc="-1" strike="noStrike">
+                <a:rPr lang="pt-BR" sz="1800" b="0" strike="noStrike" spc="-1">
                   <a:solidFill>
                     <a:srgbClr val="000000"/>
                   </a:solidFill>
@@ -5968,28 +7317,63 @@
                 </a:rPr>
                 <a:t>Ferramentas para análise de Dados</a:t>
               </a:r>
-              <a:endParaRPr b="0" lang="pt-BR" sz="1800" spc="-1" strike="noStrike">
+              <a:endParaRPr lang="pt-BR" sz="1800" b="0" strike="noStrike" spc="-1">
                 <a:latin typeface="Arial"/>
               </a:endParaRPr>
             </a:p>
           </p:txBody>
         </p:sp>
       </p:grpSp>
+      <p:sp>
+        <p:nvSpPr>
+          <p:cNvPr id="31" name="Conector reto 30">
+            <a:extLst>
+              <a:ext uri="{FF2B5EF4-FFF2-40B4-BE49-F238E27FC236}">
+                <a16:creationId xmlns:a16="http://schemas.microsoft.com/office/drawing/2014/main" id="{A95B35AB-57E5-4DEA-AC98-B5EB60585710}"/>
+              </a:ext>
+            </a:extLst>
+          </p:cNvPr>
+          <p:cNvSpPr/>
+          <p:nvPr/>
+        </p:nvSpPr>
+        <p:spPr>
+          <a:xfrm>
+            <a:off x="180000" y="720000"/>
+            <a:ext cx="5364000" cy="14400"/>
+          </a:xfrm>
+          <a:prstGeom prst="line">
+            <a:avLst/>
+          </a:prstGeom>
+          <a:ln w="36000">
+            <a:solidFill>
+              <a:srgbClr val="FF5900"/>
+            </a:solidFill>
+            <a:round/>
+          </a:ln>
+        </p:spPr>
+        <p:style>
+          <a:lnRef idx="0">
+            <a:scrgbClr r="0" g="0" b="0"/>
+          </a:lnRef>
+          <a:fillRef idx="0">
+            <a:scrgbClr r="0" g="0" b="0"/>
+          </a:fillRef>
+          <a:effectRef idx="0">
+            <a:scrgbClr r="0" g="0" b="0"/>
+          </a:effectRef>
+          <a:fontRef idx="minor"/>
+        </p:style>
+      </p:sp>
     </p:spTree>
   </p:cSld>
-  <mc:AlternateContent>
-    <mc:Choice Requires="p14">
-      <p:transition spd="slow" p14:dur="2000"/>
-    </mc:Choice>
-    <mc:Fallback>
-      <p:transition spd="slow"/>
-    </mc:Fallback>
-  </mc:AlternateContent>
+  <p:clrMapOvr>
+    <a:masterClrMapping/>
+  </p:clrMapOvr>
 </p:sld>
 </file>
 
 <file path=ppt/slides/slide5.xml><?xml version="1.0" encoding="utf-8"?>
-<p:sld xmlns:a="http://schemas.openxmlformats.org/drawingml/2006/main" xmlns:p="http://schemas.openxmlformats.org/presentationml/2006/main" xmlns:r="http://schemas.openxmlformats.org/officeDocument/2006/relationships" xmlns:p14="http://schemas.microsoft.com/office/powerpoint/2010/main" xmlns:p15="http://schemas.microsoft.com/office/powerpoint/2012/main" xmlns:mc="http://schemas.openxmlformats.org/markup-compatibility/2006">
+<p:sld xmlns:a="http://schemas.openxmlformats.org/drawingml/2006/main" xmlns:r="http://schemas.openxmlformats.org/officeDocument/2006/relationships" xmlns:p="http://schemas.openxmlformats.org/presentationml/2006/main">
   <p:cSld>
     <p:spTree>
       <p:nvGrpSpPr>
@@ -6005,9 +7389,48 @@
           <a:chExt cx="0" cy="0"/>
         </a:xfrm>
       </p:grpSpPr>
-      <p:sp>
-        <p:nvSpPr>
-          <p:cNvPr id="128" name=""/>
+      <p:pic>
+        <p:nvPicPr>
+          <p:cNvPr id="3" name="Imagem 2">
+            <a:extLst>
+              <a:ext uri="{FF2B5EF4-FFF2-40B4-BE49-F238E27FC236}">
+                <a16:creationId xmlns:a16="http://schemas.microsoft.com/office/drawing/2014/main" id="{B7A9871F-1B76-4B4D-82AE-AE90882F40F5}"/>
+              </a:ext>
+            </a:extLst>
+          </p:cNvPr>
+          <p:cNvPicPr>
+            <a:picLocks noChangeAspect="1"/>
+          </p:cNvPicPr>
+          <p:nvPr/>
+        </p:nvPicPr>
+        <p:blipFill>
+          <a:blip r:embed="rId2"/>
+          <a:stretch>
+            <a:fillRect/>
+          </a:stretch>
+        </p:blipFill>
+        <p:spPr>
+          <a:xfrm>
+            <a:off x="96759" y="1394279"/>
+            <a:ext cx="5364000" cy="5377529"/>
+          </a:xfrm>
+          <a:prstGeom prst="roundRect">
+            <a:avLst/>
+          </a:prstGeom>
+          <a:blipFill dpi="0" rotWithShape="0">
+            <a:blip r:embed="rId3">
+              <a:alphaModFix amt="47000"/>
+            </a:blip>
+            <a:srcRect/>
+            <a:stretch>
+              <a:fillRect/>
+            </a:stretch>
+          </a:blipFill>
+        </p:spPr>
+      </p:pic>
+      <p:sp>
+        <p:nvSpPr>
+          <p:cNvPr id="128" name="Retângulo 127"/>
           <p:cNvSpPr/>
           <p:nvPr/>
         </p:nvSpPr>
@@ -6025,15 +7448,22 @@
           </a:ln>
         </p:spPr>
         <p:style>
-          <a:lnRef idx="0"/>
-          <a:fillRef idx="0"/>
-          <a:effectRef idx="0"/>
+          <a:lnRef idx="0">
+            <a:scrgbClr r="0" g="0" b="0"/>
+          </a:lnRef>
+          <a:fillRef idx="0">
+            <a:scrgbClr r="0" g="0" b="0"/>
+          </a:fillRef>
+          <a:effectRef idx="0">
+            <a:scrgbClr r="0" g="0" b="0"/>
+          </a:effectRef>
           <a:fontRef idx="minor"/>
         </p:style>
         <p:txBody>
-          <a:bodyPr lIns="90000" rIns="90000" tIns="45000" bIns="45000">
+          <a:bodyPr lIns="90000" tIns="45000" rIns="90000" bIns="45000">
             <a:noAutofit/>
           </a:bodyPr>
+          <a:lstStyle/>
           <a:p>
             <a:pPr>
               <a:lnSpc>
@@ -6041,12 +7471,18 @@
               </a:lnSpc>
             </a:pPr>
             <a:r>
-              <a:rPr b="1" lang="pt-BR" sz="2400" spc="-1" strike="noStrike">
+              <a:rPr lang="pt-BR" sz="2400" b="1" spc="-1" dirty="0">
                 <a:latin typeface="Arial"/>
               </a:rPr>
-              <a:t>Dados Gerais</a:t>
+              <a:t>Feedbacks</a:t>
             </a:r>
-            <a:endParaRPr b="0" lang="pt-BR" sz="2400" spc="-1" strike="noStrike">
+            <a:r>
+              <a:rPr lang="pt-BR" sz="2400" b="1" strike="noStrike" spc="-1" dirty="0">
+                <a:latin typeface="Arial"/>
+              </a:rPr>
+              <a:t> Gerais</a:t>
+            </a:r>
+            <a:endParaRPr lang="pt-BR" sz="2400" b="0" strike="noStrike" spc="-1" dirty="0">
               <a:latin typeface="Arial"/>
             </a:endParaRPr>
           </a:p>
@@ -6054,73 +7490,47 @@
       </p:sp>
       <p:sp>
         <p:nvSpPr>
-          <p:cNvPr id="129" name=""/>
+          <p:cNvPr id="129" name="Conector reto 128"/>
           <p:cNvSpPr/>
           <p:nvPr/>
         </p:nvSpPr>
         <p:spPr>
           <a:xfrm flipV="1">
             <a:off x="180000" y="705960"/>
-            <a:ext cx="3060000" cy="14040"/>
+            <a:ext cx="5364000" cy="14040"/>
           </a:xfrm>
           <a:prstGeom prst="line">
             <a:avLst/>
           </a:prstGeom>
           <a:ln w="36000">
             <a:solidFill>
-              <a:srgbClr val="ff5900"/>
+              <a:srgbClr val="FF5900"/>
             </a:solidFill>
             <a:round/>
           </a:ln>
         </p:spPr>
         <p:style>
-          <a:lnRef idx="0"/>
-          <a:fillRef idx="0"/>
-          <a:effectRef idx="0"/>
+          <a:lnRef idx="0">
+            <a:scrgbClr r="0" g="0" b="0"/>
+          </a:lnRef>
+          <a:fillRef idx="0">
+            <a:scrgbClr r="0" g="0" b="0"/>
+          </a:fillRef>
+          <a:effectRef idx="0">
+            <a:scrgbClr r="0" g="0" b="0"/>
+          </a:effectRef>
           <a:fontRef idx="minor"/>
         </p:style>
       </p:sp>
       <p:sp>
         <p:nvSpPr>
-          <p:cNvPr id="130" name="Imagem 9_0"/>
-          <p:cNvSpPr/>
-          <p:nvPr/>
-        </p:nvSpPr>
-        <p:spPr>
-          <a:xfrm>
-            <a:off x="360000" y="1173240"/>
-            <a:ext cx="5333400" cy="5306760"/>
-          </a:xfrm>
-          <a:prstGeom prst="roundRect">
-            <a:avLst>
-              <a:gd name="adj" fmla="val 16667"/>
-            </a:avLst>
-          </a:prstGeom>
-          <a:blipFill rotWithShape="0">
-            <a:blip r:embed="rId1"/>
-            <a:srcRect/>
-            <a:stretch/>
-          </a:blipFill>
-          <a:ln w="0">
-            <a:noFill/>
-          </a:ln>
-        </p:spPr>
-        <p:style>
-          <a:lnRef idx="0"/>
-          <a:fillRef idx="0"/>
-          <a:effectRef idx="0"/>
-          <a:fontRef idx="minor"/>
-        </p:style>
-      </p:sp>
-      <p:sp>
-        <p:nvSpPr>
-          <p:cNvPr id="131" name=""/>
+          <p:cNvPr id="132" name="CaixaDeTexto 131"/>
           <p:cNvSpPr txBox="1"/>
           <p:nvPr/>
         </p:nvSpPr>
         <p:spPr>
           <a:xfrm>
-            <a:off x="1620000" y="1308240"/>
+            <a:off x="6660000" y="1308240"/>
             <a:ext cx="4140000" cy="5171760"/>
           </a:xfrm>
           <a:prstGeom prst="rect">
@@ -6132,9 +7542,10 @@
           </a:ln>
         </p:spPr>
         <p:txBody>
-          <a:bodyPr lIns="90000" rIns="90000" tIns="45000" bIns="45000">
+          <a:bodyPr lIns="90000" tIns="45000" rIns="90000" bIns="45000">
             <a:noAutofit/>
           </a:bodyPr>
+          <a:lstStyle/>
           <a:p>
             <a:pPr>
               <a:lnSpc>
@@ -6148,15 +7559,15 @@
               </a:spcAft>
             </a:pPr>
             <a:r>
-              <a:rPr b="1" lang="pt-BR" sz="2200" spc="-1" strike="noStrike">
+              <a:rPr lang="pt-BR" sz="2200" b="1" strike="noStrike" spc="-1">
                 <a:solidFill>
-                  <a:srgbClr val="ff5900"/>
+                  <a:srgbClr val="FF5900"/>
                 </a:solidFill>
                 <a:latin typeface="Arial"/>
               </a:rPr>
-              <a:t>Pontos Fortes</a:t>
+              <a:t>Pontos de Melhoria</a:t>
             </a:r>
-            <a:endParaRPr b="1" lang="pt-BR" sz="2200" spc="-1" strike="noStrike">
+            <a:endParaRPr lang="pt-BR" sz="2200" b="1" strike="noStrike" spc="-1">
               <a:latin typeface="Arial"/>
               <a:ea typeface="Noto Sans CJK SC"/>
             </a:endParaRPr>
@@ -6180,12 +7591,12 @@
               <a:buChar char=""/>
             </a:pPr>
             <a:r>
-              <a:rPr b="0" lang="pt-BR" sz="1800" spc="-1" strike="noStrike">
+              <a:rPr lang="pt-BR" sz="1800" b="0" strike="noStrike" spc="-1">
                 <a:latin typeface="Arial"/>
               </a:rPr>
-              <a:t>Didática prática faz com que o conteúdo seja absorvido de forma mais eficiente.</a:t>
+              <a:t>Módulo de Decision Science foi bem fraco e poderia refletir melhor a realidade da área.</a:t>
             </a:r>
-            <a:endParaRPr b="1" lang="pt-BR" sz="1800" spc="-1" strike="noStrike">
+            <a:endParaRPr lang="pt-BR" sz="1800" b="1" strike="noStrike" spc="-1">
               <a:latin typeface="Arial"/>
               <a:ea typeface="Noto Sans CJK SC"/>
             </a:endParaRPr>
@@ -6208,7 +7619,7 @@
               <a:buFont typeface="Wingdings" charset="2"/>
               <a:buChar char=""/>
             </a:pPr>
-            <a:endParaRPr b="1" lang="pt-BR" sz="1800" spc="-1" strike="noStrike">
+            <a:endParaRPr lang="pt-BR" sz="1800" b="1" strike="noStrike" spc="-1">
               <a:latin typeface="Arial"/>
               <a:ea typeface="Noto Sans CJK SC"/>
             </a:endParaRPr>
@@ -6232,12 +7643,12 @@
               <a:buChar char=""/>
             </a:pPr>
             <a:r>
-              <a:rPr b="0" lang="pt-BR" sz="1800" spc="-1" strike="noStrike">
+              <a:rPr lang="pt-BR" sz="1800" b="0" strike="noStrike" spc="-1">
                 <a:latin typeface="Arial"/>
               </a:rPr>
-              <a:t>Professores tem um bom domínio do assunto e sabem lidar com adaptações na didática.</a:t>
+              <a:t>Alguns módulos poderiam ter alguns temas modificados, para dar mais espaço a temas de maior peso (Exemplo: SQL e Engenharia de Dados)</a:t>
             </a:r>
-            <a:endParaRPr b="1" lang="pt-BR" sz="1800" spc="-1" strike="noStrike">
+            <a:endParaRPr lang="pt-BR" sz="1800" b="1" strike="noStrike" spc="-1">
               <a:latin typeface="Arial"/>
               <a:ea typeface="Noto Sans CJK SC"/>
             </a:endParaRPr>
@@ -6260,7 +7671,7 @@
               <a:buFont typeface="Wingdings" charset="2"/>
               <a:buChar char=""/>
             </a:pPr>
-            <a:endParaRPr b="1" lang="pt-BR" sz="1800" spc="-1" strike="noStrike">
+            <a:endParaRPr lang="pt-BR" sz="1800" b="1" strike="noStrike" spc="-1">
               <a:latin typeface="Arial"/>
               <a:ea typeface="Noto Sans CJK SC"/>
             </a:endParaRPr>
@@ -6284,12 +7695,12 @@
               <a:buChar char=""/>
             </a:pPr>
             <a:r>
-              <a:rPr b="0" lang="pt-BR" sz="1800" spc="-1" strike="noStrike">
+              <a:rPr lang="pt-BR" sz="1800" b="0" strike="noStrike" spc="-1">
                 <a:latin typeface="Arial"/>
               </a:rPr>
-              <a:t>Módulos básicos como Programação, Data Toolbox, SQL e Estatística tiveram um bom peso, o que garantiu base para temas mais complexos.</a:t>
+              <a:t>AWS poderia ter uma maios profundidade</a:t>
             </a:r>
-            <a:endParaRPr b="1" lang="pt-BR" sz="1800" spc="-1" strike="noStrike">
+            <a:endParaRPr lang="pt-BR" sz="1800" b="1" strike="noStrike" spc="-1">
               <a:latin typeface="Arial"/>
               <a:ea typeface="Noto Sans CJK SC"/>
             </a:endParaRPr>
@@ -6312,7 +7723,148 @@
               <a:buFont typeface="Wingdings" charset="2"/>
               <a:buChar char=""/>
             </a:pPr>
-            <a:endParaRPr b="1" lang="pt-BR" sz="1800" spc="-1" strike="noStrike">
+            <a:endParaRPr lang="pt-BR" sz="1800" b="1" strike="noStrike" spc="-1">
+              <a:latin typeface="Arial"/>
+              <a:ea typeface="Noto Sans CJK SC"/>
+            </a:endParaRPr>
+          </a:p>
+        </p:txBody>
+      </p:sp>
+      <p:sp>
+        <p:nvSpPr>
+          <p:cNvPr id="133" name="Conector reto 132"/>
+          <p:cNvSpPr/>
+          <p:nvPr/>
+        </p:nvSpPr>
+        <p:spPr>
+          <a:xfrm>
+            <a:off x="6095880" y="1080000"/>
+            <a:ext cx="0" cy="5400000"/>
+          </a:xfrm>
+          <a:prstGeom prst="line">
+            <a:avLst/>
+          </a:prstGeom>
+          <a:ln w="0">
+            <a:solidFill>
+              <a:srgbClr val="000000"/>
+            </a:solidFill>
+            <a:prstDash val="dash"/>
+          </a:ln>
+        </p:spPr>
+        <p:style>
+          <a:lnRef idx="0">
+            <a:scrgbClr r="0" g="0" b="0"/>
+          </a:lnRef>
+          <a:fillRef idx="0">
+            <a:scrgbClr r="0" g="0" b="0"/>
+          </a:fillRef>
+          <a:effectRef idx="0">
+            <a:scrgbClr r="0" g="0" b="0"/>
+          </a:effectRef>
+          <a:fontRef idx="minor"/>
+        </p:style>
+      </p:sp>
+      <p:sp>
+        <p:nvSpPr>
+          <p:cNvPr id="4" name="Retângulo: Cantos Arredondados 3">
+            <a:extLst>
+              <a:ext uri="{FF2B5EF4-FFF2-40B4-BE49-F238E27FC236}">
+                <a16:creationId xmlns:a16="http://schemas.microsoft.com/office/drawing/2014/main" id="{306B11DF-A6EF-4EB4-84C0-2D97800AAF16}"/>
+              </a:ext>
+            </a:extLst>
+          </p:cNvPr>
+          <p:cNvSpPr/>
+          <p:nvPr/>
+        </p:nvSpPr>
+        <p:spPr>
+          <a:xfrm>
+            <a:off x="0" y="1308240"/>
+            <a:ext cx="5543993" cy="5549760"/>
+          </a:xfrm>
+          <a:prstGeom prst="roundRect">
+            <a:avLst/>
+          </a:prstGeom>
+          <a:solidFill>
+            <a:schemeClr val="bg1">
+              <a:lumMod val="95000"/>
+              <a:alpha val="75000"/>
+            </a:schemeClr>
+          </a:solidFill>
+          <a:ln>
+            <a:noFill/>
+          </a:ln>
+        </p:spPr>
+        <p:style>
+          <a:lnRef idx="2">
+            <a:schemeClr val="accent1">
+              <a:shade val="50000"/>
+            </a:schemeClr>
+          </a:lnRef>
+          <a:fillRef idx="1">
+            <a:schemeClr val="accent1"/>
+          </a:fillRef>
+          <a:effectRef idx="0">
+            <a:schemeClr val="accent1"/>
+          </a:effectRef>
+          <a:fontRef idx="minor">
+            <a:schemeClr val="lt1"/>
+          </a:fontRef>
+        </p:style>
+        <p:txBody>
+          <a:bodyPr rtlCol="0" anchor="ctr"/>
+          <a:lstStyle/>
+          <a:p>
+            <a:pPr algn="ctr"/>
+            <a:endParaRPr lang="pt-BR"/>
+          </a:p>
+        </p:txBody>
+      </p:sp>
+      <p:sp>
+        <p:nvSpPr>
+          <p:cNvPr id="131" name="CaixaDeTexto 130"/>
+          <p:cNvSpPr txBox="1"/>
+          <p:nvPr/>
+        </p:nvSpPr>
+        <p:spPr>
+          <a:xfrm>
+            <a:off x="1620000" y="1308240"/>
+            <a:ext cx="4140000" cy="5171760"/>
+          </a:xfrm>
+          <a:prstGeom prst="rect">
+            <a:avLst/>
+          </a:prstGeom>
+          <a:noFill/>
+          <a:ln w="0">
+            <a:noFill/>
+          </a:ln>
+        </p:spPr>
+        <p:txBody>
+          <a:bodyPr lIns="90000" tIns="45000" rIns="90000" bIns="45000">
+            <a:noAutofit/>
+          </a:bodyPr>
+          <a:lstStyle/>
+          <a:p>
+            <a:pPr>
+              <a:lnSpc>
+                <a:spcPct val="100000"/>
+              </a:lnSpc>
+              <a:spcBef>
+                <a:spcPts val="283"/>
+              </a:spcBef>
+              <a:spcAft>
+                <a:spcPts val="283"/>
+              </a:spcAft>
+            </a:pPr>
+            <a:r>
+              <a:rPr lang="pt-BR" sz="2200" b="1" strike="noStrike" spc="-1" dirty="0">
+                <a:solidFill>
+                  <a:srgbClr val="FF5900"/>
+                </a:solidFill>
+                <a:latin typeface="Arial"/>
+              </a:rPr>
+              <a:t>Pontos Fortes</a:t>
+            </a:r>
+            <a:endParaRPr lang="pt-BR" sz="2200" b="1" strike="noStrike" spc="-1" dirty="0">
               <a:latin typeface="Arial"/>
               <a:ea typeface="Noto Sans CJK SC"/>
             </a:endParaRPr>
@@ -6336,43 +7888,18 @@
               <a:buChar char=""/>
             </a:pPr>
             <a:r>
-              <a:rPr b="0" lang="pt-BR" sz="1800" spc="-1" strike="noStrike">
+              <a:rPr lang="pt-BR" sz="1800" b="0" strike="noStrike" spc="-1" dirty="0">
                 <a:latin typeface="Arial"/>
               </a:rPr>
-              <a:t>Espaço para Network durante o Bootcamp foi fantástico.</a:t>
+              <a:t>Didática prática faz com que o conteúdo seja absorvido de forma mais eficiente.</a:t>
             </a:r>
-            <a:endParaRPr b="1" lang="pt-BR" sz="1800" spc="-1" strike="noStrike">
+            <a:endParaRPr lang="pt-BR" sz="1800" b="1" strike="noStrike" spc="-1" dirty="0">
               <a:latin typeface="Arial"/>
               <a:ea typeface="Noto Sans CJK SC"/>
             </a:endParaRPr>
           </a:p>
-        </p:txBody>
-      </p:sp>
-      <p:sp>
-        <p:nvSpPr>
-          <p:cNvPr id="132" name=""/>
-          <p:cNvSpPr txBox="1"/>
-          <p:nvPr/>
-        </p:nvSpPr>
-        <p:spPr>
-          <a:xfrm>
-            <a:off x="6660000" y="1308240"/>
-            <a:ext cx="4140000" cy="5171760"/>
-          </a:xfrm>
-          <a:prstGeom prst="rect">
-            <a:avLst/>
-          </a:prstGeom>
-          <a:noFill/>
-          <a:ln w="0">
-            <a:noFill/>
-          </a:ln>
-        </p:spPr>
-        <p:txBody>
-          <a:bodyPr lIns="90000" rIns="90000" tIns="45000" bIns="45000">
-            <a:noAutofit/>
-          </a:bodyPr>
-          <a:p>
-            <a:pPr>
+          <a:p>
+            <a:pPr marL="216000" indent="-216000">
               <a:lnSpc>
                 <a:spcPct val="100000"/>
               </a:lnSpc>
@@ -6382,17 +7909,14 @@
               <a:spcAft>
                 <a:spcPts val="283"/>
               </a:spcAft>
+              <a:buClr>
+                <a:srgbClr val="000000"/>
+              </a:buClr>
+              <a:buSzPct val="45000"/>
+              <a:buFont typeface="Wingdings" charset="2"/>
+              <a:buChar char=""/>
             </a:pPr>
-            <a:r>
-              <a:rPr b="1" lang="pt-BR" sz="2200" spc="-1" strike="noStrike">
-                <a:solidFill>
-                  <a:srgbClr val="ff5900"/>
-                </a:solidFill>
-                <a:latin typeface="Arial"/>
-              </a:rPr>
-              <a:t>Pontos de Melhoria</a:t>
-            </a:r>
-            <a:endParaRPr b="1" lang="pt-BR" sz="2200" spc="-1" strike="noStrike">
+            <a:endParaRPr lang="pt-BR" sz="1800" b="1" strike="noStrike" spc="-1" dirty="0">
               <a:latin typeface="Arial"/>
               <a:ea typeface="Noto Sans CJK SC"/>
             </a:endParaRPr>
@@ -6416,12 +7940,12 @@
               <a:buChar char=""/>
             </a:pPr>
             <a:r>
-              <a:rPr b="0" lang="pt-BR" sz="1800" spc="-1" strike="noStrike">
+              <a:rPr lang="pt-BR" sz="1800" b="0" strike="noStrike" spc="-1" dirty="0">
                 <a:latin typeface="Arial"/>
               </a:rPr>
-              <a:t>Módulo de Decision Science foi bem fraco e poderia refletir melhor a realidade da área.</a:t>
+              <a:t>Professores tem um bom domínio do assunto e sabem lidar com adaptações na didática.</a:t>
             </a:r>
-            <a:endParaRPr b="1" lang="pt-BR" sz="1800" spc="-1" strike="noStrike">
+            <a:endParaRPr lang="pt-BR" sz="1800" b="1" strike="noStrike" spc="-1" dirty="0">
               <a:latin typeface="Arial"/>
               <a:ea typeface="Noto Sans CJK SC"/>
             </a:endParaRPr>
@@ -6444,7 +7968,7 @@
               <a:buFont typeface="Wingdings" charset="2"/>
               <a:buChar char=""/>
             </a:pPr>
-            <a:endParaRPr b="1" lang="pt-BR" sz="1800" spc="-1" strike="noStrike">
+            <a:endParaRPr lang="pt-BR" sz="1800" b="1" strike="noStrike" spc="-1" dirty="0">
               <a:latin typeface="Arial"/>
               <a:ea typeface="Noto Sans CJK SC"/>
             </a:endParaRPr>
@@ -6468,12 +7992,12 @@
               <a:buChar char=""/>
             </a:pPr>
             <a:r>
-              <a:rPr b="0" lang="pt-BR" sz="1800" spc="-1" strike="noStrike">
+              <a:rPr lang="pt-BR" sz="1800" b="0" strike="noStrike" spc="-1" dirty="0">
                 <a:latin typeface="Arial"/>
               </a:rPr>
-              <a:t>Alguns módulos poderiam ter alguns temas modificados, para dar mais espaço a temas de maior peso (Exemplo: SQL e Engenharia de Dados)</a:t>
+              <a:t>Módulos básicos como Programação, Data Toolbox, SQL e Estatística tiveram um bom peso, o que garantiu base para temas mais complexos.</a:t>
             </a:r>
-            <a:endParaRPr b="1" lang="pt-BR" sz="1800" spc="-1" strike="noStrike">
+            <a:endParaRPr lang="pt-BR" sz="1800" b="1" strike="noStrike" spc="-1" dirty="0">
               <a:latin typeface="Arial"/>
               <a:ea typeface="Noto Sans CJK SC"/>
             </a:endParaRPr>
@@ -6496,7 +8020,7 @@
               <a:buFont typeface="Wingdings" charset="2"/>
               <a:buChar char=""/>
             </a:pPr>
-            <a:endParaRPr b="1" lang="pt-BR" sz="1800" spc="-1" strike="noStrike">
+            <a:endParaRPr lang="pt-BR" sz="1800" b="1" strike="noStrike" spc="-1" dirty="0">
               <a:latin typeface="Arial"/>
               <a:ea typeface="Noto Sans CJK SC"/>
             </a:endParaRPr>
@@ -6520,84 +8044,40 @@
               <a:buChar char=""/>
             </a:pPr>
             <a:r>
-              <a:rPr b="0" lang="pt-BR" sz="1800" spc="-1" strike="noStrike">
+              <a:rPr lang="pt-BR" sz="1800" b="0" strike="noStrike" spc="-1" dirty="0">
                 <a:latin typeface="Arial"/>
               </a:rPr>
-              <a:t>AWS poderia ter uma maios profundidade</a:t>
+              <a:t>Espaço para Network durante o </a:t>
             </a:r>
-            <a:endParaRPr b="1" lang="pt-BR" sz="1800" spc="-1" strike="noStrike">
+            <a:r>
+              <a:rPr lang="pt-BR" sz="1800" b="0" strike="noStrike" spc="-1" dirty="0" err="1">
+                <a:latin typeface="Arial"/>
+              </a:rPr>
+              <a:t>Bootcamp</a:t>
+            </a:r>
+            <a:r>
+              <a:rPr lang="pt-BR" sz="1800" b="0" strike="noStrike" spc="-1" dirty="0">
+                <a:latin typeface="Arial"/>
+              </a:rPr>
+              <a:t> foi fantástico.</a:t>
+            </a:r>
+            <a:endParaRPr lang="pt-BR" sz="1800" b="1" strike="noStrike" spc="-1" dirty="0">
               <a:latin typeface="Arial"/>
               <a:ea typeface="Noto Sans CJK SC"/>
             </a:endParaRPr>
           </a:p>
-          <a:p>
-            <a:pPr marL="216000" indent="-216000">
-              <a:lnSpc>
-                <a:spcPct val="100000"/>
-              </a:lnSpc>
-              <a:spcBef>
-                <a:spcPts val="283"/>
-              </a:spcBef>
-              <a:spcAft>
-                <a:spcPts val="283"/>
-              </a:spcAft>
-              <a:buClr>
-                <a:srgbClr val="000000"/>
-              </a:buClr>
-              <a:buSzPct val="45000"/>
-              <a:buFont typeface="Wingdings" charset="2"/>
-              <a:buChar char=""/>
-            </a:pPr>
-            <a:endParaRPr b="1" lang="pt-BR" sz="1800" spc="-1" strike="noStrike">
-              <a:latin typeface="Arial"/>
-              <a:ea typeface="Noto Sans CJK SC"/>
-            </a:endParaRPr>
-          </a:p>
         </p:txBody>
-      </p:sp>
-      <p:sp>
-        <p:nvSpPr>
-          <p:cNvPr id="133" name=""/>
-          <p:cNvSpPr/>
-          <p:nvPr/>
-        </p:nvSpPr>
-        <p:spPr>
-          <a:xfrm>
-            <a:off x="6095880" y="1080000"/>
-            <a:ext cx="0" cy="5400000"/>
-          </a:xfrm>
-          <a:prstGeom prst="line">
-            <a:avLst/>
-          </a:prstGeom>
-          <a:ln w="0">
-            <a:solidFill>
-              <a:srgbClr val="000000"/>
-            </a:solidFill>
-            <a:prstDash val="dash"/>
-          </a:ln>
-        </p:spPr>
-        <p:style>
-          <a:lnRef idx="0"/>
-          <a:fillRef idx="0"/>
-          <a:effectRef idx="0"/>
-          <a:fontRef idx="minor"/>
-        </p:style>
       </p:sp>
     </p:spTree>
   </p:cSld>
-  <mc:AlternateContent>
-    <mc:Choice Requires="p14">
-      <p:transition spd="slow" p14:dur="2000"/>
-    </mc:Choice>
-    <mc:Fallback>
-      <p:transition spd="slow"/>
-    </mc:Fallback>
-  </mc:AlternateContent>
+  <p:clrMapOvr>
+    <a:masterClrMapping/>
+  </p:clrMapOvr>
 </p:sld>
 </file>
 
 <file path=ppt/slides/slide6.xml><?xml version="1.0" encoding="utf-8"?>
-<p:sld xmlns:a="http://schemas.openxmlformats.org/drawingml/2006/main" xmlns:p="http://schemas.openxmlformats.org/presentationml/2006/main" xmlns:r="http://schemas.openxmlformats.org/officeDocument/2006/relationships" xmlns:p14="http://schemas.microsoft.com/office/powerpoint/2010/main" xmlns:p15="http://schemas.microsoft.com/office/powerpoint/2012/main" xmlns:mc="http://schemas.openxmlformats.org/markup-compatibility/2006">
+<p:sld xmlns:a="http://schemas.openxmlformats.org/drawingml/2006/main" xmlns:r="http://schemas.openxmlformats.org/officeDocument/2006/relationships" xmlns:p="http://schemas.openxmlformats.org/presentationml/2006/main">
   <p:cSld>
     <p:spTree>
       <p:nvGrpSpPr>
@@ -6615,7 +8095,7 @@
       </p:grpSpPr>
       <p:sp>
         <p:nvSpPr>
-          <p:cNvPr id="134" name=""/>
+          <p:cNvPr id="134" name="Retângulo 133"/>
           <p:cNvSpPr/>
           <p:nvPr/>
         </p:nvSpPr>
@@ -6633,15 +8113,22 @@
           </a:ln>
         </p:spPr>
         <p:style>
-          <a:lnRef idx="0"/>
-          <a:fillRef idx="0"/>
-          <a:effectRef idx="0"/>
+          <a:lnRef idx="0">
+            <a:scrgbClr r="0" g="0" b="0"/>
+          </a:lnRef>
+          <a:fillRef idx="0">
+            <a:scrgbClr r="0" g="0" b="0"/>
+          </a:fillRef>
+          <a:effectRef idx="0">
+            <a:scrgbClr r="0" g="0" b="0"/>
+          </a:effectRef>
           <a:fontRef idx="minor"/>
         </p:style>
         <p:txBody>
-          <a:bodyPr lIns="90000" rIns="90000" tIns="45000" bIns="45000">
+          <a:bodyPr lIns="90000" tIns="45000" rIns="90000" bIns="45000">
             <a:noAutofit/>
           </a:bodyPr>
+          <a:lstStyle/>
           <a:p>
             <a:pPr>
               <a:lnSpc>
@@ -6649,12 +8136,12 @@
               </a:lnSpc>
             </a:pPr>
             <a:r>
-              <a:rPr b="1" lang="pt-BR" sz="2400" spc="-1" strike="noStrike">
+              <a:rPr lang="pt-BR" sz="2400" b="1" strike="noStrike" spc="-1">
                 <a:latin typeface="Arial"/>
               </a:rPr>
               <a:t>Conclusão</a:t>
             </a:r>
-            <a:endParaRPr b="0" lang="pt-BR" sz="2400" spc="-1" strike="noStrike">
+            <a:endParaRPr lang="pt-BR" sz="2400" b="0" strike="noStrike" spc="-1">
               <a:latin typeface="Arial"/>
             </a:endParaRPr>
           </a:p>
@@ -6662,35 +8149,41 @@
       </p:sp>
       <p:sp>
         <p:nvSpPr>
-          <p:cNvPr id="135" name=""/>
+          <p:cNvPr id="135" name="Conector reto 134"/>
           <p:cNvSpPr/>
           <p:nvPr/>
         </p:nvSpPr>
         <p:spPr>
           <a:xfrm flipV="1">
             <a:off x="180000" y="705960"/>
-            <a:ext cx="3060000" cy="14040"/>
+            <a:ext cx="5364000" cy="14040"/>
           </a:xfrm>
           <a:prstGeom prst="line">
             <a:avLst/>
           </a:prstGeom>
           <a:ln w="36000">
             <a:solidFill>
-              <a:srgbClr val="ff5900"/>
+              <a:srgbClr val="FF5900"/>
             </a:solidFill>
             <a:round/>
           </a:ln>
         </p:spPr>
         <p:style>
-          <a:lnRef idx="0"/>
-          <a:fillRef idx="0"/>
-          <a:effectRef idx="0"/>
+          <a:lnRef idx="0">
+            <a:scrgbClr r="0" g="0" b="0"/>
+          </a:lnRef>
+          <a:fillRef idx="0">
+            <a:scrgbClr r="0" g="0" b="0"/>
+          </a:fillRef>
+          <a:effectRef idx="0">
+            <a:scrgbClr r="0" g="0" b="0"/>
+          </a:effectRef>
           <a:fontRef idx="minor"/>
         </p:style>
       </p:sp>
       <p:sp>
         <p:nvSpPr>
-          <p:cNvPr id="136" name=""/>
+          <p:cNvPr id="136" name="CaixaDeTexto 135"/>
           <p:cNvSpPr txBox="1"/>
           <p:nvPr/>
         </p:nvSpPr>
@@ -6708,9 +8201,10 @@
           </a:ln>
         </p:spPr>
         <p:txBody>
-          <a:bodyPr lIns="90000" rIns="90000" tIns="45000" bIns="45000">
+          <a:bodyPr lIns="90000" tIns="45000" rIns="90000" bIns="45000">
             <a:noAutofit/>
           </a:bodyPr>
+          <a:lstStyle/>
           <a:p>
             <a:pPr marL="216000" indent="-216000">
               <a:lnSpc>
@@ -6730,33 +8224,32 @@
               <a:buChar char=""/>
             </a:pPr>
             <a:r>
-              <a:rPr b="1" lang="pt-BR" sz="2200" spc="-1" strike="noStrike">
+              <a:rPr lang="pt-BR" sz="2200" b="1" strike="noStrike" spc="-1" dirty="0" err="1">
                 <a:latin typeface="Arial"/>
               </a:rPr>
-              <a:t>Iniciativa da DED para estimular </a:t>
+              <a:t>Bootcamp</a:t>
             </a:r>
             <a:r>
-              <a:rPr b="1" lang="pt-BR" sz="2200" spc="-1" strike="noStrike">
+              <a:rPr lang="pt-BR" sz="2200" b="1" strike="noStrike" spc="-1" dirty="0">
+                <a:latin typeface="Arial"/>
+              </a:rPr>
+              <a:t> de fato traz a possibilidade de estimular a </a:t>
+            </a:r>
+            <a:r>
+              <a:rPr lang="pt-BR" sz="2200" b="1" strike="noStrike" spc="-1" dirty="0">
                 <a:solidFill>
-                  <a:srgbClr val="ff5900"/>
+                  <a:srgbClr val="FF5900"/>
                 </a:solidFill>
                 <a:latin typeface="Arial"/>
               </a:rPr>
-              <a:t>o poder de transformação das pessoas</a:t>
+              <a:t>transformação de pessoas</a:t>
             </a:r>
             <a:r>
-              <a:rPr b="1" lang="pt-BR" sz="2200" spc="-1" strike="noStrike">
-                <a:solidFill>
-                  <a:srgbClr val="000000"/>
-                </a:solidFill>
+              <a:rPr lang="pt-BR" sz="2200" b="1" strike="noStrike" spc="-1" dirty="0">
                 <a:latin typeface="Arial"/>
               </a:rPr>
               <a:t>.</a:t>
             </a:r>
-            <a:endParaRPr b="1" lang="pt-BR" sz="2200" spc="-1" strike="noStrike">
-              <a:latin typeface="Arial"/>
-              <a:ea typeface="Noto Sans CJK SC"/>
-            </a:endParaRPr>
           </a:p>
           <a:p>
             <a:pPr marL="216000" indent="-216000">
@@ -6776,9 +8269,8 @@
               <a:buFont typeface="Wingdings" charset="2"/>
               <a:buChar char=""/>
             </a:pPr>
-            <a:endParaRPr b="1" lang="pt-BR" sz="2200" spc="-1" strike="noStrike">
-              <a:latin typeface="Arial"/>
-              <a:ea typeface="Noto Sans CJK SC"/>
+            <a:endParaRPr lang="pt-BR" sz="2200" b="1" spc="-1" dirty="0">
+              <a:latin typeface="Arial"/>
             </a:endParaRPr>
           </a:p>
           <a:p>
@@ -6800,30 +8292,11 @@
               <a:buChar char=""/>
             </a:pPr>
             <a:r>
-              <a:rPr b="1" lang="pt-BR" sz="2200" spc="-1" strike="noStrike">
+              <a:rPr lang="pt-BR" sz="2200" b="1" strike="noStrike" spc="-1" dirty="0">
                 <a:latin typeface="Arial"/>
               </a:rPr>
-              <a:t>Grade desenvolvida em parceria da DED com a Let’s Code, totalizando </a:t>
+              <a:t>O contato com muitos assuntos abre portas para o aprendizado futuro.</a:t>
             </a:r>
-            <a:r>
-              <a:rPr b="1" lang="pt-BR" sz="2200" spc="-1" strike="noStrike">
-                <a:solidFill>
-                  <a:srgbClr val="ff5900"/>
-                </a:solidFill>
-                <a:latin typeface="Arial"/>
-              </a:rPr>
-              <a:t>400h</a:t>
-            </a:r>
-            <a:r>
-              <a:rPr b="1" lang="pt-BR" sz="2200" spc="-1" strike="noStrike">
-                <a:latin typeface="Arial"/>
-              </a:rPr>
-              <a:t> de curso.</a:t>
-            </a:r>
-            <a:endParaRPr b="1" lang="pt-BR" sz="2200" spc="-1" strike="noStrike">
-              <a:latin typeface="Arial"/>
-              <a:ea typeface="Noto Sans CJK SC"/>
-            </a:endParaRPr>
           </a:p>
           <a:p>
             <a:pPr marL="216000" indent="-216000">
@@ -6843,9 +8316,8 @@
               <a:buFont typeface="Wingdings" charset="2"/>
               <a:buChar char=""/>
             </a:pPr>
-            <a:endParaRPr b="1" lang="pt-BR" sz="2200" spc="-1" strike="noStrike">
-              <a:latin typeface="Arial"/>
-              <a:ea typeface="Noto Sans CJK SC"/>
+            <a:endParaRPr lang="pt-BR" sz="2200" b="1" spc="-1" dirty="0">
+              <a:latin typeface="Arial"/>
             </a:endParaRPr>
           </a:p>
           <a:p>
@@ -6867,30 +8339,26 @@
               <a:buChar char=""/>
             </a:pPr>
             <a:r>
-              <a:rPr b="1" lang="pt-BR" sz="2200" spc="-1" strike="noStrike">
+              <a:rPr lang="pt-BR" sz="2200" b="1" strike="noStrike" spc="-1" dirty="0">
                 <a:latin typeface="Arial"/>
               </a:rPr>
-              <a:t>Turma piloto formada com </a:t>
+              <a:t>Somos incentivados a pensar </a:t>
             </a:r>
             <a:r>
-              <a:rPr b="1" lang="pt-BR" sz="2200" spc="-1" strike="noStrike">
+              <a:rPr lang="pt-BR" sz="2200" b="1" strike="noStrike" spc="-1" dirty="0">
                 <a:solidFill>
-                  <a:srgbClr val="ff5900"/>
+                  <a:srgbClr val="FF5900"/>
                 </a:solidFill>
                 <a:latin typeface="Arial"/>
               </a:rPr>
-              <a:t>21</a:t>
+              <a:t>“fora da caixa”</a:t>
             </a:r>
             <a:r>
-              <a:rPr b="1" lang="pt-BR" sz="2200" spc="-1" strike="noStrike">
+              <a:rPr lang="pt-BR" sz="2200" b="1" strike="noStrike" spc="-1" dirty="0">
                 <a:latin typeface="Arial"/>
               </a:rPr>
-              <a:t> colaboradores do Itaú.</a:t>
+              <a:t>.</a:t>
             </a:r>
-            <a:endParaRPr b="1" lang="pt-BR" sz="2200" spc="-1" strike="noStrike">
-              <a:latin typeface="Arial"/>
-              <a:ea typeface="Noto Sans CJK SC"/>
-            </a:endParaRPr>
           </a:p>
           <a:p>
             <a:pPr marL="216000" indent="-216000">
@@ -6910,9 +8378,8 @@
               <a:buFont typeface="Wingdings" charset="2"/>
               <a:buChar char=""/>
             </a:pPr>
-            <a:endParaRPr b="1" lang="pt-BR" sz="2200" spc="-1" strike="noStrike">
-              <a:latin typeface="Arial"/>
-              <a:ea typeface="Noto Sans CJK SC"/>
+            <a:endParaRPr lang="pt-BR" sz="2200" b="1" spc="-1" dirty="0">
+              <a:latin typeface="Arial"/>
             </a:endParaRPr>
           </a:p>
           <a:p>
@@ -6934,27 +8401,79 @@
               <a:buChar char=""/>
             </a:pPr>
             <a:r>
-              <a:rPr b="1" lang="pt-BR" sz="2200" spc="-1" strike="noStrike">
+              <a:rPr lang="pt-BR" sz="2200" b="1" strike="noStrike" spc="-1" dirty="0">
                 <a:latin typeface="Arial"/>
               </a:rPr>
-              <a:t>Nova turma aberta para o público, já conta com </a:t>
+              <a:t>Interação constante do Itaú com a turma do </a:t>
             </a:r>
             <a:r>
-              <a:rPr b="1" lang="pt-BR" sz="2200" spc="-1" strike="noStrike">
+              <a:rPr lang="pt-BR" sz="2200" b="1" strike="noStrike" spc="-1" dirty="0" err="1">
+                <a:latin typeface="Arial"/>
+              </a:rPr>
+              <a:t>Bootcamp</a:t>
+            </a:r>
+            <a:r>
+              <a:rPr lang="pt-BR" sz="2200" b="1" strike="noStrike" spc="-1" dirty="0">
+                <a:latin typeface="Arial"/>
+              </a:rPr>
+              <a:t> torna o processo muito mais rico e </a:t>
+            </a:r>
+            <a:r>
+              <a:rPr lang="pt-BR" sz="2200" b="1" strike="noStrike" spc="-1" dirty="0">
                 <a:solidFill>
-                  <a:srgbClr val="ff5900"/>
+                  <a:srgbClr val="FF5900"/>
                 </a:solidFill>
                 <a:latin typeface="Arial"/>
               </a:rPr>
-              <a:t>10,000</a:t>
+              <a:t>abrange a noção que temos da DED como um todo</a:t>
             </a:r>
             <a:r>
-              <a:rPr b="1" lang="pt-BR" sz="2200" spc="-1" strike="noStrike">
+              <a:rPr lang="pt-BR" sz="2200" b="1" strike="noStrike" spc="-1" dirty="0">
                 <a:latin typeface="Arial"/>
               </a:rPr>
-              <a:t> inscritos. (Última atualização 10/09). </a:t>
+              <a:t>.</a:t>
             </a:r>
-            <a:endParaRPr b="1" lang="pt-BR" sz="2200" spc="-1" strike="noStrike">
+          </a:p>
+          <a:p>
+            <a:pPr>
+              <a:lnSpc>
+                <a:spcPct val="100000"/>
+              </a:lnSpc>
+              <a:spcBef>
+                <a:spcPts val="283"/>
+              </a:spcBef>
+              <a:spcAft>
+                <a:spcPts val="283"/>
+              </a:spcAft>
+              <a:buClr>
+                <a:srgbClr val="000000"/>
+              </a:buClr>
+              <a:buSzPct val="45000"/>
+            </a:pPr>
+            <a:endParaRPr lang="pt-BR" sz="2200" b="1" spc="-1" dirty="0">
+              <a:latin typeface="Arial"/>
+              <a:ea typeface="Noto Sans CJK SC"/>
+            </a:endParaRPr>
+          </a:p>
+          <a:p>
+            <a:pPr marL="342900" indent="-342900">
+              <a:lnSpc>
+                <a:spcPct val="100000"/>
+              </a:lnSpc>
+              <a:spcBef>
+                <a:spcPts val="283"/>
+              </a:spcBef>
+              <a:spcAft>
+                <a:spcPts val="283"/>
+              </a:spcAft>
+              <a:buClr>
+                <a:srgbClr val="000000"/>
+              </a:buClr>
+              <a:buSzPct val="45000"/>
+              <a:buFont typeface="Arial" panose="020B0604020202020204" pitchFamily="34" charset="0"/>
+              <a:buChar char="•"/>
+            </a:pPr>
+            <a:endParaRPr lang="pt-BR" sz="2200" b="1" strike="noStrike" spc="-1" dirty="0">
               <a:latin typeface="Arial"/>
               <a:ea typeface="Noto Sans CJK SC"/>
             </a:endParaRPr>
@@ -6963,14 +8482,9 @@
       </p:sp>
     </p:spTree>
   </p:cSld>
-  <mc:AlternateContent>
-    <mc:Choice Requires="p14">
-      <p:transition spd="slow" p14:dur="2000"/>
-    </mc:Choice>
-    <mc:Fallback>
-      <p:transition spd="slow"/>
-    </mc:Fallback>
-  </mc:AlternateContent>
+  <p:clrMapOvr>
+    <a:masterClrMapping/>
+  </p:clrMapOvr>
 </p:sld>
 </file>
 
@@ -6985,34 +8499,34 @@
         <a:sysClr val="window" lastClr="FFFFFF"/>
       </a:lt1>
       <a:dk2>
-        <a:srgbClr val="44546a"/>
+        <a:srgbClr val="44546A"/>
       </a:dk2>
       <a:lt2>
-        <a:srgbClr val="e7e6e6"/>
+        <a:srgbClr val="E7E6E6"/>
       </a:lt2>
       <a:accent1>
-        <a:srgbClr val="4472c4"/>
+        <a:srgbClr val="4472C4"/>
       </a:accent1>
       <a:accent2>
-        <a:srgbClr val="ed7d31"/>
+        <a:srgbClr val="ED7D31"/>
       </a:accent2>
       <a:accent3>
-        <a:srgbClr val="a5a5a5"/>
+        <a:srgbClr val="A5A5A5"/>
       </a:accent3>
       <a:accent4>
-        <a:srgbClr val="ffc000"/>
+        <a:srgbClr val="FFC000"/>
       </a:accent4>
       <a:accent5>
-        <a:srgbClr val="5b9bd5"/>
+        <a:srgbClr val="5B9BD5"/>
       </a:accent5>
       <a:accent6>
-        <a:srgbClr val="70ad47"/>
+        <a:srgbClr val="70AD47"/>
       </a:accent6>
       <a:hlink>
-        <a:srgbClr val="0563c1"/>
+        <a:srgbClr val="0563C1"/>
       </a:hlink>
       <a:folHlink>
-        <a:srgbClr val="954f72"/>
+        <a:srgbClr val="954F72"/>
       </a:folHlink>
     </a:clrScheme>
     <a:fontScheme name="Office">
@@ -7197,6 +8711,8 @@
       </a:bgFillStyleLst>
     </a:fmtScheme>
   </a:themeElements>
+  <a:objectDefaults/>
+  <a:extraClrSchemeLst/>
 </a:theme>
 </file>
 
@@ -7211,34 +8727,34 @@
         <a:sysClr val="window" lastClr="FFFFFF"/>
       </a:lt1>
       <a:dk2>
-        <a:srgbClr val="44546a"/>
+        <a:srgbClr val="44546A"/>
       </a:dk2>
       <a:lt2>
-        <a:srgbClr val="e7e6e6"/>
+        <a:srgbClr val="E7E6E6"/>
       </a:lt2>
       <a:accent1>
-        <a:srgbClr val="4472c4"/>
+        <a:srgbClr val="4472C4"/>
       </a:accent1>
       <a:accent2>
-        <a:srgbClr val="ed7d31"/>
+        <a:srgbClr val="ED7D31"/>
       </a:accent2>
       <a:accent3>
-        <a:srgbClr val="a5a5a5"/>
+        <a:srgbClr val="A5A5A5"/>
       </a:accent3>
       <a:accent4>
-        <a:srgbClr val="ffc000"/>
+        <a:srgbClr val="FFC000"/>
       </a:accent4>
       <a:accent5>
-        <a:srgbClr val="5b9bd5"/>
+        <a:srgbClr val="5B9BD5"/>
       </a:accent5>
       <a:accent6>
-        <a:srgbClr val="70ad47"/>
+        <a:srgbClr val="70AD47"/>
       </a:accent6>
       <a:hlink>
-        <a:srgbClr val="0563c1"/>
+        <a:srgbClr val="0563C1"/>
       </a:hlink>
       <a:folHlink>
-        <a:srgbClr val="954f72"/>
+        <a:srgbClr val="954F72"/>
       </a:folHlink>
     </a:clrScheme>
     <a:fontScheme name="Office">
@@ -7423,5 +8939,7 @@
       </a:bgFillStyleLst>
     </a:fmtScheme>
   </a:themeElements>
+  <a:objectDefaults/>
+  <a:extraClrSchemeLst/>
 </a:theme>
 </file>
--- a/bootcamp.pptx
+++ b/bootcamp.pptx
@@ -12,6 +12,9 @@
     <p:sldId id="259" r:id="rId6"/>
     <p:sldId id="260" r:id="rId7"/>
     <p:sldId id="261" r:id="rId8"/>
+    <p:sldId id="262" r:id="rId9"/>
+    <p:sldId id="263" r:id="rId10"/>
+    <p:sldId id="264" r:id="rId11"/>
   </p:sldIdLst>
   <p:sldSz cx="12192000" cy="6858000"/>
   <p:notesSz cx="7559675" cy="10691813"/>
@@ -110,6 +113,11 @@
       </a:defRPr>
     </a:lvl9pPr>
   </p:defaultTextStyle>
+  <p:extLst>
+    <p:ext uri="{EFAFB233-063F-42B5-8137-9DF3F51BA10A}">
+      <p15:sldGuideLst xmlns:p15="http://schemas.microsoft.com/office/powerpoint/2012/main"/>
+    </p:ext>
+  </p:extLst>
 </p:presentation>
 </file>
 
@@ -3586,6 +3594,30 @@
       </p:grpSpPr>
       <p:pic>
         <p:nvPicPr>
+          <p:cNvPr id="43" name="Imagem 10"/>
+          <p:cNvPicPr/>
+          <p:nvPr/>
+        </p:nvPicPr>
+        <p:blipFill>
+          <a:blip r:embed="rId14"/>
+          <a:srcRect t="4945" r="14274"/>
+          <a:stretch/>
+        </p:blipFill>
+        <p:spPr>
+          <a:xfrm>
+            <a:off x="0" y="0"/>
+            <a:ext cx="12191400" cy="6857280"/>
+          </a:xfrm>
+          <a:prstGeom prst="rect">
+            <a:avLst/>
+          </a:prstGeom>
+          <a:ln w="0">
+            <a:noFill/>
+          </a:ln>
+        </p:spPr>
+      </p:pic>
+      <p:pic>
+        <p:nvPicPr>
           <p:cNvPr id="41" name="Imagem 7"/>
           <p:cNvPicPr/>
           <p:nvPr/>
@@ -3623,30 +3655,6 @@
           <a:xfrm>
             <a:off x="0" y="0"/>
             <a:ext cx="6462000" cy="2285280"/>
-          </a:xfrm>
-          <a:prstGeom prst="rect">
-            <a:avLst/>
-          </a:prstGeom>
-          <a:ln w="0">
-            <a:noFill/>
-          </a:ln>
-        </p:spPr>
-      </p:pic>
-      <p:pic>
-        <p:nvPicPr>
-          <p:cNvPr id="43" name="Imagem 10"/>
-          <p:cNvPicPr/>
-          <p:nvPr/>
-        </p:nvPicPr>
-        <p:blipFill>
-          <a:blip r:embed="rId14"/>
-          <a:srcRect t="4945" r="14274"/>
-          <a:stretch/>
-        </p:blipFill>
-        <p:spPr>
-          <a:xfrm>
-            <a:off x="0" y="2286000"/>
-            <a:ext cx="12191400" cy="4571280"/>
           </a:xfrm>
           <a:prstGeom prst="rect">
             <a:avLst/>
@@ -4652,22 +4660,34 @@
               <a:rPr lang="pt-BR" sz="2200" b="1" strike="noStrike" spc="-1" dirty="0">
                 <a:latin typeface="Arial"/>
               </a:rPr>
-              <a:t>Nova turma aberta para o público, já conta com </a:t>
+              <a:t>Nova turma aberta para o público, já conta com mais de </a:t>
             </a:r>
             <a:r>
-              <a:rPr lang="pt-BR" sz="2200" b="1" strike="noStrike" spc="-1" dirty="0">
+              <a:rPr lang="pt-BR" sz="2200" b="1" spc="-1" dirty="0">
                 <a:solidFill>
                   <a:srgbClr val="FF5900"/>
                 </a:solidFill>
                 <a:latin typeface="Arial"/>
               </a:rPr>
-              <a:t>10,000</a:t>
+              <a:t>35.000</a:t>
             </a:r>
             <a:r>
               <a:rPr lang="pt-BR" sz="2200" b="1" strike="noStrike" spc="-1" dirty="0">
                 <a:latin typeface="Arial"/>
               </a:rPr>
-              <a:t> inscritos. (Última atualização 10/09) </a:t>
+              <a:t> inscritos. (Última atualização </a:t>
+            </a:r>
+            <a:r>
+              <a:rPr lang="pt-BR" sz="2200" b="1" spc="-1" dirty="0">
+                <a:latin typeface="Arial"/>
+              </a:rPr>
+              <a:t>23</a:t>
+            </a:r>
+            <a:r>
+              <a:rPr lang="pt-BR" sz="2200" b="1" strike="noStrike" spc="-1" dirty="0">
+                <a:latin typeface="Arial"/>
+              </a:rPr>
+              <a:t>/09) </a:t>
             </a:r>
             <a:endParaRPr lang="pt-BR" sz="2200" b="1" strike="noStrike" spc="-1" dirty="0">
               <a:latin typeface="Arial"/>
@@ -8488,6 +8508,633 @@
 </p:sld>
 </file>
 
+<file path=ppt/slides/slide7.xml><?xml version="1.0" encoding="utf-8"?>
+<p:sld xmlns:a="http://schemas.openxmlformats.org/drawingml/2006/main" xmlns:r="http://schemas.openxmlformats.org/officeDocument/2006/relationships" xmlns:p="http://schemas.openxmlformats.org/presentationml/2006/main">
+  <p:cSld>
+    <p:spTree>
+      <p:nvGrpSpPr>
+        <p:cNvPr id="1" name=""/>
+        <p:cNvGrpSpPr/>
+        <p:nvPr/>
+      </p:nvGrpSpPr>
+      <p:grpSpPr>
+        <a:xfrm>
+          <a:off x="0" y="0"/>
+          <a:ext cx="0" cy="0"/>
+          <a:chOff x="0" y="0"/>
+          <a:chExt cx="0" cy="0"/>
+        </a:xfrm>
+      </p:grpSpPr>
+      <p:sp>
+        <p:nvSpPr>
+          <p:cNvPr id="134" name="Retângulo 133"/>
+          <p:cNvSpPr/>
+          <p:nvPr/>
+        </p:nvSpPr>
+        <p:spPr>
+          <a:xfrm>
+            <a:off x="180360" y="288000"/>
+            <a:ext cx="7739640" cy="345960"/>
+          </a:xfrm>
+          <a:prstGeom prst="rect">
+            <a:avLst/>
+          </a:prstGeom>
+          <a:noFill/>
+          <a:ln w="0">
+            <a:noFill/>
+          </a:ln>
+        </p:spPr>
+        <p:style>
+          <a:lnRef idx="0">
+            <a:scrgbClr r="0" g="0" b="0"/>
+          </a:lnRef>
+          <a:fillRef idx="0">
+            <a:scrgbClr r="0" g="0" b="0"/>
+          </a:fillRef>
+          <a:effectRef idx="0">
+            <a:scrgbClr r="0" g="0" b="0"/>
+          </a:effectRef>
+          <a:fontRef idx="minor"/>
+        </p:style>
+        <p:txBody>
+          <a:bodyPr lIns="90000" tIns="45000" rIns="90000" bIns="45000">
+            <a:noAutofit/>
+          </a:bodyPr>
+          <a:lstStyle/>
+          <a:p>
+            <a:pPr>
+              <a:lnSpc>
+                <a:spcPct val="100000"/>
+              </a:lnSpc>
+            </a:pPr>
+            <a:r>
+              <a:rPr lang="pt-BR" sz="2400" b="1" strike="noStrike" spc="-1" dirty="0">
+                <a:latin typeface="Arial"/>
+              </a:rPr>
+              <a:t>Case – Engenharia de Dados</a:t>
+            </a:r>
+            <a:endParaRPr lang="pt-BR" sz="2400" b="0" strike="noStrike" spc="-1" dirty="0">
+              <a:latin typeface="Arial"/>
+            </a:endParaRPr>
+          </a:p>
+        </p:txBody>
+      </p:sp>
+      <p:sp>
+        <p:nvSpPr>
+          <p:cNvPr id="135" name="Conector reto 134"/>
+          <p:cNvSpPr/>
+          <p:nvPr/>
+        </p:nvSpPr>
+        <p:spPr>
+          <a:xfrm flipV="1">
+            <a:off x="180000" y="705960"/>
+            <a:ext cx="5364000" cy="14040"/>
+          </a:xfrm>
+          <a:prstGeom prst="line">
+            <a:avLst/>
+          </a:prstGeom>
+          <a:ln w="36000">
+            <a:solidFill>
+              <a:srgbClr val="FF5900"/>
+            </a:solidFill>
+            <a:round/>
+          </a:ln>
+        </p:spPr>
+        <p:style>
+          <a:lnRef idx="0">
+            <a:scrgbClr r="0" g="0" b="0"/>
+          </a:lnRef>
+          <a:fillRef idx="0">
+            <a:scrgbClr r="0" g="0" b="0"/>
+          </a:fillRef>
+          <a:effectRef idx="0">
+            <a:scrgbClr r="0" g="0" b="0"/>
+          </a:effectRef>
+          <a:fontRef idx="minor"/>
+        </p:style>
+      </p:sp>
+      <p:sp>
+        <p:nvSpPr>
+          <p:cNvPr id="136" name="CaixaDeTexto 135"/>
+          <p:cNvSpPr txBox="1"/>
+          <p:nvPr/>
+        </p:nvSpPr>
+        <p:spPr>
+          <a:xfrm>
+            <a:off x="347340" y="951660"/>
+            <a:ext cx="7740000" cy="345960"/>
+          </a:xfrm>
+          <a:prstGeom prst="rect">
+            <a:avLst/>
+          </a:prstGeom>
+          <a:noFill/>
+          <a:ln w="0">
+            <a:noFill/>
+          </a:ln>
+        </p:spPr>
+        <p:txBody>
+          <a:bodyPr lIns="90000" tIns="45000" rIns="90000" bIns="45000">
+            <a:noAutofit/>
+          </a:bodyPr>
+          <a:lstStyle/>
+          <a:p>
+            <a:pPr marL="216000" indent="-216000">
+              <a:lnSpc>
+                <a:spcPct val="100000"/>
+              </a:lnSpc>
+              <a:spcBef>
+                <a:spcPts val="283"/>
+              </a:spcBef>
+              <a:spcAft>
+                <a:spcPts val="283"/>
+              </a:spcAft>
+              <a:buClr>
+                <a:srgbClr val="FF5900"/>
+              </a:buClr>
+              <a:buSzPct val="45000"/>
+              <a:buFont typeface="Wingdings" charset="2"/>
+              <a:buChar char=""/>
+            </a:pPr>
+            <a:r>
+              <a:rPr lang="pt-BR" sz="2200" b="1" spc="-1" dirty="0">
+                <a:latin typeface="Arial"/>
+                <a:ea typeface="Noto Sans CJK SC"/>
+              </a:rPr>
+              <a:t>AWS:</a:t>
+            </a:r>
+          </a:p>
+        </p:txBody>
+      </p:sp>
+      <p:pic>
+        <p:nvPicPr>
+          <p:cNvPr id="3" name="Imagem 2">
+            <a:extLst>
+              <a:ext uri="{FF2B5EF4-FFF2-40B4-BE49-F238E27FC236}">
+                <a16:creationId xmlns:a16="http://schemas.microsoft.com/office/drawing/2014/main" id="{F283F493-EB31-4662-BE10-CBACE022E5A7}"/>
+              </a:ext>
+            </a:extLst>
+          </p:cNvPr>
+          <p:cNvPicPr>
+            <a:picLocks noChangeAspect="1"/>
+          </p:cNvPicPr>
+          <p:nvPr/>
+        </p:nvPicPr>
+        <p:blipFill>
+          <a:blip r:embed="rId2"/>
+          <a:stretch>
+            <a:fillRect/>
+          </a:stretch>
+        </p:blipFill>
+        <p:spPr>
+          <a:xfrm>
+            <a:off x="180000" y="1297620"/>
+            <a:ext cx="9646417" cy="5222993"/>
+          </a:xfrm>
+          <a:prstGeom prst="rect">
+            <a:avLst/>
+          </a:prstGeom>
+        </p:spPr>
+      </p:pic>
+    </p:spTree>
+    <p:extLst>
+      <p:ext uri="{BB962C8B-B14F-4D97-AF65-F5344CB8AC3E}">
+        <p14:creationId xmlns:p14="http://schemas.microsoft.com/office/powerpoint/2010/main" val="1220125003"/>
+      </p:ext>
+    </p:extLst>
+  </p:cSld>
+  <p:clrMapOvr>
+    <a:masterClrMapping/>
+  </p:clrMapOvr>
+</p:sld>
+</file>
+
+<file path=ppt/slides/slide8.xml><?xml version="1.0" encoding="utf-8"?>
+<p:sld xmlns:a="http://schemas.openxmlformats.org/drawingml/2006/main" xmlns:r="http://schemas.openxmlformats.org/officeDocument/2006/relationships" xmlns:p="http://schemas.openxmlformats.org/presentationml/2006/main">
+  <p:cSld>
+    <p:spTree>
+      <p:nvGrpSpPr>
+        <p:cNvPr id="1" name=""/>
+        <p:cNvGrpSpPr/>
+        <p:nvPr/>
+      </p:nvGrpSpPr>
+      <p:grpSpPr>
+        <a:xfrm>
+          <a:off x="0" y="0"/>
+          <a:ext cx="0" cy="0"/>
+          <a:chOff x="0" y="0"/>
+          <a:chExt cx="0" cy="0"/>
+        </a:xfrm>
+      </p:grpSpPr>
+      <p:sp>
+        <p:nvSpPr>
+          <p:cNvPr id="134" name="Retângulo 133"/>
+          <p:cNvSpPr/>
+          <p:nvPr/>
+        </p:nvSpPr>
+        <p:spPr>
+          <a:xfrm>
+            <a:off x="180360" y="288000"/>
+            <a:ext cx="7739640" cy="345960"/>
+          </a:xfrm>
+          <a:prstGeom prst="rect">
+            <a:avLst/>
+          </a:prstGeom>
+          <a:noFill/>
+          <a:ln w="0">
+            <a:noFill/>
+          </a:ln>
+        </p:spPr>
+        <p:style>
+          <a:lnRef idx="0">
+            <a:scrgbClr r="0" g="0" b="0"/>
+          </a:lnRef>
+          <a:fillRef idx="0">
+            <a:scrgbClr r="0" g="0" b="0"/>
+          </a:fillRef>
+          <a:effectRef idx="0">
+            <a:scrgbClr r="0" g="0" b="0"/>
+          </a:effectRef>
+          <a:fontRef idx="minor"/>
+        </p:style>
+        <p:txBody>
+          <a:bodyPr lIns="90000" tIns="45000" rIns="90000" bIns="45000">
+            <a:noAutofit/>
+          </a:bodyPr>
+          <a:lstStyle/>
+          <a:p>
+            <a:pPr>
+              <a:lnSpc>
+                <a:spcPct val="100000"/>
+              </a:lnSpc>
+            </a:pPr>
+            <a:r>
+              <a:rPr lang="pt-BR" sz="2400" b="1" strike="noStrike" spc="-1" dirty="0">
+                <a:latin typeface="Arial"/>
+              </a:rPr>
+              <a:t>Case – Engenharia de Dados</a:t>
+            </a:r>
+            <a:endParaRPr lang="pt-BR" sz="2400" b="0" strike="noStrike" spc="-1" dirty="0">
+              <a:latin typeface="Arial"/>
+            </a:endParaRPr>
+          </a:p>
+        </p:txBody>
+      </p:sp>
+      <p:sp>
+        <p:nvSpPr>
+          <p:cNvPr id="135" name="Conector reto 134"/>
+          <p:cNvSpPr/>
+          <p:nvPr/>
+        </p:nvSpPr>
+        <p:spPr>
+          <a:xfrm flipV="1">
+            <a:off x="180000" y="705960"/>
+            <a:ext cx="5364000" cy="14040"/>
+          </a:xfrm>
+          <a:prstGeom prst="line">
+            <a:avLst/>
+          </a:prstGeom>
+          <a:ln w="36000">
+            <a:solidFill>
+              <a:srgbClr val="FF5900"/>
+            </a:solidFill>
+            <a:round/>
+          </a:ln>
+        </p:spPr>
+        <p:style>
+          <a:lnRef idx="0">
+            <a:scrgbClr r="0" g="0" b="0"/>
+          </a:lnRef>
+          <a:fillRef idx="0">
+            <a:scrgbClr r="0" g="0" b="0"/>
+          </a:fillRef>
+          <a:effectRef idx="0">
+            <a:scrgbClr r="0" g="0" b="0"/>
+          </a:effectRef>
+          <a:fontRef idx="minor"/>
+        </p:style>
+      </p:sp>
+      <p:sp>
+        <p:nvSpPr>
+          <p:cNvPr id="136" name="CaixaDeTexto 135"/>
+          <p:cNvSpPr txBox="1"/>
+          <p:nvPr/>
+        </p:nvSpPr>
+        <p:spPr>
+          <a:xfrm>
+            <a:off x="347340" y="951660"/>
+            <a:ext cx="7740000" cy="345960"/>
+          </a:xfrm>
+          <a:prstGeom prst="rect">
+            <a:avLst/>
+          </a:prstGeom>
+          <a:noFill/>
+          <a:ln w="0">
+            <a:noFill/>
+          </a:ln>
+        </p:spPr>
+        <p:txBody>
+          <a:bodyPr lIns="90000" tIns="45000" rIns="90000" bIns="45000">
+            <a:noAutofit/>
+          </a:bodyPr>
+          <a:lstStyle/>
+          <a:p>
+            <a:pPr marL="216000" indent="-216000">
+              <a:lnSpc>
+                <a:spcPct val="100000"/>
+              </a:lnSpc>
+              <a:spcBef>
+                <a:spcPts val="283"/>
+              </a:spcBef>
+              <a:spcAft>
+                <a:spcPts val="283"/>
+              </a:spcAft>
+              <a:buClr>
+                <a:srgbClr val="FF5900"/>
+              </a:buClr>
+              <a:buSzPct val="45000"/>
+              <a:buFont typeface="Wingdings" charset="2"/>
+              <a:buChar char=""/>
+            </a:pPr>
+            <a:r>
+              <a:rPr lang="pt-BR" sz="2200" b="1" spc="-1" dirty="0">
+                <a:latin typeface="Arial"/>
+                <a:ea typeface="Noto Sans CJK SC"/>
+              </a:rPr>
+              <a:t>Acessando o API usando Python:</a:t>
+            </a:r>
+          </a:p>
+        </p:txBody>
+      </p:sp>
+      <p:pic>
+        <p:nvPicPr>
+          <p:cNvPr id="4" name="Imagem 3">
+            <a:extLst>
+              <a:ext uri="{FF2B5EF4-FFF2-40B4-BE49-F238E27FC236}">
+                <a16:creationId xmlns:a16="http://schemas.microsoft.com/office/drawing/2014/main" id="{B5437FFA-1AB3-4C49-9661-DA788AF90634}"/>
+              </a:ext>
+            </a:extLst>
+          </p:cNvPr>
+          <p:cNvPicPr>
+            <a:picLocks noChangeAspect="1"/>
+          </p:cNvPicPr>
+          <p:nvPr/>
+        </p:nvPicPr>
+        <p:blipFill rotWithShape="1">
+          <a:blip r:embed="rId2"/>
+          <a:srcRect r="50796"/>
+          <a:stretch/>
+        </p:blipFill>
+        <p:spPr>
+          <a:xfrm>
+            <a:off x="347340" y="1823981"/>
+            <a:ext cx="5520897" cy="4581525"/>
+          </a:xfrm>
+          <a:prstGeom prst="rect">
+            <a:avLst/>
+          </a:prstGeom>
+        </p:spPr>
+      </p:pic>
+      <p:pic>
+        <p:nvPicPr>
+          <p:cNvPr id="6" name="Imagem 5">
+            <a:extLst>
+              <a:ext uri="{FF2B5EF4-FFF2-40B4-BE49-F238E27FC236}">
+                <a16:creationId xmlns:a16="http://schemas.microsoft.com/office/drawing/2014/main" id="{140243C5-C78A-48EB-8134-EB0602CE5CEF}"/>
+              </a:ext>
+            </a:extLst>
+          </p:cNvPr>
+          <p:cNvPicPr>
+            <a:picLocks noChangeAspect="1"/>
+          </p:cNvPicPr>
+          <p:nvPr/>
+        </p:nvPicPr>
+        <p:blipFill>
+          <a:blip r:embed="rId3"/>
+          <a:stretch>
+            <a:fillRect/>
+          </a:stretch>
+        </p:blipFill>
+        <p:spPr>
+          <a:xfrm>
+            <a:off x="6100991" y="1823981"/>
+            <a:ext cx="5777639" cy="4581525"/>
+          </a:xfrm>
+          <a:prstGeom prst="rect">
+            <a:avLst/>
+          </a:prstGeom>
+        </p:spPr>
+      </p:pic>
+    </p:spTree>
+    <p:extLst>
+      <p:ext uri="{BB962C8B-B14F-4D97-AF65-F5344CB8AC3E}">
+        <p14:creationId xmlns:p14="http://schemas.microsoft.com/office/powerpoint/2010/main" val="3521228964"/>
+      </p:ext>
+    </p:extLst>
+  </p:cSld>
+  <p:clrMapOvr>
+    <a:masterClrMapping/>
+  </p:clrMapOvr>
+</p:sld>
+</file>
+
+<file path=ppt/slides/slide9.xml><?xml version="1.0" encoding="utf-8"?>
+<p:sld xmlns:a="http://schemas.openxmlformats.org/drawingml/2006/main" xmlns:r="http://schemas.openxmlformats.org/officeDocument/2006/relationships" xmlns:p="http://schemas.openxmlformats.org/presentationml/2006/main">
+  <p:cSld>
+    <p:spTree>
+      <p:nvGrpSpPr>
+        <p:cNvPr id="1" name=""/>
+        <p:cNvGrpSpPr/>
+        <p:nvPr/>
+      </p:nvGrpSpPr>
+      <p:grpSpPr>
+        <a:xfrm>
+          <a:off x="0" y="0"/>
+          <a:ext cx="0" cy="0"/>
+          <a:chOff x="0" y="0"/>
+          <a:chExt cx="0" cy="0"/>
+        </a:xfrm>
+      </p:grpSpPr>
+      <p:sp>
+        <p:nvSpPr>
+          <p:cNvPr id="134" name="Retângulo 133"/>
+          <p:cNvSpPr/>
+          <p:nvPr/>
+        </p:nvSpPr>
+        <p:spPr>
+          <a:xfrm>
+            <a:off x="180360" y="288000"/>
+            <a:ext cx="7739640" cy="345960"/>
+          </a:xfrm>
+          <a:prstGeom prst="rect">
+            <a:avLst/>
+          </a:prstGeom>
+          <a:noFill/>
+          <a:ln w="0">
+            <a:noFill/>
+          </a:ln>
+        </p:spPr>
+        <p:style>
+          <a:lnRef idx="0">
+            <a:scrgbClr r="0" g="0" b="0"/>
+          </a:lnRef>
+          <a:fillRef idx="0">
+            <a:scrgbClr r="0" g="0" b="0"/>
+          </a:fillRef>
+          <a:effectRef idx="0">
+            <a:scrgbClr r="0" g="0" b="0"/>
+          </a:effectRef>
+          <a:fontRef idx="minor"/>
+        </p:style>
+        <p:txBody>
+          <a:bodyPr lIns="90000" tIns="45000" rIns="90000" bIns="45000">
+            <a:noAutofit/>
+          </a:bodyPr>
+          <a:lstStyle/>
+          <a:p>
+            <a:pPr>
+              <a:lnSpc>
+                <a:spcPct val="100000"/>
+              </a:lnSpc>
+            </a:pPr>
+            <a:r>
+              <a:rPr lang="pt-BR" sz="2400" b="1" strike="noStrike" spc="-1" dirty="0">
+                <a:latin typeface="Arial"/>
+              </a:rPr>
+              <a:t>Case – Ciência de Dados</a:t>
+            </a:r>
+            <a:endParaRPr lang="pt-BR" sz="2400" b="0" strike="noStrike" spc="-1" dirty="0">
+              <a:latin typeface="Arial"/>
+            </a:endParaRPr>
+          </a:p>
+        </p:txBody>
+      </p:sp>
+      <p:sp>
+        <p:nvSpPr>
+          <p:cNvPr id="135" name="Conector reto 134"/>
+          <p:cNvSpPr/>
+          <p:nvPr/>
+        </p:nvSpPr>
+        <p:spPr>
+          <a:xfrm flipV="1">
+            <a:off x="180000" y="705960"/>
+            <a:ext cx="5364000" cy="14040"/>
+          </a:xfrm>
+          <a:prstGeom prst="line">
+            <a:avLst/>
+          </a:prstGeom>
+          <a:ln w="36000">
+            <a:solidFill>
+              <a:srgbClr val="FF5900"/>
+            </a:solidFill>
+            <a:round/>
+          </a:ln>
+        </p:spPr>
+        <p:style>
+          <a:lnRef idx="0">
+            <a:scrgbClr r="0" g="0" b="0"/>
+          </a:lnRef>
+          <a:fillRef idx="0">
+            <a:scrgbClr r="0" g="0" b="0"/>
+          </a:fillRef>
+          <a:effectRef idx="0">
+            <a:scrgbClr r="0" g="0" b="0"/>
+          </a:effectRef>
+          <a:fontRef idx="minor"/>
+        </p:style>
+      </p:sp>
+      <p:sp>
+        <p:nvSpPr>
+          <p:cNvPr id="136" name="CaixaDeTexto 135"/>
+          <p:cNvSpPr txBox="1"/>
+          <p:nvPr/>
+        </p:nvSpPr>
+        <p:spPr>
+          <a:xfrm>
+            <a:off x="347340" y="951660"/>
+            <a:ext cx="7740000" cy="345960"/>
+          </a:xfrm>
+          <a:prstGeom prst="rect">
+            <a:avLst/>
+          </a:prstGeom>
+          <a:noFill/>
+          <a:ln w="0">
+            <a:noFill/>
+          </a:ln>
+        </p:spPr>
+        <p:txBody>
+          <a:bodyPr lIns="90000" tIns="45000" rIns="90000" bIns="45000">
+            <a:noAutofit/>
+          </a:bodyPr>
+          <a:lstStyle/>
+          <a:p>
+            <a:pPr marL="216000" indent="-216000">
+              <a:lnSpc>
+                <a:spcPct val="100000"/>
+              </a:lnSpc>
+              <a:spcBef>
+                <a:spcPts val="283"/>
+              </a:spcBef>
+              <a:spcAft>
+                <a:spcPts val="283"/>
+              </a:spcAft>
+              <a:buClr>
+                <a:srgbClr val="FF5900"/>
+              </a:buClr>
+              <a:buSzPct val="45000"/>
+              <a:buFont typeface="Wingdings" charset="2"/>
+              <a:buChar char=""/>
+            </a:pPr>
+            <a:r>
+              <a:rPr lang="pt-BR" sz="2200" b="1" spc="-1" dirty="0">
+                <a:latin typeface="Arial"/>
+                <a:ea typeface="Noto Sans CJK SC"/>
+              </a:rPr>
+              <a:t>Miro:</a:t>
+            </a:r>
+          </a:p>
+          <a:p>
+            <a:pPr marL="673200" lvl="1" indent="-216000">
+              <a:spcBef>
+                <a:spcPts val="283"/>
+              </a:spcBef>
+              <a:spcAft>
+                <a:spcPts val="283"/>
+              </a:spcAft>
+              <a:buClr>
+                <a:srgbClr val="FF5900"/>
+              </a:buClr>
+              <a:buSzPct val="45000"/>
+              <a:buFont typeface="Wingdings" charset="2"/>
+              <a:buChar char=""/>
+            </a:pPr>
+            <a:r>
+              <a:rPr lang="pt-BR" sz="2200" b="1" spc="-1" dirty="0">
+                <a:latin typeface="Arial"/>
+                <a:ea typeface="Noto Sans CJK SC"/>
+                <a:hlinkClick r:id="rId2"/>
+              </a:rPr>
+              <a:t>https://miro.com/welcomeonboard/Z0NLZkxLenFuT2U2R1dMWTNzeEdtNWV4Y2lNRk1BemtHeUs2ejA0dDNWQU1Lb204U0VXa1FKT2w0T0VsZXNpN3wzMDc0NDU3MzY0NDk5MjI2OTE3?invite_link_id=351759158152</a:t>
+            </a:r>
+            <a:endParaRPr lang="pt-BR" sz="2200" b="1" spc="-1" dirty="0">
+              <a:latin typeface="Arial"/>
+              <a:ea typeface="Noto Sans CJK SC"/>
+            </a:endParaRPr>
+          </a:p>
+        </p:txBody>
+      </p:sp>
+    </p:spTree>
+    <p:extLst>
+      <p:ext uri="{BB962C8B-B14F-4D97-AF65-F5344CB8AC3E}">
+        <p14:creationId xmlns:p14="http://schemas.microsoft.com/office/powerpoint/2010/main" val="2329549461"/>
+      </p:ext>
+    </p:extLst>
+  </p:cSld>
+  <p:clrMapOvr>
+    <a:masterClrMapping/>
+  </p:clrMapOvr>
+</p:sld>
+</file>
+
 <file path=ppt/theme/theme1.xml><?xml version="1.0" encoding="utf-8"?>
 <a:theme xmlns:a="http://schemas.openxmlformats.org/drawingml/2006/main" name="Office Theme">
   <a:themeElements>
